--- a/Doc/Sprint2_Retrospective_200.pptx
+++ b/Doc/Sprint2_Retrospective_200.pptx
@@ -1,41 +1,41 @@
 
 <file path=ppt/presentation.xml><?xml version="1.0" encoding="utf-8"?>
-<p:presentation xmlns:a="http://schemas.openxmlformats.org/drawingml/2006/main" xmlns:r="http://schemas.openxmlformats.org/officeDocument/2006/relationships" xmlns:mc="http://schemas.openxmlformats.org/markup-compatibility/2006" xmlns:mv="urn:schemas-microsoft-com:mac:vml" xmlns:p="http://schemas.openxmlformats.org/presentationml/2006/main" xmlns:c="http://schemas.openxmlformats.org/drawingml/2006/chart" xmlns:dgm="http://schemas.openxmlformats.org/drawingml/2006/diagram" xmlns:o="urn:schemas-microsoft-com:office:office" xmlns:v="urn:schemas-microsoft-com:vml" xmlns:pvml="urn:schemas-microsoft-com:office:powerpoint" xmlns:com="http://schemas.openxmlformats.org/drawingml/2006/compatibility" xmlns:p14="http://schemas.microsoft.com/office/powerpoint/2010/main" xmlns:p15="http://schemas.microsoft.com/office/powerpoint/2012/main" autoCompressPictures="0" embedTrueTypeFonts="1" strictFirstAndLastChars="0" saveSubsetFonts="1">
+<p:presentation xmlns:a="http://schemas.openxmlformats.org/drawingml/2006/main" xmlns:r="http://schemas.openxmlformats.org/officeDocument/2006/relationships" xmlns:p="http://schemas.openxmlformats.org/presentationml/2006/main" strictFirstAndLastChars="0" embedTrueTypeFonts="1" autoCompressPictures="0">
   <p:sldMasterIdLst>
-    <p:sldMasterId id="2147483659" r:id="rId3"/>
+    <p:sldMasterId id="2147483659" r:id="rId1"/>
   </p:sldMasterIdLst>
   <p:notesMasterIdLst>
-    <p:notesMasterId r:id="rId4"/>
+    <p:notesMasterId r:id="rId9"/>
   </p:notesMasterIdLst>
   <p:sldIdLst>
-    <p:sldId id="256" r:id="rId5"/>
-    <p:sldId id="257" r:id="rId6"/>
-    <p:sldId id="258" r:id="rId7"/>
-    <p:sldId id="259" r:id="rId8"/>
-    <p:sldId id="260" r:id="rId9"/>
-    <p:sldId id="261" r:id="rId10"/>
-    <p:sldId id="262" r:id="rId11"/>
+    <p:sldId id="256" r:id="rId2"/>
+    <p:sldId id="257" r:id="rId3"/>
+    <p:sldId id="258" r:id="rId4"/>
+    <p:sldId id="259" r:id="rId5"/>
+    <p:sldId id="260" r:id="rId6"/>
+    <p:sldId id="261" r:id="rId7"/>
+    <p:sldId id="262" r:id="rId8"/>
   </p:sldIdLst>
-  <p:sldSz cy="5143500" cx="9144000"/>
+  <p:sldSz cx="9144000" cy="5143500" type="screen16x9"/>
   <p:notesSz cx="6858000" cy="9144000"/>
   <p:embeddedFontLst>
     <p:embeddedFont>
-      <p:font typeface="Raleway"/>
-      <p:regular r:id="rId12"/>
-      <p:bold r:id="rId13"/>
-      <p:italic r:id="rId14"/>
-      <p:boldItalic r:id="rId15"/>
+      <p:font typeface="Lato" panose="020F0502020204030203" pitchFamily="34" charset="77"/>
+      <p:regular r:id="rId10"/>
+      <p:bold r:id="rId11"/>
+      <p:italic r:id="rId12"/>
+      <p:boldItalic r:id="rId13"/>
     </p:embeddedFont>
     <p:embeddedFont>
-      <p:font typeface="Lato"/>
-      <p:regular r:id="rId16"/>
-      <p:bold r:id="rId17"/>
-      <p:italic r:id="rId18"/>
-      <p:boldItalic r:id="rId19"/>
+      <p:font typeface="Raleway" panose="020B0503030101060003" pitchFamily="34" charset="77"/>
+      <p:regular r:id="rId14"/>
+      <p:bold r:id="rId15"/>
+      <p:italic r:id="rId16"/>
+      <p:boldItalic r:id="rId17"/>
     </p:embeddedFont>
   </p:embeddedFontLst>
   <p:defaultTextStyle>
-    <a:defPPr lvl="0" marR="0" rtl="0" algn="l">
+    <a:defPPr marR="0" lvl="0" algn="l" rtl="0">
       <a:lnSpc>
         <a:spcPct val="100000"/>
       </a:lnSpc>
@@ -46,7 +46,7 @@
         <a:spcPts val="0"/>
       </a:spcAft>
     </a:defPPr>
-    <a:lvl1pPr lvl="0" marR="0" rtl="0" algn="l">
+    <a:lvl1pPr marR="0" lvl="0" algn="l" rtl="0">
       <a:lnSpc>
         <a:spcPct val="100000"/>
       </a:lnSpc>
@@ -60,7 +60,7 @@
         <a:srgbClr val="000000"/>
       </a:buClr>
       <a:buFont typeface="Arial"/>
-      <a:defRPr b="0" i="0" sz="1400" u="none" cap="none" strike="noStrike">
+      <a:defRPr sz="1400" b="0" i="0" u="none" strike="noStrike" cap="none">
         <a:solidFill>
           <a:srgbClr val="000000"/>
         </a:solidFill>
@@ -70,7 +70,7 @@
         <a:sym typeface="Arial"/>
       </a:defRPr>
     </a:lvl1pPr>
-    <a:lvl2pPr lvl="1" marR="0" rtl="0" algn="l">
+    <a:lvl2pPr marR="0" lvl="1" algn="l" rtl="0">
       <a:lnSpc>
         <a:spcPct val="100000"/>
       </a:lnSpc>
@@ -84,7 +84,7 @@
         <a:srgbClr val="000000"/>
       </a:buClr>
       <a:buFont typeface="Arial"/>
-      <a:defRPr b="0" i="0" sz="1400" u="none" cap="none" strike="noStrike">
+      <a:defRPr sz="1400" b="0" i="0" u="none" strike="noStrike" cap="none">
         <a:solidFill>
           <a:srgbClr val="000000"/>
         </a:solidFill>
@@ -94,7 +94,7 @@
         <a:sym typeface="Arial"/>
       </a:defRPr>
     </a:lvl2pPr>
-    <a:lvl3pPr lvl="2" marR="0" rtl="0" algn="l">
+    <a:lvl3pPr marR="0" lvl="2" algn="l" rtl="0">
       <a:lnSpc>
         <a:spcPct val="100000"/>
       </a:lnSpc>
@@ -108,7 +108,7 @@
         <a:srgbClr val="000000"/>
       </a:buClr>
       <a:buFont typeface="Arial"/>
-      <a:defRPr b="0" i="0" sz="1400" u="none" cap="none" strike="noStrike">
+      <a:defRPr sz="1400" b="0" i="0" u="none" strike="noStrike" cap="none">
         <a:solidFill>
           <a:srgbClr val="000000"/>
         </a:solidFill>
@@ -118,7 +118,7 @@
         <a:sym typeface="Arial"/>
       </a:defRPr>
     </a:lvl3pPr>
-    <a:lvl4pPr lvl="3" marR="0" rtl="0" algn="l">
+    <a:lvl4pPr marR="0" lvl="3" algn="l" rtl="0">
       <a:lnSpc>
         <a:spcPct val="100000"/>
       </a:lnSpc>
@@ -132,7 +132,7 @@
         <a:srgbClr val="000000"/>
       </a:buClr>
       <a:buFont typeface="Arial"/>
-      <a:defRPr b="0" i="0" sz="1400" u="none" cap="none" strike="noStrike">
+      <a:defRPr sz="1400" b="0" i="0" u="none" strike="noStrike" cap="none">
         <a:solidFill>
           <a:srgbClr val="000000"/>
         </a:solidFill>
@@ -142,7 +142,7 @@
         <a:sym typeface="Arial"/>
       </a:defRPr>
     </a:lvl4pPr>
-    <a:lvl5pPr lvl="4" marR="0" rtl="0" algn="l">
+    <a:lvl5pPr marR="0" lvl="4" algn="l" rtl="0">
       <a:lnSpc>
         <a:spcPct val="100000"/>
       </a:lnSpc>
@@ -156,7 +156,7 @@
         <a:srgbClr val="000000"/>
       </a:buClr>
       <a:buFont typeface="Arial"/>
-      <a:defRPr b="0" i="0" sz="1400" u="none" cap="none" strike="noStrike">
+      <a:defRPr sz="1400" b="0" i="0" u="none" strike="noStrike" cap="none">
         <a:solidFill>
           <a:srgbClr val="000000"/>
         </a:solidFill>
@@ -166,7 +166,7 @@
         <a:sym typeface="Arial"/>
       </a:defRPr>
     </a:lvl5pPr>
-    <a:lvl6pPr lvl="5" marR="0" rtl="0" algn="l">
+    <a:lvl6pPr marR="0" lvl="5" algn="l" rtl="0">
       <a:lnSpc>
         <a:spcPct val="100000"/>
       </a:lnSpc>
@@ -180,7 +180,7 @@
         <a:srgbClr val="000000"/>
       </a:buClr>
       <a:buFont typeface="Arial"/>
-      <a:defRPr b="0" i="0" sz="1400" u="none" cap="none" strike="noStrike">
+      <a:defRPr sz="1400" b="0" i="0" u="none" strike="noStrike" cap="none">
         <a:solidFill>
           <a:srgbClr val="000000"/>
         </a:solidFill>
@@ -190,7 +190,7 @@
         <a:sym typeface="Arial"/>
       </a:defRPr>
     </a:lvl6pPr>
-    <a:lvl7pPr lvl="6" marR="0" rtl="0" algn="l">
+    <a:lvl7pPr marR="0" lvl="6" algn="l" rtl="0">
       <a:lnSpc>
         <a:spcPct val="100000"/>
       </a:lnSpc>
@@ -204,7 +204,7 @@
         <a:srgbClr val="000000"/>
       </a:buClr>
       <a:buFont typeface="Arial"/>
-      <a:defRPr b="0" i="0" sz="1400" u="none" cap="none" strike="noStrike">
+      <a:defRPr sz="1400" b="0" i="0" u="none" strike="noStrike" cap="none">
         <a:solidFill>
           <a:srgbClr val="000000"/>
         </a:solidFill>
@@ -214,7 +214,7 @@
         <a:sym typeface="Arial"/>
       </a:defRPr>
     </a:lvl7pPr>
-    <a:lvl8pPr lvl="7" marR="0" rtl="0" algn="l">
+    <a:lvl8pPr marR="0" lvl="7" algn="l" rtl="0">
       <a:lnSpc>
         <a:spcPct val="100000"/>
       </a:lnSpc>
@@ -228,7 +228,7 @@
         <a:srgbClr val="000000"/>
       </a:buClr>
       <a:buFont typeface="Arial"/>
-      <a:defRPr b="0" i="0" sz="1400" u="none" cap="none" strike="noStrike">
+      <a:defRPr sz="1400" b="0" i="0" u="none" strike="noStrike" cap="none">
         <a:solidFill>
           <a:srgbClr val="000000"/>
         </a:solidFill>
@@ -238,7 +238,7 @@
         <a:sym typeface="Arial"/>
       </a:defRPr>
     </a:lvl8pPr>
-    <a:lvl9pPr lvl="8" marR="0" rtl="0" algn="l">
+    <a:lvl9pPr marR="0" lvl="8" algn="l" rtl="0">
       <a:lnSpc>
         <a:spcPct val="100000"/>
       </a:lnSpc>
@@ -252,7 +252,7 @@
         <a:srgbClr val="000000"/>
       </a:buClr>
       <a:buFont typeface="Arial"/>
-      <a:defRPr b="0" i="0" sz="1400" u="none" cap="none" strike="noStrike">
+      <a:defRPr sz="1400" b="0" i="0" u="none" strike="noStrike" cap="none">
         <a:solidFill>
           <a:srgbClr val="000000"/>
         </a:solidFill>
@@ -267,11 +267,16 @@
 </file>
 
 <file path=ppt/notesMasters/notesMaster1.xml><?xml version="1.0" encoding="utf-8"?>
-<p:notesMaster xmlns:a="http://schemas.openxmlformats.org/drawingml/2006/main" xmlns:r="http://schemas.openxmlformats.org/officeDocument/2006/relationships" xmlns:mc="http://schemas.openxmlformats.org/markup-compatibility/2006" xmlns:mv="urn:schemas-microsoft-com:mac:vml" xmlns:p="http://schemas.openxmlformats.org/presentationml/2006/main" xmlns:c="http://schemas.openxmlformats.org/drawingml/2006/chart" xmlns:dgm="http://schemas.openxmlformats.org/drawingml/2006/diagram" xmlns:o="urn:schemas-microsoft-com:office:office" xmlns:v="urn:schemas-microsoft-com:vml" xmlns:pvml="urn:schemas-microsoft-com:office:powerpoint" xmlns:com="http://schemas.openxmlformats.org/drawingml/2006/compatibility" xmlns:p14="http://schemas.microsoft.com/office/powerpoint/2010/main" xmlns:p15="http://schemas.microsoft.com/office/powerpoint/2012/main">
+<p:notesMaster xmlns:a="http://schemas.openxmlformats.org/drawingml/2006/main" xmlns:r="http://schemas.openxmlformats.org/officeDocument/2006/relationships" xmlns:p="http://schemas.openxmlformats.org/presentationml/2006/main">
   <p:cSld>
+    <p:bg>
+      <p:bgRef idx="1001">
+        <a:schemeClr val="bg1"/>
+      </p:bgRef>
+    </p:bg>
     <p:spTree>
       <p:nvGrpSpPr>
-        <p:cNvPr id="2" name="Shape 2"/>
+        <p:cNvPr id="1" name="Shape 2"/>
         <p:cNvGrpSpPr/>
         <p:nvPr/>
       </p:nvGrpSpPr>
@@ -286,9 +291,11 @@
       <p:sp>
         <p:nvSpPr>
           <p:cNvPr id="3" name="Google Shape;3;n"/>
-          <p:cNvSpPr/>
+          <p:cNvSpPr>
+            <a:spLocks noGrp="1" noRot="1" noChangeAspect="1"/>
+          </p:cNvSpPr>
           <p:nvPr>
-            <p:ph idx="2" type="sldImg"/>
+            <p:ph type="sldImg" idx="2"/>
           </p:nvPr>
         </p:nvSpPr>
         <p:spPr>
@@ -297,9 +304,13 @@
             <a:ext cx="6096075" cy="3429000"/>
           </a:xfrm>
           <a:custGeom>
-            <a:rect b="b" l="l" r="r" t="t"/>
+            <a:avLst/>
+            <a:gdLst/>
+            <a:ahLst/>
+            <a:cxnLst/>
+            <a:rect l="l" t="t" r="r" b="b"/>
             <a:pathLst>
-              <a:path extrusionOk="0" h="120000" w="120000">
+              <a:path w="120000" h="120000" extrusionOk="0">
                 <a:moveTo>
                   <a:pt x="0" y="0"/>
                 </a:moveTo>
@@ -317,23 +328,25 @@
             </a:pathLst>
           </a:custGeom>
           <a:noFill/>
-          <a:ln cap="flat" cmpd="sng" w="9525">
+          <a:ln w="9525" cap="flat" cmpd="sng">
             <a:solidFill>
               <a:srgbClr val="000000"/>
             </a:solidFill>
             <a:prstDash val="solid"/>
             <a:round/>
-            <a:headEnd len="sm" w="sm" type="none"/>
-            <a:tailEnd len="sm" w="sm" type="none"/>
+            <a:headEnd type="none" w="sm" len="sm"/>
+            <a:tailEnd type="none" w="sm" len="sm"/>
           </a:ln>
         </p:spPr>
       </p:sp>
       <p:sp>
         <p:nvSpPr>
           <p:cNvPr id="4" name="Google Shape;4;n"/>
-          <p:cNvSpPr txBox="1"/>
+          <p:cNvSpPr txBox="1">
+            <a:spLocks noGrp="1"/>
+          </p:cNvSpPr>
           <p:nvPr>
-            <p:ph idx="1" type="body"/>
+            <p:ph type="body" idx="1"/>
           </p:nvPr>
         </p:nvSpPr>
         <p:spPr>
@@ -350,9 +363,9 @@
           </a:ln>
         </p:spPr>
         <p:txBody>
-          <a:bodyPr anchorCtr="0" anchor="t" bIns="91425" lIns="91425" spcFirstLastPara="1" rIns="91425" wrap="square" tIns="91425"/>
+          <a:bodyPr spcFirstLastPara="1" wrap="square" lIns="91425" tIns="91425" rIns="91425" bIns="91425" anchor="t" anchorCtr="0"/>
           <a:lstStyle>
-            <a:lvl1pPr indent="-298450" lvl="0" marL="457200">
+            <a:lvl1pPr marL="457200" lvl="0" indent="-298450">
               <a:spcBef>
                 <a:spcPts val="0"/>
               </a:spcBef>
@@ -363,7 +376,7 @@
               <a:buChar char="●"/>
               <a:defRPr sz="1100"/>
             </a:lvl1pPr>
-            <a:lvl2pPr indent="-298450" lvl="1" marL="914400">
+            <a:lvl2pPr marL="914400" lvl="1" indent="-298450">
               <a:spcBef>
                 <a:spcPts val="0"/>
               </a:spcBef>
@@ -374,7 +387,7 @@
               <a:buChar char="○"/>
               <a:defRPr sz="1100"/>
             </a:lvl2pPr>
-            <a:lvl3pPr indent="-298450" lvl="2" marL="1371600">
+            <a:lvl3pPr marL="1371600" lvl="2" indent="-298450">
               <a:spcBef>
                 <a:spcPts val="0"/>
               </a:spcBef>
@@ -385,7 +398,7 @@
               <a:buChar char="■"/>
               <a:defRPr sz="1100"/>
             </a:lvl3pPr>
-            <a:lvl4pPr indent="-298450" lvl="3" marL="1828800">
+            <a:lvl4pPr marL="1828800" lvl="3" indent="-298450">
               <a:spcBef>
                 <a:spcPts val="0"/>
               </a:spcBef>
@@ -396,7 +409,7 @@
               <a:buChar char="●"/>
               <a:defRPr sz="1100"/>
             </a:lvl4pPr>
-            <a:lvl5pPr indent="-298450" lvl="4" marL="2286000">
+            <a:lvl5pPr marL="2286000" lvl="4" indent="-298450">
               <a:spcBef>
                 <a:spcPts val="0"/>
               </a:spcBef>
@@ -407,7 +420,7 @@
               <a:buChar char="○"/>
               <a:defRPr sz="1100"/>
             </a:lvl5pPr>
-            <a:lvl6pPr indent="-298450" lvl="5" marL="2743200">
+            <a:lvl6pPr marL="2743200" lvl="5" indent="-298450">
               <a:spcBef>
                 <a:spcPts val="0"/>
               </a:spcBef>
@@ -418,7 +431,7 @@
               <a:buChar char="■"/>
               <a:defRPr sz="1100"/>
             </a:lvl6pPr>
-            <a:lvl7pPr indent="-298450" lvl="6" marL="3200400">
+            <a:lvl7pPr marL="3200400" lvl="6" indent="-298450">
               <a:spcBef>
                 <a:spcPts val="0"/>
               </a:spcBef>
@@ -429,7 +442,7 @@
               <a:buChar char="●"/>
               <a:defRPr sz="1100"/>
             </a:lvl7pPr>
-            <a:lvl8pPr indent="-298450" lvl="7" marL="3657600">
+            <a:lvl8pPr marL="3657600" lvl="7" indent="-298450">
               <a:spcBef>
                 <a:spcPts val="0"/>
               </a:spcBef>
@@ -440,7 +453,7 @@
               <a:buChar char="○"/>
               <a:defRPr sz="1100"/>
             </a:lvl8pPr>
-            <a:lvl9pPr indent="-298450" lvl="8" marL="4114800">
+            <a:lvl9pPr marL="4114800" lvl="8" indent="-298450">
               <a:spcBef>
                 <a:spcPts val="0"/>
               </a:spcBef>
@@ -452,14 +465,16 @@
               <a:defRPr sz="1100"/>
             </a:lvl9pPr>
           </a:lstStyle>
-          <a:p/>
+          <a:p>
+            <a:endParaRPr/>
+          </a:p>
         </p:txBody>
       </p:sp>
     </p:spTree>
   </p:cSld>
-  <p:clrMap accent1="accent1" accent2="accent2" accent3="accent3" accent4="accent4" accent5="accent5" accent6="accent6" bg1="lt1" bg2="dk2" tx1="dk1" tx2="lt2" folHlink="folHlink" hlink="hlink"/>
+  <p:clrMap bg1="lt1" tx1="dk1" bg2="dk2" tx2="lt2" accent1="accent1" accent2="accent2" accent3="accent3" accent4="accent4" accent5="accent5" accent6="accent6" hlink="hlink" folHlink="folHlink"/>
   <p:notesStyle>
-    <a:defPPr lvl="0" marR="0" rtl="0" algn="l">
+    <a:defPPr marR="0" lvl="0" algn="l" rtl="0">
       <a:lnSpc>
         <a:spcPct val="100000"/>
       </a:lnSpc>
@@ -470,7 +485,7 @@
         <a:spcPts val="0"/>
       </a:spcAft>
     </a:defPPr>
-    <a:lvl1pPr lvl="0" marR="0" rtl="0" algn="l">
+    <a:lvl1pPr marR="0" lvl="0" algn="l" rtl="0">
       <a:lnSpc>
         <a:spcPct val="100000"/>
       </a:lnSpc>
@@ -484,7 +499,7 @@
         <a:srgbClr val="000000"/>
       </a:buClr>
       <a:buFont typeface="Arial"/>
-      <a:defRPr b="0" i="0" sz="1400" u="none" cap="none" strike="noStrike">
+      <a:defRPr sz="1400" b="0" i="0" u="none" strike="noStrike" cap="none">
         <a:solidFill>
           <a:srgbClr val="000000"/>
         </a:solidFill>
@@ -494,7 +509,7 @@
         <a:sym typeface="Arial"/>
       </a:defRPr>
     </a:lvl1pPr>
-    <a:lvl2pPr lvl="1" marR="0" rtl="0" algn="l">
+    <a:lvl2pPr marR="0" lvl="1" algn="l" rtl="0">
       <a:lnSpc>
         <a:spcPct val="100000"/>
       </a:lnSpc>
@@ -508,7 +523,7 @@
         <a:srgbClr val="000000"/>
       </a:buClr>
       <a:buFont typeface="Arial"/>
-      <a:defRPr b="0" i="0" sz="1400" u="none" cap="none" strike="noStrike">
+      <a:defRPr sz="1400" b="0" i="0" u="none" strike="noStrike" cap="none">
         <a:solidFill>
           <a:srgbClr val="000000"/>
         </a:solidFill>
@@ -518,7 +533,7 @@
         <a:sym typeface="Arial"/>
       </a:defRPr>
     </a:lvl2pPr>
-    <a:lvl3pPr lvl="2" marR="0" rtl="0" algn="l">
+    <a:lvl3pPr marR="0" lvl="2" algn="l" rtl="0">
       <a:lnSpc>
         <a:spcPct val="100000"/>
       </a:lnSpc>
@@ -532,7 +547,7 @@
         <a:srgbClr val="000000"/>
       </a:buClr>
       <a:buFont typeface="Arial"/>
-      <a:defRPr b="0" i="0" sz="1400" u="none" cap="none" strike="noStrike">
+      <a:defRPr sz="1400" b="0" i="0" u="none" strike="noStrike" cap="none">
         <a:solidFill>
           <a:srgbClr val="000000"/>
         </a:solidFill>
@@ -542,7 +557,7 @@
         <a:sym typeface="Arial"/>
       </a:defRPr>
     </a:lvl3pPr>
-    <a:lvl4pPr lvl="3" marR="0" rtl="0" algn="l">
+    <a:lvl4pPr marR="0" lvl="3" algn="l" rtl="0">
       <a:lnSpc>
         <a:spcPct val="100000"/>
       </a:lnSpc>
@@ -556,7 +571,7 @@
         <a:srgbClr val="000000"/>
       </a:buClr>
       <a:buFont typeface="Arial"/>
-      <a:defRPr b="0" i="0" sz="1400" u="none" cap="none" strike="noStrike">
+      <a:defRPr sz="1400" b="0" i="0" u="none" strike="noStrike" cap="none">
         <a:solidFill>
           <a:srgbClr val="000000"/>
         </a:solidFill>
@@ -566,7 +581,7 @@
         <a:sym typeface="Arial"/>
       </a:defRPr>
     </a:lvl4pPr>
-    <a:lvl5pPr lvl="4" marR="0" rtl="0" algn="l">
+    <a:lvl5pPr marR="0" lvl="4" algn="l" rtl="0">
       <a:lnSpc>
         <a:spcPct val="100000"/>
       </a:lnSpc>
@@ -580,7 +595,7 @@
         <a:srgbClr val="000000"/>
       </a:buClr>
       <a:buFont typeface="Arial"/>
-      <a:defRPr b="0" i="0" sz="1400" u="none" cap="none" strike="noStrike">
+      <a:defRPr sz="1400" b="0" i="0" u="none" strike="noStrike" cap="none">
         <a:solidFill>
           <a:srgbClr val="000000"/>
         </a:solidFill>
@@ -590,7 +605,7 @@
         <a:sym typeface="Arial"/>
       </a:defRPr>
     </a:lvl5pPr>
-    <a:lvl6pPr lvl="5" marR="0" rtl="0" algn="l">
+    <a:lvl6pPr marR="0" lvl="5" algn="l" rtl="0">
       <a:lnSpc>
         <a:spcPct val="100000"/>
       </a:lnSpc>
@@ -604,7 +619,7 @@
         <a:srgbClr val="000000"/>
       </a:buClr>
       <a:buFont typeface="Arial"/>
-      <a:defRPr b="0" i="0" sz="1400" u="none" cap="none" strike="noStrike">
+      <a:defRPr sz="1400" b="0" i="0" u="none" strike="noStrike" cap="none">
         <a:solidFill>
           <a:srgbClr val="000000"/>
         </a:solidFill>
@@ -614,7 +629,7 @@
         <a:sym typeface="Arial"/>
       </a:defRPr>
     </a:lvl6pPr>
-    <a:lvl7pPr lvl="6" marR="0" rtl="0" algn="l">
+    <a:lvl7pPr marR="0" lvl="6" algn="l" rtl="0">
       <a:lnSpc>
         <a:spcPct val="100000"/>
       </a:lnSpc>
@@ -628,7 +643,7 @@
         <a:srgbClr val="000000"/>
       </a:buClr>
       <a:buFont typeface="Arial"/>
-      <a:defRPr b="0" i="0" sz="1400" u="none" cap="none" strike="noStrike">
+      <a:defRPr sz="1400" b="0" i="0" u="none" strike="noStrike" cap="none">
         <a:solidFill>
           <a:srgbClr val="000000"/>
         </a:solidFill>
@@ -638,7 +653,7 @@
         <a:sym typeface="Arial"/>
       </a:defRPr>
     </a:lvl7pPr>
-    <a:lvl8pPr lvl="7" marR="0" rtl="0" algn="l">
+    <a:lvl8pPr marR="0" lvl="7" algn="l" rtl="0">
       <a:lnSpc>
         <a:spcPct val="100000"/>
       </a:lnSpc>
@@ -652,7 +667,7 @@
         <a:srgbClr val="000000"/>
       </a:buClr>
       <a:buFont typeface="Arial"/>
-      <a:defRPr b="0" i="0" sz="1400" u="none" cap="none" strike="noStrike">
+      <a:defRPr sz="1400" b="0" i="0" u="none" strike="noStrike" cap="none">
         <a:solidFill>
           <a:srgbClr val="000000"/>
         </a:solidFill>
@@ -662,7 +677,7 @@
         <a:sym typeface="Arial"/>
       </a:defRPr>
     </a:lvl8pPr>
-    <a:lvl9pPr lvl="8" marR="0" rtl="0" algn="l">
+    <a:lvl9pPr marR="0" lvl="8" algn="l" rtl="0">
       <a:lnSpc>
         <a:spcPct val="100000"/>
       </a:lnSpc>
@@ -676,7 +691,7 @@
         <a:srgbClr val="000000"/>
       </a:buClr>
       <a:buFont typeface="Arial"/>
-      <a:defRPr b="0" i="0" sz="1400" u="none" cap="none" strike="noStrike">
+      <a:defRPr sz="1400" b="0" i="0" u="none" strike="noStrike" cap="none">
         <a:solidFill>
           <a:srgbClr val="000000"/>
         </a:solidFill>
@@ -691,11 +706,11 @@
 </file>
 
 <file path=ppt/notesSlides/notesSlide1.xml><?xml version="1.0" encoding="utf-8"?>
-<p:notes xmlns:a="http://schemas.openxmlformats.org/drawingml/2006/main" xmlns:r="http://schemas.openxmlformats.org/officeDocument/2006/relationships" xmlns:mc="http://schemas.openxmlformats.org/markup-compatibility/2006" xmlns:mv="urn:schemas-microsoft-com:mac:vml" xmlns:p="http://schemas.openxmlformats.org/presentationml/2006/main" xmlns:c="http://schemas.openxmlformats.org/drawingml/2006/chart" xmlns:dgm="http://schemas.openxmlformats.org/drawingml/2006/diagram" xmlns:o="urn:schemas-microsoft-com:office:office" xmlns:v="urn:schemas-microsoft-com:vml" xmlns:pvml="urn:schemas-microsoft-com:office:powerpoint" xmlns:com="http://schemas.openxmlformats.org/drawingml/2006/compatibility" xmlns:p14="http://schemas.microsoft.com/office/powerpoint/2010/main" xmlns:p15="http://schemas.microsoft.com/office/powerpoint/2012/main" showMasterPhAnim="0" showMasterSp="0">
+<p:notes xmlns:a="http://schemas.openxmlformats.org/drawingml/2006/main" xmlns:r="http://schemas.openxmlformats.org/officeDocument/2006/relationships" xmlns:p="http://schemas.openxmlformats.org/presentationml/2006/main" showMasterSp="0" showMasterPhAnim="0">
   <p:cSld>
     <p:spTree>
       <p:nvGrpSpPr>
-        <p:cNvPr id="82" name="Shape 82"/>
+        <p:cNvPr id="1" name="Shape 82"/>
         <p:cNvGrpSpPr/>
         <p:nvPr/>
       </p:nvGrpSpPr>
@@ -710,9 +725,11 @@
       <p:sp>
         <p:nvSpPr>
           <p:cNvPr id="83" name="Google Shape;83;p:notes"/>
-          <p:cNvSpPr/>
+          <p:cNvSpPr>
+            <a:spLocks noGrp="1" noRot="1" noChangeAspect="1"/>
+          </p:cNvSpPr>
           <p:nvPr>
-            <p:ph idx="2" type="sldImg"/>
+            <p:ph type="sldImg" idx="2"/>
           </p:nvPr>
         </p:nvSpPr>
         <p:spPr>
@@ -721,9 +738,13 @@
             <a:ext cx="6096075" cy="3429000"/>
           </a:xfrm>
           <a:custGeom>
-            <a:rect b="b" l="l" r="r" t="t"/>
+            <a:avLst/>
+            <a:gdLst/>
+            <a:ahLst/>
+            <a:cxnLst/>
+            <a:rect l="l" t="t" r="r" b="b"/>
             <a:pathLst>
-              <a:path extrusionOk="0" h="120000" w="120000">
+              <a:path w="120000" h="120000" extrusionOk="0">
                 <a:moveTo>
                   <a:pt x="0" y="0"/>
                 </a:moveTo>
@@ -745,9 +766,11 @@
       <p:sp>
         <p:nvSpPr>
           <p:cNvPr id="84" name="Google Shape;84;p:notes"/>
-          <p:cNvSpPr txBox="1"/>
+          <p:cNvSpPr txBox="1">
+            <a:spLocks noGrp="1"/>
+          </p:cNvSpPr>
           <p:nvPr>
-            <p:ph idx="1" type="body"/>
+            <p:ph type="body" idx="1"/>
           </p:nvPr>
         </p:nvSpPr>
         <p:spPr>
@@ -760,12 +783,12 @@
           </a:prstGeom>
         </p:spPr>
         <p:txBody>
-          <a:bodyPr anchorCtr="0" anchor="t" bIns="91425" lIns="91425" spcFirstLastPara="1" rIns="91425" wrap="square" tIns="91425">
+          <a:bodyPr spcFirstLastPara="1" wrap="square" lIns="91425" tIns="91425" rIns="91425" bIns="91425" anchor="t" anchorCtr="0">
             <a:noAutofit/>
           </a:bodyPr>
           <a:lstStyle/>
           <a:p>
-            <a:pPr indent="0" lvl="0" marL="0" rtl="0" algn="l">
+            <a:pPr marL="0" lvl="0" indent="0" algn="l" rtl="0">
               <a:spcBef>
                 <a:spcPts val="0"/>
               </a:spcBef>
@@ -774,9 +797,6 @@
               </a:spcAft>
               <a:buNone/>
             </a:pPr>
-            <a:r>
-              <a:t/>
-            </a:r>
             <a:endParaRPr/>
           </a:p>
         </p:txBody>
@@ -790,11 +810,11 @@
 </file>
 
 <file path=ppt/notesSlides/notesSlide2.xml><?xml version="1.0" encoding="utf-8"?>
-<p:notes xmlns:a="http://schemas.openxmlformats.org/drawingml/2006/main" xmlns:r="http://schemas.openxmlformats.org/officeDocument/2006/relationships" xmlns:mc="http://schemas.openxmlformats.org/markup-compatibility/2006" xmlns:mv="urn:schemas-microsoft-com:mac:vml" xmlns:p="http://schemas.openxmlformats.org/presentationml/2006/main" xmlns:c="http://schemas.openxmlformats.org/drawingml/2006/chart" xmlns:dgm="http://schemas.openxmlformats.org/drawingml/2006/diagram" xmlns:o="urn:schemas-microsoft-com:office:office" xmlns:v="urn:schemas-microsoft-com:vml" xmlns:pvml="urn:schemas-microsoft-com:office:powerpoint" xmlns:com="http://schemas.openxmlformats.org/drawingml/2006/compatibility" xmlns:p14="http://schemas.microsoft.com/office/powerpoint/2010/main" xmlns:p15="http://schemas.microsoft.com/office/powerpoint/2012/main" showMasterPhAnim="0" showMasterSp="0">
+<p:notes xmlns:a="http://schemas.openxmlformats.org/drawingml/2006/main" xmlns:r="http://schemas.openxmlformats.org/officeDocument/2006/relationships" xmlns:p="http://schemas.openxmlformats.org/presentationml/2006/main" showMasterSp="0" showMasterPhAnim="0">
   <p:cSld>
     <p:spTree>
       <p:nvGrpSpPr>
-        <p:cNvPr id="88" name="Shape 88"/>
+        <p:cNvPr id="1" name="Shape 88"/>
         <p:cNvGrpSpPr/>
         <p:nvPr/>
       </p:nvGrpSpPr>
@@ -809,9 +829,11 @@
       <p:sp>
         <p:nvSpPr>
           <p:cNvPr id="89" name="Google Shape;89;g503c4d8af4_0_77:notes"/>
-          <p:cNvSpPr/>
+          <p:cNvSpPr>
+            <a:spLocks noGrp="1" noRot="1" noChangeAspect="1"/>
+          </p:cNvSpPr>
           <p:nvPr>
-            <p:ph idx="2" type="sldImg"/>
+            <p:ph type="sldImg" idx="2"/>
           </p:nvPr>
         </p:nvSpPr>
         <p:spPr>
@@ -820,9 +842,13 @@
             <a:ext cx="6096000" cy="3429000"/>
           </a:xfrm>
           <a:custGeom>
-            <a:rect b="b" l="l" r="r" t="t"/>
+            <a:avLst/>
+            <a:gdLst/>
+            <a:ahLst/>
+            <a:cxnLst/>
+            <a:rect l="l" t="t" r="r" b="b"/>
             <a:pathLst>
-              <a:path extrusionOk="0" h="120000" w="120000">
+              <a:path w="120000" h="120000" extrusionOk="0">
                 <a:moveTo>
                   <a:pt x="0" y="0"/>
                 </a:moveTo>
@@ -844,9 +870,11 @@
       <p:sp>
         <p:nvSpPr>
           <p:cNvPr id="90" name="Google Shape;90;g503c4d8af4_0_77:notes"/>
-          <p:cNvSpPr txBox="1"/>
+          <p:cNvSpPr txBox="1">
+            <a:spLocks noGrp="1"/>
+          </p:cNvSpPr>
           <p:nvPr>
-            <p:ph idx="1" type="body"/>
+            <p:ph type="body" idx="1"/>
           </p:nvPr>
         </p:nvSpPr>
         <p:spPr>
@@ -859,12 +887,12 @@
           </a:prstGeom>
         </p:spPr>
         <p:txBody>
-          <a:bodyPr anchorCtr="0" anchor="t" bIns="91425" lIns="91425" spcFirstLastPara="1" rIns="91425" wrap="square" tIns="91425">
+          <a:bodyPr spcFirstLastPara="1" wrap="square" lIns="91425" tIns="91425" rIns="91425" bIns="91425" anchor="t" anchorCtr="0">
             <a:noAutofit/>
           </a:bodyPr>
           <a:lstStyle/>
           <a:p>
-            <a:pPr indent="0" lvl="0" marL="0" rtl="0" algn="l">
+            <a:pPr marL="0" lvl="0" indent="0" algn="l" rtl="0">
               <a:spcBef>
                 <a:spcPts val="0"/>
               </a:spcBef>
@@ -873,9 +901,6 @@
               </a:spcAft>
               <a:buNone/>
             </a:pPr>
-            <a:r>
-              <a:t/>
-            </a:r>
             <a:endParaRPr/>
           </a:p>
         </p:txBody>
@@ -889,11 +914,11 @@
 </file>
 
 <file path=ppt/notesSlides/notesSlide3.xml><?xml version="1.0" encoding="utf-8"?>
-<p:notes xmlns:a="http://schemas.openxmlformats.org/drawingml/2006/main" xmlns:r="http://schemas.openxmlformats.org/officeDocument/2006/relationships" xmlns:mc="http://schemas.openxmlformats.org/markup-compatibility/2006" xmlns:mv="urn:schemas-microsoft-com:mac:vml" xmlns:p="http://schemas.openxmlformats.org/presentationml/2006/main" xmlns:c="http://schemas.openxmlformats.org/drawingml/2006/chart" xmlns:dgm="http://schemas.openxmlformats.org/drawingml/2006/diagram" xmlns:o="urn:schemas-microsoft-com:office:office" xmlns:v="urn:schemas-microsoft-com:vml" xmlns:pvml="urn:schemas-microsoft-com:office:powerpoint" xmlns:com="http://schemas.openxmlformats.org/drawingml/2006/compatibility" xmlns:p14="http://schemas.microsoft.com/office/powerpoint/2010/main" xmlns:p15="http://schemas.microsoft.com/office/powerpoint/2012/main" showMasterPhAnim="0" showMasterSp="0">
+<p:notes xmlns:a="http://schemas.openxmlformats.org/drawingml/2006/main" xmlns:r="http://schemas.openxmlformats.org/officeDocument/2006/relationships" xmlns:p="http://schemas.openxmlformats.org/presentationml/2006/main" showMasterSp="0" showMasterPhAnim="0">
   <p:cSld>
     <p:spTree>
       <p:nvGrpSpPr>
-        <p:cNvPr id="94" name="Shape 94"/>
+        <p:cNvPr id="1" name="Shape 94"/>
         <p:cNvGrpSpPr/>
         <p:nvPr/>
       </p:nvGrpSpPr>
@@ -908,9 +933,11 @@
       <p:sp>
         <p:nvSpPr>
           <p:cNvPr id="95" name="Google Shape;95;g503c4d8af4_0_82:notes"/>
-          <p:cNvSpPr/>
+          <p:cNvSpPr>
+            <a:spLocks noGrp="1" noRot="1" noChangeAspect="1"/>
+          </p:cNvSpPr>
           <p:nvPr>
-            <p:ph idx="2" type="sldImg"/>
+            <p:ph type="sldImg" idx="2"/>
           </p:nvPr>
         </p:nvSpPr>
         <p:spPr>
@@ -919,9 +946,13 @@
             <a:ext cx="6096000" cy="3429000"/>
           </a:xfrm>
           <a:custGeom>
-            <a:rect b="b" l="l" r="r" t="t"/>
+            <a:avLst/>
+            <a:gdLst/>
+            <a:ahLst/>
+            <a:cxnLst/>
+            <a:rect l="l" t="t" r="r" b="b"/>
             <a:pathLst>
-              <a:path extrusionOk="0" h="120000" w="120000">
+              <a:path w="120000" h="120000" extrusionOk="0">
                 <a:moveTo>
                   <a:pt x="0" y="0"/>
                 </a:moveTo>
@@ -943,9 +974,11 @@
       <p:sp>
         <p:nvSpPr>
           <p:cNvPr id="96" name="Google Shape;96;g503c4d8af4_0_82:notes"/>
-          <p:cNvSpPr txBox="1"/>
+          <p:cNvSpPr txBox="1">
+            <a:spLocks noGrp="1"/>
+          </p:cNvSpPr>
           <p:nvPr>
-            <p:ph idx="1" type="body"/>
+            <p:ph type="body" idx="1"/>
           </p:nvPr>
         </p:nvSpPr>
         <p:spPr>
@@ -958,12 +991,12 @@
           </a:prstGeom>
         </p:spPr>
         <p:txBody>
-          <a:bodyPr anchorCtr="0" anchor="t" bIns="91425" lIns="91425" spcFirstLastPara="1" rIns="91425" wrap="square" tIns="91425">
+          <a:bodyPr spcFirstLastPara="1" wrap="square" lIns="91425" tIns="91425" rIns="91425" bIns="91425" anchor="t" anchorCtr="0">
             <a:noAutofit/>
           </a:bodyPr>
           <a:lstStyle/>
           <a:p>
-            <a:pPr indent="0" lvl="0" marL="0" rtl="0" algn="l">
+            <a:pPr marL="0" lvl="0" indent="0" algn="l" rtl="0">
               <a:spcBef>
                 <a:spcPts val="0"/>
               </a:spcBef>
@@ -972,9 +1005,6 @@
               </a:spcAft>
               <a:buNone/>
             </a:pPr>
-            <a:r>
-              <a:t/>
-            </a:r>
             <a:endParaRPr/>
           </a:p>
         </p:txBody>
@@ -988,11 +1018,11 @@
 </file>
 
 <file path=ppt/notesSlides/notesSlide4.xml><?xml version="1.0" encoding="utf-8"?>
-<p:notes xmlns:a="http://schemas.openxmlformats.org/drawingml/2006/main" xmlns:r="http://schemas.openxmlformats.org/officeDocument/2006/relationships" xmlns:mc="http://schemas.openxmlformats.org/markup-compatibility/2006" xmlns:mv="urn:schemas-microsoft-com:mac:vml" xmlns:p="http://schemas.openxmlformats.org/presentationml/2006/main" xmlns:c="http://schemas.openxmlformats.org/drawingml/2006/chart" xmlns:dgm="http://schemas.openxmlformats.org/drawingml/2006/diagram" xmlns:o="urn:schemas-microsoft-com:office:office" xmlns:v="urn:schemas-microsoft-com:vml" xmlns:pvml="urn:schemas-microsoft-com:office:powerpoint" xmlns:com="http://schemas.openxmlformats.org/drawingml/2006/compatibility" xmlns:p14="http://schemas.microsoft.com/office/powerpoint/2010/main" xmlns:p15="http://schemas.microsoft.com/office/powerpoint/2012/main" showMasterPhAnim="0" showMasterSp="0">
+<p:notes xmlns:a="http://schemas.openxmlformats.org/drawingml/2006/main" xmlns:r="http://schemas.openxmlformats.org/officeDocument/2006/relationships" xmlns:p="http://schemas.openxmlformats.org/presentationml/2006/main" showMasterSp="0" showMasterPhAnim="0">
   <p:cSld>
     <p:spTree>
       <p:nvGrpSpPr>
-        <p:cNvPr id="101" name="Shape 101"/>
+        <p:cNvPr id="1" name="Shape 101"/>
         <p:cNvGrpSpPr/>
         <p:nvPr/>
       </p:nvGrpSpPr>
@@ -1007,20 +1037,26 @@
       <p:sp>
         <p:nvSpPr>
           <p:cNvPr id="102" name="Google Shape;102;g503c4d8af4_0_92:notes"/>
-          <p:cNvSpPr/>
+          <p:cNvSpPr>
+            <a:spLocks noGrp="1" noRot="1" noChangeAspect="1"/>
+          </p:cNvSpPr>
           <p:nvPr>
-            <p:ph idx="2" type="sldImg"/>
+            <p:ph type="sldImg" idx="2"/>
           </p:nvPr>
         </p:nvSpPr>
         <p:spPr>
           <a:xfrm>
-            <a:off x="381300" y="685800"/>
+            <a:off x="381000" y="685800"/>
             <a:ext cx="6096000" cy="3429000"/>
           </a:xfrm>
           <a:custGeom>
-            <a:rect b="b" l="l" r="r" t="t"/>
+            <a:avLst/>
+            <a:gdLst/>
+            <a:ahLst/>
+            <a:cxnLst/>
+            <a:rect l="l" t="t" r="r" b="b"/>
             <a:pathLst>
-              <a:path extrusionOk="0" h="120000" w="120000">
+              <a:path w="120000" h="120000" extrusionOk="0">
                 <a:moveTo>
                   <a:pt x="0" y="0"/>
                 </a:moveTo>
@@ -1042,9 +1078,11 @@
       <p:sp>
         <p:nvSpPr>
           <p:cNvPr id="103" name="Google Shape;103;g503c4d8af4_0_92:notes"/>
-          <p:cNvSpPr txBox="1"/>
+          <p:cNvSpPr txBox="1">
+            <a:spLocks noGrp="1"/>
+          </p:cNvSpPr>
           <p:nvPr>
-            <p:ph idx="1" type="body"/>
+            <p:ph type="body" idx="1"/>
           </p:nvPr>
         </p:nvSpPr>
         <p:spPr>
@@ -1057,12 +1095,12 @@
           </a:prstGeom>
         </p:spPr>
         <p:txBody>
-          <a:bodyPr anchorCtr="0" anchor="t" bIns="91425" lIns="91425" spcFirstLastPara="1" rIns="91425" wrap="square" tIns="91425">
+          <a:bodyPr spcFirstLastPara="1" wrap="square" lIns="91425" tIns="91425" rIns="91425" bIns="91425" anchor="t" anchorCtr="0">
             <a:noAutofit/>
           </a:bodyPr>
           <a:lstStyle/>
           <a:p>
-            <a:pPr indent="0" lvl="0" marL="0" rtl="0" algn="l">
+            <a:pPr marL="0" lvl="0" indent="0" algn="l" rtl="0">
               <a:spcBef>
                 <a:spcPts val="0"/>
               </a:spcBef>
@@ -1071,9 +1109,6 @@
               </a:spcAft>
               <a:buNone/>
             </a:pPr>
-            <a:r>
-              <a:t/>
-            </a:r>
             <a:endParaRPr/>
           </a:p>
         </p:txBody>
@@ -1087,11 +1122,11 @@
 </file>
 
 <file path=ppt/notesSlides/notesSlide5.xml><?xml version="1.0" encoding="utf-8"?>
-<p:notes xmlns:a="http://schemas.openxmlformats.org/drawingml/2006/main" xmlns:r="http://schemas.openxmlformats.org/officeDocument/2006/relationships" xmlns:mc="http://schemas.openxmlformats.org/markup-compatibility/2006" xmlns:mv="urn:schemas-microsoft-com:mac:vml" xmlns:p="http://schemas.openxmlformats.org/presentationml/2006/main" xmlns:c="http://schemas.openxmlformats.org/drawingml/2006/chart" xmlns:dgm="http://schemas.openxmlformats.org/drawingml/2006/diagram" xmlns:o="urn:schemas-microsoft-com:office:office" xmlns:v="urn:schemas-microsoft-com:vml" xmlns:pvml="urn:schemas-microsoft-com:office:powerpoint" xmlns:com="http://schemas.openxmlformats.org/drawingml/2006/compatibility" xmlns:p14="http://schemas.microsoft.com/office/powerpoint/2010/main" xmlns:p15="http://schemas.microsoft.com/office/powerpoint/2012/main" showMasterPhAnim="0" showMasterSp="0">
+<p:notes xmlns:a="http://schemas.openxmlformats.org/drawingml/2006/main" xmlns:r="http://schemas.openxmlformats.org/officeDocument/2006/relationships" xmlns:p="http://schemas.openxmlformats.org/presentationml/2006/main" showMasterSp="0" showMasterPhAnim="0">
   <p:cSld>
     <p:spTree>
       <p:nvGrpSpPr>
-        <p:cNvPr id="107" name="Shape 107"/>
+        <p:cNvPr id="1" name="Shape 107"/>
         <p:cNvGrpSpPr/>
         <p:nvPr/>
       </p:nvGrpSpPr>
@@ -1106,9 +1141,11 @@
       <p:sp>
         <p:nvSpPr>
           <p:cNvPr id="108" name="Google Shape;108;g4d00429a58_0_0:notes"/>
-          <p:cNvSpPr/>
+          <p:cNvSpPr>
+            <a:spLocks noGrp="1" noRot="1" noChangeAspect="1"/>
+          </p:cNvSpPr>
           <p:nvPr>
-            <p:ph idx="2" type="sldImg"/>
+            <p:ph type="sldImg" idx="2"/>
           </p:nvPr>
         </p:nvSpPr>
         <p:spPr>
@@ -1117,9 +1154,13 @@
             <a:ext cx="6096000" cy="3429000"/>
           </a:xfrm>
           <a:custGeom>
-            <a:rect b="b" l="l" r="r" t="t"/>
+            <a:avLst/>
+            <a:gdLst/>
+            <a:ahLst/>
+            <a:cxnLst/>
+            <a:rect l="l" t="t" r="r" b="b"/>
             <a:pathLst>
-              <a:path extrusionOk="0" h="120000" w="120000">
+              <a:path w="120000" h="120000" extrusionOk="0">
                 <a:moveTo>
                   <a:pt x="0" y="0"/>
                 </a:moveTo>
@@ -1141,9 +1182,11 @@
       <p:sp>
         <p:nvSpPr>
           <p:cNvPr id="109" name="Google Shape;109;g4d00429a58_0_0:notes"/>
-          <p:cNvSpPr txBox="1"/>
+          <p:cNvSpPr txBox="1">
+            <a:spLocks noGrp="1"/>
+          </p:cNvSpPr>
           <p:nvPr>
-            <p:ph idx="1" type="body"/>
+            <p:ph type="body" idx="1"/>
           </p:nvPr>
         </p:nvSpPr>
         <p:spPr>
@@ -1156,12 +1199,12 @@
           </a:prstGeom>
         </p:spPr>
         <p:txBody>
-          <a:bodyPr anchorCtr="0" anchor="t" bIns="91425" lIns="91425" spcFirstLastPara="1" rIns="91425" wrap="square" tIns="91425">
+          <a:bodyPr spcFirstLastPara="1" wrap="square" lIns="91425" tIns="91425" rIns="91425" bIns="91425" anchor="t" anchorCtr="0">
             <a:noAutofit/>
           </a:bodyPr>
           <a:lstStyle/>
           <a:p>
-            <a:pPr indent="0" lvl="0" marL="0" rtl="0" algn="l">
+            <a:pPr marL="0" lvl="0" indent="0" algn="l" rtl="0">
               <a:spcBef>
                 <a:spcPts val="0"/>
               </a:spcBef>
@@ -1170,9 +1213,6 @@
               </a:spcAft>
               <a:buNone/>
             </a:pPr>
-            <a:r>
-              <a:t/>
-            </a:r>
             <a:endParaRPr/>
           </a:p>
         </p:txBody>
@@ -1186,11 +1226,11 @@
 </file>
 
 <file path=ppt/notesSlides/notesSlide6.xml><?xml version="1.0" encoding="utf-8"?>
-<p:notes xmlns:a="http://schemas.openxmlformats.org/drawingml/2006/main" xmlns:r="http://schemas.openxmlformats.org/officeDocument/2006/relationships" xmlns:mc="http://schemas.openxmlformats.org/markup-compatibility/2006" xmlns:mv="urn:schemas-microsoft-com:mac:vml" xmlns:p="http://schemas.openxmlformats.org/presentationml/2006/main" xmlns:c="http://schemas.openxmlformats.org/drawingml/2006/chart" xmlns:dgm="http://schemas.openxmlformats.org/drawingml/2006/diagram" xmlns:o="urn:schemas-microsoft-com:office:office" xmlns:v="urn:schemas-microsoft-com:vml" xmlns:pvml="urn:schemas-microsoft-com:office:powerpoint" xmlns:com="http://schemas.openxmlformats.org/drawingml/2006/compatibility" xmlns:p14="http://schemas.microsoft.com/office/powerpoint/2010/main" xmlns:p15="http://schemas.microsoft.com/office/powerpoint/2012/main" showMasterPhAnim="0" showMasterSp="0">
+<p:notes xmlns:a="http://schemas.openxmlformats.org/drawingml/2006/main" xmlns:r="http://schemas.openxmlformats.org/officeDocument/2006/relationships" xmlns:p="http://schemas.openxmlformats.org/presentationml/2006/main" showMasterSp="0" showMasterPhAnim="0">
   <p:cSld>
     <p:spTree>
       <p:nvGrpSpPr>
-        <p:cNvPr id="114" name="Shape 114"/>
+        <p:cNvPr id="1" name="Shape 114"/>
         <p:cNvGrpSpPr/>
         <p:nvPr/>
       </p:nvGrpSpPr>
@@ -1205,9 +1245,11 @@
       <p:sp>
         <p:nvSpPr>
           <p:cNvPr id="115" name="Google Shape;115;g4d00429a58_1_0:notes"/>
-          <p:cNvSpPr/>
+          <p:cNvSpPr>
+            <a:spLocks noGrp="1" noRot="1" noChangeAspect="1"/>
+          </p:cNvSpPr>
           <p:nvPr>
-            <p:ph idx="2" type="sldImg"/>
+            <p:ph type="sldImg" idx="2"/>
           </p:nvPr>
         </p:nvSpPr>
         <p:spPr>
@@ -1216,9 +1258,13 @@
             <a:ext cx="6096000" cy="3429000"/>
           </a:xfrm>
           <a:custGeom>
-            <a:rect b="b" l="l" r="r" t="t"/>
+            <a:avLst/>
+            <a:gdLst/>
+            <a:ahLst/>
+            <a:cxnLst/>
+            <a:rect l="l" t="t" r="r" b="b"/>
             <a:pathLst>
-              <a:path extrusionOk="0" h="120000" w="120000">
+              <a:path w="120000" h="120000" extrusionOk="0">
                 <a:moveTo>
                   <a:pt x="0" y="0"/>
                 </a:moveTo>
@@ -1240,9 +1286,11 @@
       <p:sp>
         <p:nvSpPr>
           <p:cNvPr id="116" name="Google Shape;116;g4d00429a58_1_0:notes"/>
-          <p:cNvSpPr txBox="1"/>
+          <p:cNvSpPr txBox="1">
+            <a:spLocks noGrp="1"/>
+          </p:cNvSpPr>
           <p:nvPr>
-            <p:ph idx="1" type="body"/>
+            <p:ph type="body" idx="1"/>
           </p:nvPr>
         </p:nvSpPr>
         <p:spPr>
@@ -1255,12 +1303,12 @@
           </a:prstGeom>
         </p:spPr>
         <p:txBody>
-          <a:bodyPr anchorCtr="0" anchor="t" bIns="91425" lIns="91425" spcFirstLastPara="1" rIns="91425" wrap="square" tIns="91425">
+          <a:bodyPr spcFirstLastPara="1" wrap="square" lIns="91425" tIns="91425" rIns="91425" bIns="91425" anchor="t" anchorCtr="0">
             <a:noAutofit/>
           </a:bodyPr>
           <a:lstStyle/>
           <a:p>
-            <a:pPr indent="0" lvl="0" marL="0" rtl="0" algn="l">
+            <a:pPr marL="0" lvl="0" indent="0" algn="l" rtl="0">
               <a:spcBef>
                 <a:spcPts val="0"/>
               </a:spcBef>
@@ -1269,9 +1317,6 @@
               </a:spcAft>
               <a:buNone/>
             </a:pPr>
-            <a:r>
-              <a:t/>
-            </a:r>
             <a:endParaRPr/>
           </a:p>
         </p:txBody>
@@ -1285,11 +1330,11 @@
 </file>
 
 <file path=ppt/notesSlides/notesSlide7.xml><?xml version="1.0" encoding="utf-8"?>
-<p:notes xmlns:a="http://schemas.openxmlformats.org/drawingml/2006/main" xmlns:r="http://schemas.openxmlformats.org/officeDocument/2006/relationships" xmlns:mc="http://schemas.openxmlformats.org/markup-compatibility/2006" xmlns:mv="urn:schemas-microsoft-com:mac:vml" xmlns:p="http://schemas.openxmlformats.org/presentationml/2006/main" xmlns:c="http://schemas.openxmlformats.org/drawingml/2006/chart" xmlns:dgm="http://schemas.openxmlformats.org/drawingml/2006/diagram" xmlns:o="urn:schemas-microsoft-com:office:office" xmlns:v="urn:schemas-microsoft-com:vml" xmlns:pvml="urn:schemas-microsoft-com:office:powerpoint" xmlns:com="http://schemas.openxmlformats.org/drawingml/2006/compatibility" xmlns:p14="http://schemas.microsoft.com/office/powerpoint/2010/main" xmlns:p15="http://schemas.microsoft.com/office/powerpoint/2012/main" showMasterPhAnim="0" showMasterSp="0">
+<p:notes xmlns:a="http://schemas.openxmlformats.org/drawingml/2006/main" xmlns:r="http://schemas.openxmlformats.org/officeDocument/2006/relationships" xmlns:p="http://schemas.openxmlformats.org/presentationml/2006/main" showMasterSp="0" showMasterPhAnim="0">
   <p:cSld>
     <p:spTree>
       <p:nvGrpSpPr>
-        <p:cNvPr id="122" name="Shape 122"/>
+        <p:cNvPr id="1" name="Shape 122"/>
         <p:cNvGrpSpPr/>
         <p:nvPr/>
       </p:nvGrpSpPr>
@@ -1304,9 +1349,11 @@
       <p:sp>
         <p:nvSpPr>
           <p:cNvPr id="123" name="Google Shape;123;g503c4d8af4_0_105:notes"/>
-          <p:cNvSpPr/>
+          <p:cNvSpPr>
+            <a:spLocks noGrp="1" noRot="1" noChangeAspect="1"/>
+          </p:cNvSpPr>
           <p:nvPr>
-            <p:ph idx="2" type="sldImg"/>
+            <p:ph type="sldImg" idx="2"/>
           </p:nvPr>
         </p:nvSpPr>
         <p:spPr>
@@ -1315,9 +1362,13 @@
             <a:ext cx="6096000" cy="3429000"/>
           </a:xfrm>
           <a:custGeom>
-            <a:rect b="b" l="l" r="r" t="t"/>
+            <a:avLst/>
+            <a:gdLst/>
+            <a:ahLst/>
+            <a:cxnLst/>
+            <a:rect l="l" t="t" r="r" b="b"/>
             <a:pathLst>
-              <a:path extrusionOk="0" h="120000" w="120000">
+              <a:path w="120000" h="120000" extrusionOk="0">
                 <a:moveTo>
                   <a:pt x="0" y="0"/>
                 </a:moveTo>
@@ -1339,9 +1390,11 @@
       <p:sp>
         <p:nvSpPr>
           <p:cNvPr id="124" name="Google Shape;124;g503c4d8af4_0_105:notes"/>
-          <p:cNvSpPr txBox="1"/>
+          <p:cNvSpPr txBox="1">
+            <a:spLocks noGrp="1"/>
+          </p:cNvSpPr>
           <p:nvPr>
-            <p:ph idx="1" type="body"/>
+            <p:ph type="body" idx="1"/>
           </p:nvPr>
         </p:nvSpPr>
         <p:spPr>
@@ -1354,12 +1407,12 @@
           </a:prstGeom>
         </p:spPr>
         <p:txBody>
-          <a:bodyPr anchorCtr="0" anchor="t" bIns="91425" lIns="91425" spcFirstLastPara="1" rIns="91425" wrap="square" tIns="91425">
+          <a:bodyPr spcFirstLastPara="1" wrap="square" lIns="91425" tIns="91425" rIns="91425" bIns="91425" anchor="t" anchorCtr="0">
             <a:noAutofit/>
           </a:bodyPr>
           <a:lstStyle/>
           <a:p>
-            <a:pPr indent="0" lvl="0" marL="0" rtl="0" algn="l">
+            <a:pPr marL="0" lvl="0" indent="0" algn="l" rtl="0">
               <a:spcBef>
                 <a:spcPts val="0"/>
               </a:spcBef>
@@ -1368,9 +1421,6 @@
               </a:spcAft>
               <a:buNone/>
             </a:pPr>
-            <a:r>
-              <a:t/>
-            </a:r>
             <a:endParaRPr/>
           </a:p>
         </p:txBody>
@@ -1384,18 +1434,19 @@
 </file>
 
 <file path=ppt/slideLayouts/slideLayout1.xml><?xml version="1.0" encoding="utf-8"?>
-<p:sldLayout xmlns:a="http://schemas.openxmlformats.org/drawingml/2006/main" xmlns:r="http://schemas.openxmlformats.org/officeDocument/2006/relationships" xmlns:mc="http://schemas.openxmlformats.org/markup-compatibility/2006" xmlns:mv="urn:schemas-microsoft-com:mac:vml" xmlns:p="http://schemas.openxmlformats.org/presentationml/2006/main" xmlns:c="http://schemas.openxmlformats.org/drawingml/2006/chart" xmlns:dgm="http://schemas.openxmlformats.org/drawingml/2006/diagram" xmlns:o="urn:schemas-microsoft-com:office:office" xmlns:v="urn:schemas-microsoft-com:vml" xmlns:pvml="urn:schemas-microsoft-com:office:powerpoint" xmlns:com="http://schemas.openxmlformats.org/drawingml/2006/compatibility" xmlns:p14="http://schemas.microsoft.com/office/powerpoint/2010/main" xmlns:p15="http://schemas.microsoft.com/office/powerpoint/2012/main" matchingName="Title slide" type="title">
+<p:sldLayout xmlns:a="http://schemas.openxmlformats.org/drawingml/2006/main" xmlns:r="http://schemas.openxmlformats.org/officeDocument/2006/relationships" xmlns:p="http://schemas.openxmlformats.org/presentationml/2006/main" matchingName="Title slide" type="title">
   <p:cSld name="TITLE">
     <p:bg>
       <p:bgPr>
         <a:solidFill>
           <a:schemeClr val="lt2"/>
         </a:solidFill>
+        <a:effectLst/>
       </p:bgPr>
     </p:bg>
     <p:spTree>
       <p:nvGrpSpPr>
-        <p:cNvPr id="9" name="Shape 9"/>
+        <p:cNvPr id="1" name="Shape 9"/>
         <p:cNvGrpSpPr/>
         <p:nvPr/>
       </p:nvGrpSpPr>
@@ -1429,12 +1480,12 @@
           </a:ln>
         </p:spPr>
         <p:txBody>
-          <a:bodyPr anchorCtr="0" anchor="ctr" bIns="91425" lIns="91425" spcFirstLastPara="1" rIns="91425" wrap="square" tIns="91425">
+          <a:bodyPr spcFirstLastPara="1" wrap="square" lIns="91425" tIns="91425" rIns="91425" bIns="91425" anchor="ctr" anchorCtr="0">
             <a:noAutofit/>
           </a:bodyPr>
           <a:lstStyle/>
           <a:p>
-            <a:pPr indent="0" lvl="0" marL="0" rtl="0" algn="l">
+            <a:pPr marL="0" lvl="0" indent="0" algn="l" rtl="0">
               <a:spcBef>
                 <a:spcPts val="0"/>
               </a:spcBef>
@@ -1443,9 +1494,6 @@
               </a:spcAft>
               <a:buNone/>
             </a:pPr>
-            <a:r>
-              <a:t/>
-            </a:r>
             <a:endParaRPr/>
           </a:p>
         </p:txBody>
@@ -1486,12 +1534,12 @@
             </a:ln>
           </p:spPr>
           <p:txBody>
-            <a:bodyPr anchorCtr="0" anchor="ctr" bIns="91425" lIns="91425" spcFirstLastPara="1" rIns="91425" wrap="square" tIns="91425">
+            <a:bodyPr spcFirstLastPara="1" wrap="square" lIns="91425" tIns="91425" rIns="91425" bIns="91425" anchor="ctr" anchorCtr="0">
               <a:noAutofit/>
             </a:bodyPr>
             <a:lstStyle/>
             <a:p>
-              <a:pPr indent="0" lvl="0" marL="0" rtl="0" algn="l">
+              <a:pPr marL="0" lvl="0" indent="0" algn="l" rtl="0">
                 <a:spcBef>
                   <a:spcPts val="0"/>
                 </a:spcBef>
@@ -1500,9 +1548,6 @@
                 </a:spcAft>
                 <a:buNone/>
               </a:pPr>
-              <a:r>
-                <a:t/>
-              </a:r>
               <a:endParaRPr/>
             </a:p>
           </p:txBody>
@@ -1529,12 +1574,12 @@
             </a:ln>
           </p:spPr>
           <p:txBody>
-            <a:bodyPr anchorCtr="0" anchor="ctr" bIns="91425" lIns="91425" spcFirstLastPara="1" rIns="91425" wrap="square" tIns="91425">
+            <a:bodyPr spcFirstLastPara="1" wrap="square" lIns="91425" tIns="91425" rIns="91425" bIns="91425" anchor="ctr" anchorCtr="0">
               <a:noAutofit/>
             </a:bodyPr>
             <a:lstStyle/>
             <a:p>
-              <a:pPr indent="0" lvl="0" marL="0" rtl="0" algn="l">
+              <a:pPr marL="0" lvl="0" indent="0" algn="l" rtl="0">
                 <a:spcBef>
                   <a:spcPts val="0"/>
                 </a:spcBef>
@@ -1543,9 +1588,6 @@
                 </a:spcAft>
                 <a:buNone/>
               </a:pPr>
-              <a:r>
-                <a:t/>
-              </a:r>
               <a:endParaRPr/>
             </a:p>
           </p:txBody>
@@ -1554,7 +1596,9 @@
       <p:sp>
         <p:nvSpPr>
           <p:cNvPr id="14" name="Google Shape;14;p2"/>
-          <p:cNvSpPr txBox="1"/>
+          <p:cNvSpPr txBox="1">
+            <a:spLocks noGrp="1"/>
+          </p:cNvSpPr>
           <p:nvPr>
             <p:ph type="ctrTitle"/>
           </p:nvPr>
@@ -1569,7 +1613,7 @@
           </a:prstGeom>
         </p:spPr>
         <p:txBody>
-          <a:bodyPr anchorCtr="0" anchor="t" bIns="91425" lIns="91425" spcFirstLastPara="1" rIns="91425" wrap="square" tIns="91425"/>
+          <a:bodyPr spcFirstLastPara="1" wrap="square" lIns="91425" tIns="91425" rIns="91425" bIns="91425" anchor="t" anchorCtr="0"/>
           <a:lstStyle>
             <a:lvl1pPr lvl="0">
               <a:spcBef>
@@ -1734,15 +1778,19 @@
               </a:defRPr>
             </a:lvl9pPr>
           </a:lstStyle>
-          <a:p/>
+          <a:p>
+            <a:endParaRPr/>
+          </a:p>
         </p:txBody>
       </p:sp>
       <p:sp>
         <p:nvSpPr>
           <p:cNvPr id="15" name="Google Shape;15;p2"/>
-          <p:cNvSpPr txBox="1"/>
+          <p:cNvSpPr txBox="1">
+            <a:spLocks noGrp="1"/>
+          </p:cNvSpPr>
           <p:nvPr>
-            <p:ph idx="1" type="subTitle"/>
+            <p:ph type="subTitle" idx="1"/>
           </p:nvPr>
         </p:nvSpPr>
         <p:spPr>
@@ -1755,7 +1803,7 @@
           </a:prstGeom>
         </p:spPr>
         <p:txBody>
-          <a:bodyPr anchorCtr="0" anchor="t" bIns="91425" lIns="91425" spcFirstLastPara="1" rIns="91425" wrap="square" tIns="91425"/>
+          <a:bodyPr spcFirstLastPara="1" wrap="square" lIns="91425" tIns="91425" rIns="91425" bIns="91425" anchor="t" anchorCtr="0"/>
           <a:lstStyle>
             <a:lvl1pPr lvl="0">
               <a:lnSpc>
@@ -1884,15 +1932,19 @@
               <a:defRPr sz="1600"/>
             </a:lvl9pPr>
           </a:lstStyle>
-          <a:p/>
+          <a:p>
+            <a:endParaRPr/>
+          </a:p>
         </p:txBody>
       </p:sp>
       <p:sp>
         <p:nvSpPr>
           <p:cNvPr id="16" name="Google Shape;16;p2"/>
-          <p:cNvSpPr txBox="1"/>
+          <p:cNvSpPr txBox="1">
+            <a:spLocks noGrp="1"/>
+          </p:cNvSpPr>
           <p:nvPr>
-            <p:ph idx="12" type="sldNum"/>
+            <p:ph type="sldNum" idx="12"/>
           </p:nvPr>
         </p:nvSpPr>
         <p:spPr>
@@ -1905,7 +1957,7 @@
           </a:prstGeom>
         </p:spPr>
         <p:txBody>
-          <a:bodyPr anchorCtr="0" anchor="ctr" bIns="91425" lIns="91425" spcFirstLastPara="1" rIns="91425" wrap="square" tIns="91425">
+          <a:bodyPr spcFirstLastPara="1" wrap="square" lIns="91425" tIns="91425" rIns="91425" bIns="91425" anchor="ctr" anchorCtr="0">
             <a:noAutofit/>
           </a:bodyPr>
           <a:lstStyle>
@@ -1947,7 +1999,7 @@
             </a:lvl9pPr>
           </a:lstStyle>
           <a:p>
-            <a:pPr indent="0" lvl="0" marL="0" rtl="0" algn="r">
+            <a:pPr marL="0" lvl="0" indent="0" algn="r" rtl="0">
               <a:spcBef>
                 <a:spcPts val="0"/>
               </a:spcBef>
@@ -1973,18 +2025,19 @@
 </file>
 
 <file path=ppt/slideLayouts/slideLayout10.xml><?xml version="1.0" encoding="utf-8"?>
-<p:sldLayout xmlns:a="http://schemas.openxmlformats.org/drawingml/2006/main" xmlns:r="http://schemas.openxmlformats.org/officeDocument/2006/relationships" xmlns:mc="http://schemas.openxmlformats.org/markup-compatibility/2006" xmlns:mv="urn:schemas-microsoft-com:mac:vml" xmlns:p="http://schemas.openxmlformats.org/presentationml/2006/main" xmlns:c="http://schemas.openxmlformats.org/drawingml/2006/chart" xmlns:dgm="http://schemas.openxmlformats.org/drawingml/2006/diagram" xmlns:o="urn:schemas-microsoft-com:office:office" xmlns:v="urn:schemas-microsoft-com:vml" xmlns:pvml="urn:schemas-microsoft-com:office:powerpoint" xmlns:com="http://schemas.openxmlformats.org/drawingml/2006/compatibility" xmlns:p14="http://schemas.microsoft.com/office/powerpoint/2010/main" xmlns:p15="http://schemas.microsoft.com/office/powerpoint/2012/main" matchingName="Big number">
+<p:sldLayout xmlns:a="http://schemas.openxmlformats.org/drawingml/2006/main" xmlns:r="http://schemas.openxmlformats.org/officeDocument/2006/relationships" xmlns:p="http://schemas.openxmlformats.org/presentationml/2006/main" matchingName="Big number">
   <p:cSld name="BIG_NUMBER">
     <p:bg>
       <p:bgPr>
         <a:solidFill>
           <a:schemeClr val="dk1"/>
         </a:solidFill>
+        <a:effectLst/>
       </p:bgPr>
     </p:bg>
     <p:spTree>
       <p:nvGrpSpPr>
-        <p:cNvPr id="73" name="Shape 73"/>
+        <p:cNvPr id="1" name="Shape 73"/>
         <p:cNvGrpSpPr/>
         <p:nvPr/>
       </p:nvGrpSpPr>
@@ -2032,12 +2085,12 @@
             </a:ln>
           </p:spPr>
           <p:txBody>
-            <a:bodyPr anchorCtr="0" anchor="ctr" bIns="91425" lIns="91425" spcFirstLastPara="1" rIns="91425" wrap="square" tIns="91425">
+            <a:bodyPr spcFirstLastPara="1" wrap="square" lIns="91425" tIns="91425" rIns="91425" bIns="91425" anchor="ctr" anchorCtr="0">
               <a:noAutofit/>
             </a:bodyPr>
             <a:lstStyle/>
             <a:p>
-              <a:pPr indent="0" lvl="0" marL="0" rtl="0" algn="l">
+              <a:pPr marL="0" lvl="0" indent="0" algn="l" rtl="0">
                 <a:spcBef>
                   <a:spcPts val="0"/>
                 </a:spcBef>
@@ -2046,9 +2099,6 @@
                 </a:spcAft>
                 <a:buNone/>
               </a:pPr>
-              <a:r>
-                <a:t/>
-              </a:r>
               <a:endParaRPr/>
             </a:p>
           </p:txBody>
@@ -2075,12 +2125,12 @@
             </a:ln>
           </p:spPr>
           <p:txBody>
-            <a:bodyPr anchorCtr="0" anchor="ctr" bIns="91425" lIns="91425" spcFirstLastPara="1" rIns="91425" wrap="square" tIns="91425">
+            <a:bodyPr spcFirstLastPara="1" wrap="square" lIns="91425" tIns="91425" rIns="91425" bIns="91425" anchor="ctr" anchorCtr="0">
               <a:noAutofit/>
             </a:bodyPr>
             <a:lstStyle/>
             <a:p>
-              <a:pPr indent="0" lvl="0" marL="0" rtl="0" algn="l">
+              <a:pPr marL="0" lvl="0" indent="0" algn="l" rtl="0">
                 <a:spcBef>
                   <a:spcPts val="0"/>
                 </a:spcBef>
@@ -2089,9 +2139,6 @@
                 </a:spcAft>
                 <a:buNone/>
               </a:pPr>
-              <a:r>
-                <a:t/>
-              </a:r>
               <a:endParaRPr/>
             </a:p>
           </p:txBody>
@@ -2100,9 +2147,11 @@
       <p:sp>
         <p:nvSpPr>
           <p:cNvPr id="77" name="Google Shape;77;p11"/>
-          <p:cNvSpPr txBox="1"/>
+          <p:cNvSpPr txBox="1">
+            <a:spLocks noGrp="1"/>
+          </p:cNvSpPr>
           <p:nvPr>
-            <p:ph hasCustomPrompt="1" type="title"/>
+            <p:ph type="title" hasCustomPrompt="1"/>
           </p:nvPr>
         </p:nvSpPr>
         <p:spPr>
@@ -2115,7 +2164,7 @@
           </a:prstGeom>
         </p:spPr>
         <p:txBody>
-          <a:bodyPr anchorCtr="0" anchor="t" bIns="91425" lIns="91425" spcFirstLastPara="1" rIns="91425" wrap="square" tIns="91425"/>
+          <a:bodyPr spcFirstLastPara="1" wrap="square" lIns="91425" tIns="91425" rIns="91425" bIns="91425" anchor="t" anchorCtr="0"/>
           <a:lstStyle>
             <a:lvl1pPr lvl="0">
               <a:spcBef>
@@ -2290,9 +2339,11 @@
       <p:sp>
         <p:nvSpPr>
           <p:cNvPr id="78" name="Google Shape;78;p11"/>
-          <p:cNvSpPr txBox="1"/>
+          <p:cNvSpPr txBox="1">
+            <a:spLocks noGrp="1"/>
+          </p:cNvSpPr>
           <p:nvPr>
-            <p:ph idx="1" type="body"/>
+            <p:ph type="body" idx="1"/>
           </p:nvPr>
         </p:nvSpPr>
         <p:spPr>
@@ -2305,9 +2356,9 @@
           </a:prstGeom>
         </p:spPr>
         <p:txBody>
-          <a:bodyPr anchorCtr="0" anchor="t" bIns="91425" lIns="91425" spcFirstLastPara="1" rIns="91425" wrap="square" tIns="91425"/>
+          <a:bodyPr spcFirstLastPara="1" wrap="square" lIns="91425" tIns="91425" rIns="91425" bIns="91425" anchor="t" anchorCtr="0"/>
           <a:lstStyle>
-            <a:lvl1pPr indent="-311150" lvl="0" marL="457200">
+            <a:lvl1pPr marL="457200" lvl="0" indent="-311150">
               <a:spcBef>
                 <a:spcPts val="0"/>
               </a:spcBef>
@@ -2325,7 +2376,7 @@
                 </a:solidFill>
               </a:defRPr>
             </a:lvl1pPr>
-            <a:lvl2pPr indent="-298450" lvl="1" marL="914400">
+            <a:lvl2pPr marL="914400" lvl="1" indent="-298450">
               <a:spcBef>
                 <a:spcPts val="1600"/>
               </a:spcBef>
@@ -2343,7 +2394,7 @@
                 </a:solidFill>
               </a:defRPr>
             </a:lvl2pPr>
-            <a:lvl3pPr indent="-298450" lvl="2" marL="1371600">
+            <a:lvl3pPr marL="1371600" lvl="2" indent="-298450">
               <a:spcBef>
                 <a:spcPts val="1600"/>
               </a:spcBef>
@@ -2361,7 +2412,7 @@
                 </a:solidFill>
               </a:defRPr>
             </a:lvl3pPr>
-            <a:lvl4pPr indent="-298450" lvl="3" marL="1828800">
+            <a:lvl4pPr marL="1828800" lvl="3" indent="-298450">
               <a:spcBef>
                 <a:spcPts val="1600"/>
               </a:spcBef>
@@ -2379,7 +2430,7 @@
                 </a:solidFill>
               </a:defRPr>
             </a:lvl4pPr>
-            <a:lvl5pPr indent="-298450" lvl="4" marL="2286000">
+            <a:lvl5pPr marL="2286000" lvl="4" indent="-298450">
               <a:spcBef>
                 <a:spcPts val="1600"/>
               </a:spcBef>
@@ -2397,7 +2448,7 @@
                 </a:solidFill>
               </a:defRPr>
             </a:lvl5pPr>
-            <a:lvl6pPr indent="-298450" lvl="5" marL="2743200">
+            <a:lvl6pPr marL="2743200" lvl="5" indent="-298450">
               <a:spcBef>
                 <a:spcPts val="1600"/>
               </a:spcBef>
@@ -2415,7 +2466,7 @@
                 </a:solidFill>
               </a:defRPr>
             </a:lvl6pPr>
-            <a:lvl7pPr indent="-298450" lvl="6" marL="3200400">
+            <a:lvl7pPr marL="3200400" lvl="6" indent="-298450">
               <a:spcBef>
                 <a:spcPts val="1600"/>
               </a:spcBef>
@@ -2433,7 +2484,7 @@
                 </a:solidFill>
               </a:defRPr>
             </a:lvl7pPr>
-            <a:lvl8pPr indent="-298450" lvl="7" marL="3657600">
+            <a:lvl8pPr marL="3657600" lvl="7" indent="-298450">
               <a:spcBef>
                 <a:spcPts val="1600"/>
               </a:spcBef>
@@ -2451,7 +2502,7 @@
                 </a:solidFill>
               </a:defRPr>
             </a:lvl8pPr>
-            <a:lvl9pPr indent="-298450" lvl="8" marL="4114800">
+            <a:lvl9pPr marL="4114800" lvl="8" indent="-298450">
               <a:spcBef>
                 <a:spcPts val="1600"/>
               </a:spcBef>
@@ -2470,15 +2521,19 @@
               </a:defRPr>
             </a:lvl9pPr>
           </a:lstStyle>
-          <a:p/>
+          <a:p>
+            <a:endParaRPr/>
+          </a:p>
         </p:txBody>
       </p:sp>
       <p:sp>
         <p:nvSpPr>
           <p:cNvPr id="79" name="Google Shape;79;p11"/>
-          <p:cNvSpPr txBox="1"/>
+          <p:cNvSpPr txBox="1">
+            <a:spLocks noGrp="1"/>
+          </p:cNvSpPr>
           <p:nvPr>
-            <p:ph idx="12" type="sldNum"/>
+            <p:ph type="sldNum" idx="12"/>
           </p:nvPr>
         </p:nvSpPr>
         <p:spPr>
@@ -2491,7 +2546,7 @@
           </a:prstGeom>
         </p:spPr>
         <p:txBody>
-          <a:bodyPr anchorCtr="0" anchor="ctr" bIns="91425" lIns="91425" spcFirstLastPara="1" rIns="91425" wrap="square" tIns="91425">
+          <a:bodyPr spcFirstLastPara="1" wrap="square" lIns="91425" tIns="91425" rIns="91425" bIns="91425" anchor="ctr" anchorCtr="0">
             <a:noAutofit/>
           </a:bodyPr>
           <a:lstStyle>
@@ -2569,7 +2624,7 @@
             </a:lvl9pPr>
           </a:lstStyle>
           <a:p>
-            <a:pPr indent="0" lvl="0" marL="0" rtl="0" algn="r">
+            <a:pPr marL="0" lvl="0" indent="0" algn="r" rtl="0">
               <a:spcBef>
                 <a:spcPts val="0"/>
               </a:spcBef>
@@ -2595,11 +2650,11 @@
 </file>
 
 <file path=ppt/slideLayouts/slideLayout11.xml><?xml version="1.0" encoding="utf-8"?>
-<p:sldLayout xmlns:a="http://schemas.openxmlformats.org/drawingml/2006/main" xmlns:r="http://schemas.openxmlformats.org/officeDocument/2006/relationships" xmlns:mc="http://schemas.openxmlformats.org/markup-compatibility/2006" xmlns:mv="urn:schemas-microsoft-com:mac:vml" xmlns:p="http://schemas.openxmlformats.org/presentationml/2006/main" xmlns:c="http://schemas.openxmlformats.org/drawingml/2006/chart" xmlns:dgm="http://schemas.openxmlformats.org/drawingml/2006/diagram" xmlns:o="urn:schemas-microsoft-com:office:office" xmlns:v="urn:schemas-microsoft-com:vml" xmlns:pvml="urn:schemas-microsoft-com:office:powerpoint" xmlns:com="http://schemas.openxmlformats.org/drawingml/2006/compatibility" xmlns:p14="http://schemas.microsoft.com/office/powerpoint/2010/main" xmlns:p15="http://schemas.microsoft.com/office/powerpoint/2012/main" matchingName="Blank" type="blank">
+<p:sldLayout xmlns:a="http://schemas.openxmlformats.org/drawingml/2006/main" xmlns:r="http://schemas.openxmlformats.org/officeDocument/2006/relationships" xmlns:p="http://schemas.openxmlformats.org/presentationml/2006/main" matchingName="Blank" type="blank">
   <p:cSld name="BLANK">
     <p:spTree>
       <p:nvGrpSpPr>
-        <p:cNvPr id="80" name="Shape 80"/>
+        <p:cNvPr id="1" name="Shape 80"/>
         <p:cNvGrpSpPr/>
         <p:nvPr/>
       </p:nvGrpSpPr>
@@ -2614,9 +2669,11 @@
       <p:sp>
         <p:nvSpPr>
           <p:cNvPr id="81" name="Google Shape;81;p12"/>
-          <p:cNvSpPr txBox="1"/>
+          <p:cNvSpPr txBox="1">
+            <a:spLocks noGrp="1"/>
+          </p:cNvSpPr>
           <p:nvPr>
-            <p:ph idx="12" type="sldNum"/>
+            <p:ph type="sldNum" idx="12"/>
           </p:nvPr>
         </p:nvSpPr>
         <p:spPr>
@@ -2629,7 +2686,7 @@
           </a:prstGeom>
         </p:spPr>
         <p:txBody>
-          <a:bodyPr anchorCtr="0" anchor="ctr" bIns="91425" lIns="91425" spcFirstLastPara="1" rIns="91425" wrap="square" tIns="91425">
+          <a:bodyPr spcFirstLastPara="1" wrap="square" lIns="91425" tIns="91425" rIns="91425" bIns="91425" anchor="ctr" anchorCtr="0">
             <a:noAutofit/>
           </a:bodyPr>
           <a:lstStyle>
@@ -2671,7 +2728,7 @@
             </a:lvl9pPr>
           </a:lstStyle>
           <a:p>
-            <a:pPr indent="0" lvl="0" marL="0" rtl="0" algn="r">
+            <a:pPr marL="0" lvl="0" indent="0" algn="r" rtl="0">
               <a:spcBef>
                 <a:spcPts val="0"/>
               </a:spcBef>
@@ -2697,18 +2754,19 @@
 </file>
 
 <file path=ppt/slideLayouts/slideLayout2.xml><?xml version="1.0" encoding="utf-8"?>
-<p:sldLayout xmlns:a="http://schemas.openxmlformats.org/drawingml/2006/main" xmlns:r="http://schemas.openxmlformats.org/officeDocument/2006/relationships" xmlns:mc="http://schemas.openxmlformats.org/markup-compatibility/2006" xmlns:mv="urn:schemas-microsoft-com:mac:vml" xmlns:p="http://schemas.openxmlformats.org/presentationml/2006/main" xmlns:c="http://schemas.openxmlformats.org/drawingml/2006/chart" xmlns:dgm="http://schemas.openxmlformats.org/drawingml/2006/diagram" xmlns:o="urn:schemas-microsoft-com:office:office" xmlns:v="urn:schemas-microsoft-com:vml" xmlns:pvml="urn:schemas-microsoft-com:office:powerpoint" xmlns:com="http://schemas.openxmlformats.org/drawingml/2006/compatibility" xmlns:p14="http://schemas.microsoft.com/office/powerpoint/2010/main" xmlns:p15="http://schemas.microsoft.com/office/powerpoint/2012/main" matchingName="Section header" type="secHead">
+<p:sldLayout xmlns:a="http://schemas.openxmlformats.org/drawingml/2006/main" xmlns:r="http://schemas.openxmlformats.org/officeDocument/2006/relationships" xmlns:p="http://schemas.openxmlformats.org/presentationml/2006/main" matchingName="Section header" type="secHead">
   <p:cSld name="SECTION_HEADER">
     <p:bg>
       <p:bgPr>
         <a:solidFill>
           <a:schemeClr val="dk1"/>
         </a:solidFill>
+        <a:effectLst/>
       </p:bgPr>
     </p:bg>
     <p:spTree>
       <p:nvGrpSpPr>
-        <p:cNvPr id="17" name="Shape 17"/>
+        <p:cNvPr id="1" name="Shape 17"/>
         <p:cNvGrpSpPr/>
         <p:nvPr/>
       </p:nvGrpSpPr>
@@ -2756,12 +2814,12 @@
             </a:ln>
           </p:spPr>
           <p:txBody>
-            <a:bodyPr anchorCtr="0" anchor="ctr" bIns="91425" lIns="91425" spcFirstLastPara="1" rIns="91425" wrap="square" tIns="91425">
+            <a:bodyPr spcFirstLastPara="1" wrap="square" lIns="91425" tIns="91425" rIns="91425" bIns="91425" anchor="ctr" anchorCtr="0">
               <a:noAutofit/>
             </a:bodyPr>
             <a:lstStyle/>
             <a:p>
-              <a:pPr indent="0" lvl="0" marL="0" rtl="0" algn="l">
+              <a:pPr marL="0" lvl="0" indent="0" algn="l" rtl="0">
                 <a:spcBef>
                   <a:spcPts val="0"/>
                 </a:spcBef>
@@ -2770,9 +2828,6 @@
                 </a:spcAft>
                 <a:buNone/>
               </a:pPr>
-              <a:r>
-                <a:t/>
-              </a:r>
               <a:endParaRPr/>
             </a:p>
           </p:txBody>
@@ -2799,12 +2854,12 @@
             </a:ln>
           </p:spPr>
           <p:txBody>
-            <a:bodyPr anchorCtr="0" anchor="ctr" bIns="91425" lIns="91425" spcFirstLastPara="1" rIns="91425" wrap="square" tIns="91425">
+            <a:bodyPr spcFirstLastPara="1" wrap="square" lIns="91425" tIns="91425" rIns="91425" bIns="91425" anchor="ctr" anchorCtr="0">
               <a:noAutofit/>
             </a:bodyPr>
             <a:lstStyle/>
             <a:p>
-              <a:pPr indent="0" lvl="0" marL="0" rtl="0" algn="l">
+              <a:pPr marL="0" lvl="0" indent="0" algn="l" rtl="0">
                 <a:spcBef>
                   <a:spcPts val="0"/>
                 </a:spcBef>
@@ -2813,9 +2868,6 @@
                 </a:spcAft>
                 <a:buNone/>
               </a:pPr>
-              <a:r>
-                <a:t/>
-              </a:r>
               <a:endParaRPr/>
             </a:p>
           </p:txBody>
@@ -2824,7 +2876,9 @@
       <p:sp>
         <p:nvSpPr>
           <p:cNvPr id="21" name="Google Shape;21;p3"/>
-          <p:cNvSpPr txBox="1"/>
+          <p:cNvSpPr txBox="1">
+            <a:spLocks noGrp="1"/>
+          </p:cNvSpPr>
           <p:nvPr>
             <p:ph type="title"/>
           </p:nvPr>
@@ -2839,7 +2893,7 @@
           </a:prstGeom>
         </p:spPr>
         <p:txBody>
-          <a:bodyPr anchorCtr="0" anchor="t" bIns="91425" lIns="91425" spcFirstLastPara="1" rIns="91425" wrap="square" tIns="91425"/>
+          <a:bodyPr spcFirstLastPara="1" wrap="square" lIns="91425" tIns="91425" rIns="91425" bIns="91425" anchor="t" anchorCtr="0"/>
           <a:lstStyle>
             <a:lvl1pPr lvl="0">
               <a:spcBef>
@@ -3004,15 +3058,19 @@
               </a:defRPr>
             </a:lvl9pPr>
           </a:lstStyle>
-          <a:p/>
+          <a:p>
+            <a:endParaRPr/>
+          </a:p>
         </p:txBody>
       </p:sp>
       <p:sp>
         <p:nvSpPr>
           <p:cNvPr id="22" name="Google Shape;22;p3"/>
-          <p:cNvSpPr txBox="1"/>
+          <p:cNvSpPr txBox="1">
+            <a:spLocks noGrp="1"/>
+          </p:cNvSpPr>
           <p:nvPr>
-            <p:ph idx="12" type="sldNum"/>
+            <p:ph type="sldNum" idx="12"/>
           </p:nvPr>
         </p:nvSpPr>
         <p:spPr>
@@ -3025,7 +3083,7 @@
           </a:prstGeom>
         </p:spPr>
         <p:txBody>
-          <a:bodyPr anchorCtr="0" anchor="ctr" bIns="91425" lIns="91425" spcFirstLastPara="1" rIns="91425" wrap="square" tIns="91425">
+          <a:bodyPr spcFirstLastPara="1" wrap="square" lIns="91425" tIns="91425" rIns="91425" bIns="91425" anchor="ctr" anchorCtr="0">
             <a:noAutofit/>
           </a:bodyPr>
           <a:lstStyle>
@@ -3103,7 +3161,7 @@
             </a:lvl9pPr>
           </a:lstStyle>
           <a:p>
-            <a:pPr indent="0" lvl="0" marL="0" rtl="0" algn="r">
+            <a:pPr marL="0" lvl="0" indent="0" algn="r" rtl="0">
               <a:spcBef>
                 <a:spcPts val="0"/>
               </a:spcBef>
@@ -3129,11 +3187,11 @@
 </file>
 
 <file path=ppt/slideLayouts/slideLayout3.xml><?xml version="1.0" encoding="utf-8"?>
-<p:sldLayout xmlns:a="http://schemas.openxmlformats.org/drawingml/2006/main" xmlns:r="http://schemas.openxmlformats.org/officeDocument/2006/relationships" xmlns:mc="http://schemas.openxmlformats.org/markup-compatibility/2006" xmlns:mv="urn:schemas-microsoft-com:mac:vml" xmlns:p="http://schemas.openxmlformats.org/presentationml/2006/main" xmlns:c="http://schemas.openxmlformats.org/drawingml/2006/chart" xmlns:dgm="http://schemas.openxmlformats.org/drawingml/2006/diagram" xmlns:o="urn:schemas-microsoft-com:office:office" xmlns:v="urn:schemas-microsoft-com:vml" xmlns:pvml="urn:schemas-microsoft-com:office:powerpoint" xmlns:com="http://schemas.openxmlformats.org/drawingml/2006/compatibility" xmlns:p14="http://schemas.microsoft.com/office/powerpoint/2010/main" xmlns:p15="http://schemas.microsoft.com/office/powerpoint/2012/main" matchingName="Title and body" type="tx">
+<p:sldLayout xmlns:a="http://schemas.openxmlformats.org/drawingml/2006/main" xmlns:r="http://schemas.openxmlformats.org/officeDocument/2006/relationships" xmlns:p="http://schemas.openxmlformats.org/presentationml/2006/main" matchingName="Title and body" type="tx">
   <p:cSld name="TITLE_AND_BODY">
     <p:spTree>
       <p:nvGrpSpPr>
-        <p:cNvPr id="23" name="Shape 23"/>
+        <p:cNvPr id="1" name="Shape 23"/>
         <p:cNvGrpSpPr/>
         <p:nvPr/>
       </p:nvGrpSpPr>
@@ -3167,12 +3225,12 @@
           </a:ln>
         </p:spPr>
         <p:txBody>
-          <a:bodyPr anchorCtr="0" anchor="ctr" bIns="91425" lIns="91425" spcFirstLastPara="1" rIns="91425" wrap="square" tIns="91425">
+          <a:bodyPr spcFirstLastPara="1" wrap="square" lIns="91425" tIns="91425" rIns="91425" bIns="91425" anchor="ctr" anchorCtr="0">
             <a:noAutofit/>
           </a:bodyPr>
           <a:lstStyle/>
           <a:p>
-            <a:pPr indent="0" lvl="0" marL="0" rtl="0" algn="l">
+            <a:pPr marL="0" lvl="0" indent="0" algn="l" rtl="0">
               <a:spcBef>
                 <a:spcPts val="0"/>
               </a:spcBef>
@@ -3181,9 +3239,6 @@
               </a:spcAft>
               <a:buNone/>
             </a:pPr>
-            <a:r>
-              <a:t/>
-            </a:r>
             <a:endParaRPr/>
           </a:p>
         </p:txBody>
@@ -3224,12 +3279,12 @@
             </a:ln>
           </p:spPr>
           <p:txBody>
-            <a:bodyPr anchorCtr="0" anchor="ctr" bIns="91425" lIns="91425" spcFirstLastPara="1" rIns="91425" wrap="square" tIns="91425">
+            <a:bodyPr spcFirstLastPara="1" wrap="square" lIns="91425" tIns="91425" rIns="91425" bIns="91425" anchor="ctr" anchorCtr="0">
               <a:noAutofit/>
             </a:bodyPr>
             <a:lstStyle/>
             <a:p>
-              <a:pPr indent="0" lvl="0" marL="0" rtl="0" algn="l">
+              <a:pPr marL="0" lvl="0" indent="0" algn="l" rtl="0">
                 <a:spcBef>
                   <a:spcPts val="0"/>
                 </a:spcBef>
@@ -3238,9 +3293,6 @@
                 </a:spcAft>
                 <a:buNone/>
               </a:pPr>
-              <a:r>
-                <a:t/>
-              </a:r>
               <a:endParaRPr/>
             </a:p>
           </p:txBody>
@@ -3267,12 +3319,12 @@
             </a:ln>
           </p:spPr>
           <p:txBody>
-            <a:bodyPr anchorCtr="0" anchor="ctr" bIns="91425" lIns="91425" spcFirstLastPara="1" rIns="91425" wrap="square" tIns="91425">
+            <a:bodyPr spcFirstLastPara="1" wrap="square" lIns="91425" tIns="91425" rIns="91425" bIns="91425" anchor="ctr" anchorCtr="0">
               <a:noAutofit/>
             </a:bodyPr>
             <a:lstStyle/>
             <a:p>
-              <a:pPr indent="0" lvl="0" marL="0" rtl="0" algn="l">
+              <a:pPr marL="0" lvl="0" indent="0" algn="l" rtl="0">
                 <a:spcBef>
                   <a:spcPts val="0"/>
                 </a:spcBef>
@@ -3281,9 +3333,6 @@
                 </a:spcAft>
                 <a:buNone/>
               </a:pPr>
-              <a:r>
-                <a:t/>
-              </a:r>
               <a:endParaRPr/>
             </a:p>
           </p:txBody>
@@ -3292,7 +3341,9 @@
       <p:sp>
         <p:nvSpPr>
           <p:cNvPr id="28" name="Google Shape;28;p4"/>
-          <p:cNvSpPr txBox="1"/>
+          <p:cNvSpPr txBox="1">
+            <a:spLocks noGrp="1"/>
+          </p:cNvSpPr>
           <p:nvPr>
             <p:ph type="title"/>
           </p:nvPr>
@@ -3307,7 +3358,7 @@
           </a:prstGeom>
         </p:spPr>
         <p:txBody>
-          <a:bodyPr anchorCtr="0" anchor="t" bIns="91425" lIns="91425" spcFirstLastPara="1" rIns="91425" wrap="square" tIns="91425"/>
+          <a:bodyPr spcFirstLastPara="1" wrap="square" lIns="91425" tIns="91425" rIns="91425" bIns="91425" anchor="t" anchorCtr="0"/>
           <a:lstStyle>
             <a:lvl1pPr lvl="0">
               <a:spcBef>
@@ -3472,15 +3523,19 @@
               </a:defRPr>
             </a:lvl9pPr>
           </a:lstStyle>
-          <a:p/>
+          <a:p>
+            <a:endParaRPr/>
+          </a:p>
         </p:txBody>
       </p:sp>
       <p:sp>
         <p:nvSpPr>
           <p:cNvPr id="29" name="Google Shape;29;p4"/>
-          <p:cNvSpPr txBox="1"/>
+          <p:cNvSpPr txBox="1">
+            <a:spLocks noGrp="1"/>
+          </p:cNvSpPr>
           <p:nvPr>
-            <p:ph idx="1" type="body"/>
+            <p:ph type="body" idx="1"/>
           </p:nvPr>
         </p:nvSpPr>
         <p:spPr>
@@ -3493,9 +3548,9 @@
           </a:prstGeom>
         </p:spPr>
         <p:txBody>
-          <a:bodyPr anchorCtr="0" anchor="t" bIns="91425" lIns="91425" spcFirstLastPara="1" rIns="91425" wrap="square" tIns="91425"/>
+          <a:bodyPr spcFirstLastPara="1" wrap="square" lIns="91425" tIns="91425" rIns="91425" bIns="91425" anchor="t" anchorCtr="0"/>
           <a:lstStyle>
-            <a:lvl1pPr indent="-311150" lvl="0" marL="457200">
+            <a:lvl1pPr marL="457200" lvl="0" indent="-311150">
               <a:spcBef>
                 <a:spcPts val="0"/>
               </a:spcBef>
@@ -3506,7 +3561,7 @@
               <a:buChar char="●"/>
               <a:defRPr/>
             </a:lvl1pPr>
-            <a:lvl2pPr indent="-298450" lvl="1" marL="914400">
+            <a:lvl2pPr marL="914400" lvl="1" indent="-298450">
               <a:spcBef>
                 <a:spcPts val="1600"/>
               </a:spcBef>
@@ -3517,7 +3572,7 @@
               <a:buChar char="○"/>
               <a:defRPr/>
             </a:lvl2pPr>
-            <a:lvl3pPr indent="-298450" lvl="2" marL="1371600">
+            <a:lvl3pPr marL="1371600" lvl="2" indent="-298450">
               <a:spcBef>
                 <a:spcPts val="1600"/>
               </a:spcBef>
@@ -3528,7 +3583,7 @@
               <a:buChar char="■"/>
               <a:defRPr/>
             </a:lvl3pPr>
-            <a:lvl4pPr indent="-298450" lvl="3" marL="1828800">
+            <a:lvl4pPr marL="1828800" lvl="3" indent="-298450">
               <a:spcBef>
                 <a:spcPts val="1600"/>
               </a:spcBef>
@@ -3539,7 +3594,7 @@
               <a:buChar char="●"/>
               <a:defRPr/>
             </a:lvl4pPr>
-            <a:lvl5pPr indent="-298450" lvl="4" marL="2286000">
+            <a:lvl5pPr marL="2286000" lvl="4" indent="-298450">
               <a:spcBef>
                 <a:spcPts val="1600"/>
               </a:spcBef>
@@ -3550,7 +3605,7 @@
               <a:buChar char="○"/>
               <a:defRPr/>
             </a:lvl5pPr>
-            <a:lvl6pPr indent="-298450" lvl="5" marL="2743200">
+            <a:lvl6pPr marL="2743200" lvl="5" indent="-298450">
               <a:spcBef>
                 <a:spcPts val="1600"/>
               </a:spcBef>
@@ -3561,7 +3616,7 @@
               <a:buChar char="■"/>
               <a:defRPr/>
             </a:lvl6pPr>
-            <a:lvl7pPr indent="-298450" lvl="6" marL="3200400">
+            <a:lvl7pPr marL="3200400" lvl="6" indent="-298450">
               <a:spcBef>
                 <a:spcPts val="1600"/>
               </a:spcBef>
@@ -3572,7 +3627,7 @@
               <a:buChar char="●"/>
               <a:defRPr/>
             </a:lvl7pPr>
-            <a:lvl8pPr indent="-298450" lvl="7" marL="3657600">
+            <a:lvl8pPr marL="3657600" lvl="7" indent="-298450">
               <a:spcBef>
                 <a:spcPts val="1600"/>
               </a:spcBef>
@@ -3583,7 +3638,7 @@
               <a:buChar char="○"/>
               <a:defRPr/>
             </a:lvl8pPr>
-            <a:lvl9pPr indent="-298450" lvl="8" marL="4114800">
+            <a:lvl9pPr marL="4114800" lvl="8" indent="-298450">
               <a:spcBef>
                 <a:spcPts val="1600"/>
               </a:spcBef>
@@ -3595,15 +3650,19 @@
               <a:defRPr/>
             </a:lvl9pPr>
           </a:lstStyle>
-          <a:p/>
+          <a:p>
+            <a:endParaRPr/>
+          </a:p>
         </p:txBody>
       </p:sp>
       <p:sp>
         <p:nvSpPr>
           <p:cNvPr id="30" name="Google Shape;30;p4"/>
-          <p:cNvSpPr txBox="1"/>
+          <p:cNvSpPr txBox="1">
+            <a:spLocks noGrp="1"/>
+          </p:cNvSpPr>
           <p:nvPr>
-            <p:ph idx="12" type="sldNum"/>
+            <p:ph type="sldNum" idx="12"/>
           </p:nvPr>
         </p:nvSpPr>
         <p:spPr>
@@ -3616,7 +3675,7 @@
           </a:prstGeom>
         </p:spPr>
         <p:txBody>
-          <a:bodyPr anchorCtr="0" anchor="ctr" bIns="91425" lIns="91425" spcFirstLastPara="1" rIns="91425" wrap="square" tIns="91425">
+          <a:bodyPr spcFirstLastPara="1" wrap="square" lIns="91425" tIns="91425" rIns="91425" bIns="91425" anchor="ctr" anchorCtr="0">
             <a:noAutofit/>
           </a:bodyPr>
           <a:lstStyle>
@@ -3658,7 +3717,7 @@
             </a:lvl9pPr>
           </a:lstStyle>
           <a:p>
-            <a:pPr indent="0" lvl="0" marL="0" rtl="0" algn="r">
+            <a:pPr marL="0" lvl="0" indent="0" algn="r" rtl="0">
               <a:spcBef>
                 <a:spcPts val="0"/>
               </a:spcBef>
@@ -3684,11 +3743,11 @@
 </file>
 
 <file path=ppt/slideLayouts/slideLayout4.xml><?xml version="1.0" encoding="utf-8"?>
-<p:sldLayout xmlns:a="http://schemas.openxmlformats.org/drawingml/2006/main" xmlns:r="http://schemas.openxmlformats.org/officeDocument/2006/relationships" xmlns:mc="http://schemas.openxmlformats.org/markup-compatibility/2006" xmlns:mv="urn:schemas-microsoft-com:mac:vml" xmlns:p="http://schemas.openxmlformats.org/presentationml/2006/main" xmlns:c="http://schemas.openxmlformats.org/drawingml/2006/chart" xmlns:dgm="http://schemas.openxmlformats.org/drawingml/2006/diagram" xmlns:o="urn:schemas-microsoft-com:office:office" xmlns:v="urn:schemas-microsoft-com:vml" xmlns:pvml="urn:schemas-microsoft-com:office:powerpoint" xmlns:com="http://schemas.openxmlformats.org/drawingml/2006/compatibility" xmlns:p14="http://schemas.microsoft.com/office/powerpoint/2010/main" xmlns:p15="http://schemas.microsoft.com/office/powerpoint/2012/main" matchingName="Title and two columns" type="twoColTx">
+<p:sldLayout xmlns:a="http://schemas.openxmlformats.org/drawingml/2006/main" xmlns:r="http://schemas.openxmlformats.org/officeDocument/2006/relationships" xmlns:p="http://schemas.openxmlformats.org/presentationml/2006/main" matchingName="Title and two columns" type="twoColTx">
   <p:cSld name="TITLE_AND_TWO_COLUMNS">
     <p:spTree>
       <p:nvGrpSpPr>
-        <p:cNvPr id="31" name="Shape 31"/>
+        <p:cNvPr id="1" name="Shape 31"/>
         <p:cNvGrpSpPr/>
         <p:nvPr/>
       </p:nvGrpSpPr>
@@ -3722,12 +3781,12 @@
           </a:ln>
         </p:spPr>
         <p:txBody>
-          <a:bodyPr anchorCtr="0" anchor="ctr" bIns="91425" lIns="91425" spcFirstLastPara="1" rIns="91425" wrap="square" tIns="91425">
+          <a:bodyPr spcFirstLastPara="1" wrap="square" lIns="91425" tIns="91425" rIns="91425" bIns="91425" anchor="ctr" anchorCtr="0">
             <a:noAutofit/>
           </a:bodyPr>
           <a:lstStyle/>
           <a:p>
-            <a:pPr indent="0" lvl="0" marL="0" rtl="0" algn="l">
+            <a:pPr marL="0" lvl="0" indent="0" algn="l" rtl="0">
               <a:spcBef>
                 <a:spcPts val="0"/>
               </a:spcBef>
@@ -3736,9 +3795,6 @@
               </a:spcAft>
               <a:buNone/>
             </a:pPr>
-            <a:r>
-              <a:t/>
-            </a:r>
             <a:endParaRPr/>
           </a:p>
         </p:txBody>
@@ -3779,12 +3835,12 @@
             </a:ln>
           </p:spPr>
           <p:txBody>
-            <a:bodyPr anchorCtr="0" anchor="ctr" bIns="91425" lIns="91425" spcFirstLastPara="1" rIns="91425" wrap="square" tIns="91425">
+            <a:bodyPr spcFirstLastPara="1" wrap="square" lIns="91425" tIns="91425" rIns="91425" bIns="91425" anchor="ctr" anchorCtr="0">
               <a:noAutofit/>
             </a:bodyPr>
             <a:lstStyle/>
             <a:p>
-              <a:pPr indent="0" lvl="0" marL="0" rtl="0" algn="l">
+              <a:pPr marL="0" lvl="0" indent="0" algn="l" rtl="0">
                 <a:spcBef>
                   <a:spcPts val="0"/>
                 </a:spcBef>
@@ -3793,9 +3849,6 @@
                 </a:spcAft>
                 <a:buNone/>
               </a:pPr>
-              <a:r>
-                <a:t/>
-              </a:r>
               <a:endParaRPr/>
             </a:p>
           </p:txBody>
@@ -3822,12 +3875,12 @@
             </a:ln>
           </p:spPr>
           <p:txBody>
-            <a:bodyPr anchorCtr="0" anchor="ctr" bIns="91425" lIns="91425" spcFirstLastPara="1" rIns="91425" wrap="square" tIns="91425">
+            <a:bodyPr spcFirstLastPara="1" wrap="square" lIns="91425" tIns="91425" rIns="91425" bIns="91425" anchor="ctr" anchorCtr="0">
               <a:noAutofit/>
             </a:bodyPr>
             <a:lstStyle/>
             <a:p>
-              <a:pPr indent="0" lvl="0" marL="0" rtl="0" algn="l">
+              <a:pPr marL="0" lvl="0" indent="0" algn="l" rtl="0">
                 <a:spcBef>
                   <a:spcPts val="0"/>
                 </a:spcBef>
@@ -3836,9 +3889,6 @@
                 </a:spcAft>
                 <a:buNone/>
               </a:pPr>
-              <a:r>
-                <a:t/>
-              </a:r>
               <a:endParaRPr/>
             </a:p>
           </p:txBody>
@@ -3847,7 +3897,9 @@
       <p:sp>
         <p:nvSpPr>
           <p:cNvPr id="36" name="Google Shape;36;p5"/>
-          <p:cNvSpPr txBox="1"/>
+          <p:cNvSpPr txBox="1">
+            <a:spLocks noGrp="1"/>
+          </p:cNvSpPr>
           <p:nvPr>
             <p:ph type="title"/>
           </p:nvPr>
@@ -3862,7 +3914,7 @@
           </a:prstGeom>
         </p:spPr>
         <p:txBody>
-          <a:bodyPr anchorCtr="0" anchor="t" bIns="91425" lIns="91425" spcFirstLastPara="1" rIns="91425" wrap="square" tIns="91425"/>
+          <a:bodyPr spcFirstLastPara="1" wrap="square" lIns="91425" tIns="91425" rIns="91425" bIns="91425" anchor="t" anchorCtr="0"/>
           <a:lstStyle>
             <a:lvl1pPr lvl="0">
               <a:spcBef>
@@ -4027,15 +4079,19 @@
               </a:defRPr>
             </a:lvl9pPr>
           </a:lstStyle>
-          <a:p/>
+          <a:p>
+            <a:endParaRPr/>
+          </a:p>
         </p:txBody>
       </p:sp>
       <p:sp>
         <p:nvSpPr>
           <p:cNvPr id="37" name="Google Shape;37;p5"/>
-          <p:cNvSpPr txBox="1"/>
+          <p:cNvSpPr txBox="1">
+            <a:spLocks noGrp="1"/>
+          </p:cNvSpPr>
           <p:nvPr>
-            <p:ph idx="1" type="body"/>
+            <p:ph type="body" idx="1"/>
           </p:nvPr>
         </p:nvSpPr>
         <p:spPr>
@@ -4048,9 +4104,9 @@
           </a:prstGeom>
         </p:spPr>
         <p:txBody>
-          <a:bodyPr anchorCtr="0" anchor="t" bIns="91425" lIns="91425" spcFirstLastPara="1" rIns="91425" wrap="square" tIns="91425"/>
+          <a:bodyPr spcFirstLastPara="1" wrap="square" lIns="91425" tIns="91425" rIns="91425" bIns="91425" anchor="t" anchorCtr="0"/>
           <a:lstStyle>
-            <a:lvl1pPr indent="-311150" lvl="0" marL="457200">
+            <a:lvl1pPr marL="457200" lvl="0" indent="-311150">
               <a:spcBef>
                 <a:spcPts val="0"/>
               </a:spcBef>
@@ -4061,7 +4117,7 @@
               <a:buChar char="●"/>
               <a:defRPr/>
             </a:lvl1pPr>
-            <a:lvl2pPr indent="-298450" lvl="1" marL="914400">
+            <a:lvl2pPr marL="914400" lvl="1" indent="-298450">
               <a:spcBef>
                 <a:spcPts val="1600"/>
               </a:spcBef>
@@ -4072,7 +4128,7 @@
               <a:buChar char="○"/>
               <a:defRPr/>
             </a:lvl2pPr>
-            <a:lvl3pPr indent="-298450" lvl="2" marL="1371600">
+            <a:lvl3pPr marL="1371600" lvl="2" indent="-298450">
               <a:spcBef>
                 <a:spcPts val="1600"/>
               </a:spcBef>
@@ -4083,7 +4139,7 @@
               <a:buChar char="■"/>
               <a:defRPr/>
             </a:lvl3pPr>
-            <a:lvl4pPr indent="-298450" lvl="3" marL="1828800">
+            <a:lvl4pPr marL="1828800" lvl="3" indent="-298450">
               <a:spcBef>
                 <a:spcPts val="1600"/>
               </a:spcBef>
@@ -4094,7 +4150,7 @@
               <a:buChar char="●"/>
               <a:defRPr/>
             </a:lvl4pPr>
-            <a:lvl5pPr indent="-298450" lvl="4" marL="2286000">
+            <a:lvl5pPr marL="2286000" lvl="4" indent="-298450">
               <a:spcBef>
                 <a:spcPts val="1600"/>
               </a:spcBef>
@@ -4105,7 +4161,7 @@
               <a:buChar char="○"/>
               <a:defRPr/>
             </a:lvl5pPr>
-            <a:lvl6pPr indent="-298450" lvl="5" marL="2743200">
+            <a:lvl6pPr marL="2743200" lvl="5" indent="-298450">
               <a:spcBef>
                 <a:spcPts val="1600"/>
               </a:spcBef>
@@ -4116,7 +4172,7 @@
               <a:buChar char="■"/>
               <a:defRPr/>
             </a:lvl6pPr>
-            <a:lvl7pPr indent="-298450" lvl="6" marL="3200400">
+            <a:lvl7pPr marL="3200400" lvl="6" indent="-298450">
               <a:spcBef>
                 <a:spcPts val="1600"/>
               </a:spcBef>
@@ -4127,7 +4183,7 @@
               <a:buChar char="●"/>
               <a:defRPr/>
             </a:lvl7pPr>
-            <a:lvl8pPr indent="-298450" lvl="7" marL="3657600">
+            <a:lvl8pPr marL="3657600" lvl="7" indent="-298450">
               <a:spcBef>
                 <a:spcPts val="1600"/>
               </a:spcBef>
@@ -4138,7 +4194,7 @@
               <a:buChar char="○"/>
               <a:defRPr/>
             </a:lvl8pPr>
-            <a:lvl9pPr indent="-298450" lvl="8" marL="4114800">
+            <a:lvl9pPr marL="4114800" lvl="8" indent="-298450">
               <a:spcBef>
                 <a:spcPts val="1600"/>
               </a:spcBef>
@@ -4150,15 +4206,19 @@
               <a:defRPr/>
             </a:lvl9pPr>
           </a:lstStyle>
-          <a:p/>
+          <a:p>
+            <a:endParaRPr/>
+          </a:p>
         </p:txBody>
       </p:sp>
       <p:sp>
         <p:nvSpPr>
           <p:cNvPr id="38" name="Google Shape;38;p5"/>
-          <p:cNvSpPr txBox="1"/>
+          <p:cNvSpPr txBox="1">
+            <a:spLocks noGrp="1"/>
+          </p:cNvSpPr>
           <p:nvPr>
-            <p:ph idx="2" type="body"/>
+            <p:ph type="body" idx="2"/>
           </p:nvPr>
         </p:nvSpPr>
         <p:spPr>
@@ -4171,9 +4231,9 @@
           </a:prstGeom>
         </p:spPr>
         <p:txBody>
-          <a:bodyPr anchorCtr="0" anchor="t" bIns="91425" lIns="91425" spcFirstLastPara="1" rIns="91425" wrap="square" tIns="91425"/>
+          <a:bodyPr spcFirstLastPara="1" wrap="square" lIns="91425" tIns="91425" rIns="91425" bIns="91425" anchor="t" anchorCtr="0"/>
           <a:lstStyle>
-            <a:lvl1pPr indent="-311150" lvl="0" marL="457200">
+            <a:lvl1pPr marL="457200" lvl="0" indent="-311150">
               <a:spcBef>
                 <a:spcPts val="0"/>
               </a:spcBef>
@@ -4184,7 +4244,7 @@
               <a:buChar char="●"/>
               <a:defRPr/>
             </a:lvl1pPr>
-            <a:lvl2pPr indent="-298450" lvl="1" marL="914400">
+            <a:lvl2pPr marL="914400" lvl="1" indent="-298450">
               <a:spcBef>
                 <a:spcPts val="1600"/>
               </a:spcBef>
@@ -4195,7 +4255,7 @@
               <a:buChar char="○"/>
               <a:defRPr/>
             </a:lvl2pPr>
-            <a:lvl3pPr indent="-298450" lvl="2" marL="1371600">
+            <a:lvl3pPr marL="1371600" lvl="2" indent="-298450">
               <a:spcBef>
                 <a:spcPts val="1600"/>
               </a:spcBef>
@@ -4206,7 +4266,7 @@
               <a:buChar char="■"/>
               <a:defRPr/>
             </a:lvl3pPr>
-            <a:lvl4pPr indent="-298450" lvl="3" marL="1828800">
+            <a:lvl4pPr marL="1828800" lvl="3" indent="-298450">
               <a:spcBef>
                 <a:spcPts val="1600"/>
               </a:spcBef>
@@ -4217,7 +4277,7 @@
               <a:buChar char="●"/>
               <a:defRPr/>
             </a:lvl4pPr>
-            <a:lvl5pPr indent="-298450" lvl="4" marL="2286000">
+            <a:lvl5pPr marL="2286000" lvl="4" indent="-298450">
               <a:spcBef>
                 <a:spcPts val="1600"/>
               </a:spcBef>
@@ -4228,7 +4288,7 @@
               <a:buChar char="○"/>
               <a:defRPr/>
             </a:lvl5pPr>
-            <a:lvl6pPr indent="-298450" lvl="5" marL="2743200">
+            <a:lvl6pPr marL="2743200" lvl="5" indent="-298450">
               <a:spcBef>
                 <a:spcPts val="1600"/>
               </a:spcBef>
@@ -4239,7 +4299,7 @@
               <a:buChar char="■"/>
               <a:defRPr/>
             </a:lvl6pPr>
-            <a:lvl7pPr indent="-298450" lvl="6" marL="3200400">
+            <a:lvl7pPr marL="3200400" lvl="6" indent="-298450">
               <a:spcBef>
                 <a:spcPts val="1600"/>
               </a:spcBef>
@@ -4250,7 +4310,7 @@
               <a:buChar char="●"/>
               <a:defRPr/>
             </a:lvl7pPr>
-            <a:lvl8pPr indent="-298450" lvl="7" marL="3657600">
+            <a:lvl8pPr marL="3657600" lvl="7" indent="-298450">
               <a:spcBef>
                 <a:spcPts val="1600"/>
               </a:spcBef>
@@ -4261,7 +4321,7 @@
               <a:buChar char="○"/>
               <a:defRPr/>
             </a:lvl8pPr>
-            <a:lvl9pPr indent="-298450" lvl="8" marL="4114800">
+            <a:lvl9pPr marL="4114800" lvl="8" indent="-298450">
               <a:spcBef>
                 <a:spcPts val="1600"/>
               </a:spcBef>
@@ -4273,15 +4333,19 @@
               <a:defRPr/>
             </a:lvl9pPr>
           </a:lstStyle>
-          <a:p/>
+          <a:p>
+            <a:endParaRPr/>
+          </a:p>
         </p:txBody>
       </p:sp>
       <p:sp>
         <p:nvSpPr>
           <p:cNvPr id="39" name="Google Shape;39;p5"/>
-          <p:cNvSpPr txBox="1"/>
+          <p:cNvSpPr txBox="1">
+            <a:spLocks noGrp="1"/>
+          </p:cNvSpPr>
           <p:nvPr>
-            <p:ph idx="12" type="sldNum"/>
+            <p:ph type="sldNum" idx="12"/>
           </p:nvPr>
         </p:nvSpPr>
         <p:spPr>
@@ -4294,7 +4358,7 @@
           </a:prstGeom>
         </p:spPr>
         <p:txBody>
-          <a:bodyPr anchorCtr="0" anchor="ctr" bIns="91425" lIns="91425" spcFirstLastPara="1" rIns="91425" wrap="square" tIns="91425">
+          <a:bodyPr spcFirstLastPara="1" wrap="square" lIns="91425" tIns="91425" rIns="91425" bIns="91425" anchor="ctr" anchorCtr="0">
             <a:noAutofit/>
           </a:bodyPr>
           <a:lstStyle>
@@ -4336,7 +4400,7 @@
             </a:lvl9pPr>
           </a:lstStyle>
           <a:p>
-            <a:pPr indent="0" lvl="0" marL="0" rtl="0" algn="r">
+            <a:pPr marL="0" lvl="0" indent="0" algn="r" rtl="0">
               <a:spcBef>
                 <a:spcPts val="0"/>
               </a:spcBef>
@@ -4362,11 +4426,11 @@
 </file>
 
 <file path=ppt/slideLayouts/slideLayout5.xml><?xml version="1.0" encoding="utf-8"?>
-<p:sldLayout xmlns:a="http://schemas.openxmlformats.org/drawingml/2006/main" xmlns:r="http://schemas.openxmlformats.org/officeDocument/2006/relationships" xmlns:mc="http://schemas.openxmlformats.org/markup-compatibility/2006" xmlns:mv="urn:schemas-microsoft-com:mac:vml" xmlns:p="http://schemas.openxmlformats.org/presentationml/2006/main" xmlns:c="http://schemas.openxmlformats.org/drawingml/2006/chart" xmlns:dgm="http://schemas.openxmlformats.org/drawingml/2006/diagram" xmlns:o="urn:schemas-microsoft-com:office:office" xmlns:v="urn:schemas-microsoft-com:vml" xmlns:pvml="urn:schemas-microsoft-com:office:powerpoint" xmlns:com="http://schemas.openxmlformats.org/drawingml/2006/compatibility" xmlns:p14="http://schemas.microsoft.com/office/powerpoint/2010/main" xmlns:p15="http://schemas.microsoft.com/office/powerpoint/2012/main" matchingName="Title only" type="titleOnly">
+<p:sldLayout xmlns:a="http://schemas.openxmlformats.org/drawingml/2006/main" xmlns:r="http://schemas.openxmlformats.org/officeDocument/2006/relationships" xmlns:p="http://schemas.openxmlformats.org/presentationml/2006/main" matchingName="Title only" type="titleOnly">
   <p:cSld name="TITLE_ONLY">
     <p:spTree>
       <p:nvGrpSpPr>
-        <p:cNvPr id="40" name="Shape 40"/>
+        <p:cNvPr id="1" name="Shape 40"/>
         <p:cNvGrpSpPr/>
         <p:nvPr/>
       </p:nvGrpSpPr>
@@ -4400,12 +4464,12 @@
           </a:ln>
         </p:spPr>
         <p:txBody>
-          <a:bodyPr anchorCtr="0" anchor="ctr" bIns="91425" lIns="91425" spcFirstLastPara="1" rIns="91425" wrap="square" tIns="91425">
+          <a:bodyPr spcFirstLastPara="1" wrap="square" lIns="91425" tIns="91425" rIns="91425" bIns="91425" anchor="ctr" anchorCtr="0">
             <a:noAutofit/>
           </a:bodyPr>
           <a:lstStyle/>
           <a:p>
-            <a:pPr indent="0" lvl="0" marL="0" rtl="0" algn="l">
+            <a:pPr marL="0" lvl="0" indent="0" algn="l" rtl="0">
               <a:spcBef>
                 <a:spcPts val="0"/>
               </a:spcBef>
@@ -4414,9 +4478,6 @@
               </a:spcAft>
               <a:buNone/>
             </a:pPr>
-            <a:r>
-              <a:t/>
-            </a:r>
             <a:endParaRPr/>
           </a:p>
         </p:txBody>
@@ -4457,12 +4518,12 @@
             </a:ln>
           </p:spPr>
           <p:txBody>
-            <a:bodyPr anchorCtr="0" anchor="ctr" bIns="91425" lIns="91425" spcFirstLastPara="1" rIns="91425" wrap="square" tIns="91425">
+            <a:bodyPr spcFirstLastPara="1" wrap="square" lIns="91425" tIns="91425" rIns="91425" bIns="91425" anchor="ctr" anchorCtr="0">
               <a:noAutofit/>
             </a:bodyPr>
             <a:lstStyle/>
             <a:p>
-              <a:pPr indent="0" lvl="0" marL="0" rtl="0" algn="l">
+              <a:pPr marL="0" lvl="0" indent="0" algn="l" rtl="0">
                 <a:spcBef>
                   <a:spcPts val="0"/>
                 </a:spcBef>
@@ -4471,9 +4532,6 @@
                 </a:spcAft>
                 <a:buNone/>
               </a:pPr>
-              <a:r>
-                <a:t/>
-              </a:r>
               <a:endParaRPr/>
             </a:p>
           </p:txBody>
@@ -4500,12 +4558,12 @@
             </a:ln>
           </p:spPr>
           <p:txBody>
-            <a:bodyPr anchorCtr="0" anchor="ctr" bIns="91425" lIns="91425" spcFirstLastPara="1" rIns="91425" wrap="square" tIns="91425">
+            <a:bodyPr spcFirstLastPara="1" wrap="square" lIns="91425" tIns="91425" rIns="91425" bIns="91425" anchor="ctr" anchorCtr="0">
               <a:noAutofit/>
             </a:bodyPr>
             <a:lstStyle/>
             <a:p>
-              <a:pPr indent="0" lvl="0" marL="0" rtl="0" algn="l">
+              <a:pPr marL="0" lvl="0" indent="0" algn="l" rtl="0">
                 <a:spcBef>
                   <a:spcPts val="0"/>
                 </a:spcBef>
@@ -4514,9 +4572,6 @@
                 </a:spcAft>
                 <a:buNone/>
               </a:pPr>
-              <a:r>
-                <a:t/>
-              </a:r>
               <a:endParaRPr/>
             </a:p>
           </p:txBody>
@@ -4525,7 +4580,9 @@
       <p:sp>
         <p:nvSpPr>
           <p:cNvPr id="45" name="Google Shape;45;p6"/>
-          <p:cNvSpPr txBox="1"/>
+          <p:cNvSpPr txBox="1">
+            <a:spLocks noGrp="1"/>
+          </p:cNvSpPr>
           <p:nvPr>
             <p:ph type="title"/>
           </p:nvPr>
@@ -4540,7 +4597,7 @@
           </a:prstGeom>
         </p:spPr>
         <p:txBody>
-          <a:bodyPr anchorCtr="0" anchor="t" bIns="91425" lIns="91425" spcFirstLastPara="1" rIns="91425" wrap="square" tIns="91425"/>
+          <a:bodyPr spcFirstLastPara="1" wrap="square" lIns="91425" tIns="91425" rIns="91425" bIns="91425" anchor="t" anchorCtr="0"/>
           <a:lstStyle>
             <a:lvl1pPr lvl="0">
               <a:spcBef>
@@ -4705,15 +4762,19 @@
               </a:defRPr>
             </a:lvl9pPr>
           </a:lstStyle>
-          <a:p/>
+          <a:p>
+            <a:endParaRPr/>
+          </a:p>
         </p:txBody>
       </p:sp>
       <p:sp>
         <p:nvSpPr>
           <p:cNvPr id="46" name="Google Shape;46;p6"/>
-          <p:cNvSpPr txBox="1"/>
+          <p:cNvSpPr txBox="1">
+            <a:spLocks noGrp="1"/>
+          </p:cNvSpPr>
           <p:nvPr>
-            <p:ph idx="12" type="sldNum"/>
+            <p:ph type="sldNum" idx="12"/>
           </p:nvPr>
         </p:nvSpPr>
         <p:spPr>
@@ -4726,7 +4787,7 @@
           </a:prstGeom>
         </p:spPr>
         <p:txBody>
-          <a:bodyPr anchorCtr="0" anchor="ctr" bIns="91425" lIns="91425" spcFirstLastPara="1" rIns="91425" wrap="square" tIns="91425">
+          <a:bodyPr spcFirstLastPara="1" wrap="square" lIns="91425" tIns="91425" rIns="91425" bIns="91425" anchor="ctr" anchorCtr="0">
             <a:noAutofit/>
           </a:bodyPr>
           <a:lstStyle>
@@ -4768,7 +4829,7 @@
             </a:lvl9pPr>
           </a:lstStyle>
           <a:p>
-            <a:pPr indent="0" lvl="0" marL="0" rtl="0" algn="r">
+            <a:pPr marL="0" lvl="0" indent="0" algn="r" rtl="0">
               <a:spcBef>
                 <a:spcPts val="0"/>
               </a:spcBef>
@@ -4794,11 +4855,11 @@
 </file>
 
 <file path=ppt/slideLayouts/slideLayout6.xml><?xml version="1.0" encoding="utf-8"?>
-<p:sldLayout xmlns:a="http://schemas.openxmlformats.org/drawingml/2006/main" xmlns:r="http://schemas.openxmlformats.org/officeDocument/2006/relationships" xmlns:mc="http://schemas.openxmlformats.org/markup-compatibility/2006" xmlns:mv="urn:schemas-microsoft-com:mac:vml" xmlns:p="http://schemas.openxmlformats.org/presentationml/2006/main" xmlns:c="http://schemas.openxmlformats.org/drawingml/2006/chart" xmlns:dgm="http://schemas.openxmlformats.org/drawingml/2006/diagram" xmlns:o="urn:schemas-microsoft-com:office:office" xmlns:v="urn:schemas-microsoft-com:vml" xmlns:pvml="urn:schemas-microsoft-com:office:powerpoint" xmlns:com="http://schemas.openxmlformats.org/drawingml/2006/compatibility" xmlns:p14="http://schemas.microsoft.com/office/powerpoint/2010/main" xmlns:p15="http://schemas.microsoft.com/office/powerpoint/2012/main" matchingName="One column text">
+<p:sldLayout xmlns:a="http://schemas.openxmlformats.org/drawingml/2006/main" xmlns:r="http://schemas.openxmlformats.org/officeDocument/2006/relationships" xmlns:p="http://schemas.openxmlformats.org/presentationml/2006/main" matchingName="One column text">
   <p:cSld name="ONE_COLUMN_TEXT">
     <p:spTree>
       <p:nvGrpSpPr>
-        <p:cNvPr id="47" name="Shape 47"/>
+        <p:cNvPr id="1" name="Shape 47"/>
         <p:cNvGrpSpPr/>
         <p:nvPr/>
       </p:nvGrpSpPr>
@@ -4832,12 +4893,12 @@
           </a:ln>
         </p:spPr>
         <p:txBody>
-          <a:bodyPr anchorCtr="0" anchor="ctr" bIns="91425" lIns="91425" spcFirstLastPara="1" rIns="91425" wrap="square" tIns="91425">
+          <a:bodyPr spcFirstLastPara="1" wrap="square" lIns="91425" tIns="91425" rIns="91425" bIns="91425" anchor="ctr" anchorCtr="0">
             <a:noAutofit/>
           </a:bodyPr>
           <a:lstStyle/>
           <a:p>
-            <a:pPr indent="0" lvl="0" marL="0" rtl="0" algn="l">
+            <a:pPr marL="0" lvl="0" indent="0" algn="l" rtl="0">
               <a:spcBef>
                 <a:spcPts val="0"/>
               </a:spcBef>
@@ -4846,9 +4907,6 @@
               </a:spcAft>
               <a:buNone/>
             </a:pPr>
-            <a:r>
-              <a:t/>
-            </a:r>
             <a:endParaRPr/>
           </a:p>
         </p:txBody>
@@ -4889,12 +4947,12 @@
             </a:ln>
           </p:spPr>
           <p:txBody>
-            <a:bodyPr anchorCtr="0" anchor="ctr" bIns="91425" lIns="91425" spcFirstLastPara="1" rIns="91425" wrap="square" tIns="91425">
+            <a:bodyPr spcFirstLastPara="1" wrap="square" lIns="91425" tIns="91425" rIns="91425" bIns="91425" anchor="ctr" anchorCtr="0">
               <a:noAutofit/>
             </a:bodyPr>
             <a:lstStyle/>
             <a:p>
-              <a:pPr indent="0" lvl="0" marL="0" rtl="0" algn="l">
+              <a:pPr marL="0" lvl="0" indent="0" algn="l" rtl="0">
                 <a:spcBef>
                   <a:spcPts val="0"/>
                 </a:spcBef>
@@ -4903,9 +4961,6 @@
                 </a:spcAft>
                 <a:buNone/>
               </a:pPr>
-              <a:r>
-                <a:t/>
-              </a:r>
               <a:endParaRPr/>
             </a:p>
           </p:txBody>
@@ -4932,12 +4987,12 @@
             </a:ln>
           </p:spPr>
           <p:txBody>
-            <a:bodyPr anchorCtr="0" anchor="ctr" bIns="91425" lIns="91425" spcFirstLastPara="1" rIns="91425" wrap="square" tIns="91425">
+            <a:bodyPr spcFirstLastPara="1" wrap="square" lIns="91425" tIns="91425" rIns="91425" bIns="91425" anchor="ctr" anchorCtr="0">
               <a:noAutofit/>
             </a:bodyPr>
             <a:lstStyle/>
             <a:p>
-              <a:pPr indent="0" lvl="0" marL="0" rtl="0" algn="l">
+              <a:pPr marL="0" lvl="0" indent="0" algn="l" rtl="0">
                 <a:spcBef>
                   <a:spcPts val="0"/>
                 </a:spcBef>
@@ -4946,9 +5001,6 @@
                 </a:spcAft>
                 <a:buNone/>
               </a:pPr>
-              <a:r>
-                <a:t/>
-              </a:r>
               <a:endParaRPr/>
             </a:p>
           </p:txBody>
@@ -4957,7 +5009,9 @@
       <p:sp>
         <p:nvSpPr>
           <p:cNvPr id="52" name="Google Shape;52;p7"/>
-          <p:cNvSpPr txBox="1"/>
+          <p:cNvSpPr txBox="1">
+            <a:spLocks noGrp="1"/>
+          </p:cNvSpPr>
           <p:nvPr>
             <p:ph type="title"/>
           </p:nvPr>
@@ -4972,7 +5026,7 @@
           </a:prstGeom>
         </p:spPr>
         <p:txBody>
-          <a:bodyPr anchorCtr="0" anchor="t" bIns="91425" lIns="91425" spcFirstLastPara="1" rIns="91425" wrap="square" tIns="91425"/>
+          <a:bodyPr spcFirstLastPara="1" wrap="square" lIns="91425" tIns="91425" rIns="91425" bIns="91425" anchor="t" anchorCtr="0"/>
           <a:lstStyle>
             <a:lvl1pPr lvl="0">
               <a:spcBef>
@@ -5137,15 +5191,19 @@
               </a:defRPr>
             </a:lvl9pPr>
           </a:lstStyle>
-          <a:p/>
+          <a:p>
+            <a:endParaRPr/>
+          </a:p>
         </p:txBody>
       </p:sp>
       <p:sp>
         <p:nvSpPr>
           <p:cNvPr id="53" name="Google Shape;53;p7"/>
-          <p:cNvSpPr txBox="1"/>
+          <p:cNvSpPr txBox="1">
+            <a:spLocks noGrp="1"/>
+          </p:cNvSpPr>
           <p:nvPr>
-            <p:ph idx="1" type="body"/>
+            <p:ph type="body" idx="1"/>
           </p:nvPr>
         </p:nvSpPr>
         <p:spPr>
@@ -5158,9 +5216,9 @@
           </a:prstGeom>
         </p:spPr>
         <p:txBody>
-          <a:bodyPr anchorCtr="0" anchor="t" bIns="91425" lIns="91425" spcFirstLastPara="1" rIns="91425" wrap="square" tIns="91425"/>
+          <a:bodyPr spcFirstLastPara="1" wrap="square" lIns="91425" tIns="91425" rIns="91425" bIns="91425" anchor="t" anchorCtr="0"/>
           <a:lstStyle>
-            <a:lvl1pPr indent="-311150" lvl="0" marL="457200">
+            <a:lvl1pPr marL="457200" lvl="0" indent="-311150">
               <a:spcBef>
                 <a:spcPts val="0"/>
               </a:spcBef>
@@ -5171,7 +5229,7 @@
               <a:buChar char="●"/>
               <a:defRPr/>
             </a:lvl1pPr>
-            <a:lvl2pPr indent="-298450" lvl="1" marL="914400">
+            <a:lvl2pPr marL="914400" lvl="1" indent="-298450">
               <a:spcBef>
                 <a:spcPts val="1600"/>
               </a:spcBef>
@@ -5182,7 +5240,7 @@
               <a:buChar char="○"/>
               <a:defRPr/>
             </a:lvl2pPr>
-            <a:lvl3pPr indent="-298450" lvl="2" marL="1371600">
+            <a:lvl3pPr marL="1371600" lvl="2" indent="-298450">
               <a:spcBef>
                 <a:spcPts val="1600"/>
               </a:spcBef>
@@ -5193,7 +5251,7 @@
               <a:buChar char="■"/>
               <a:defRPr/>
             </a:lvl3pPr>
-            <a:lvl4pPr indent="-298450" lvl="3" marL="1828800">
+            <a:lvl4pPr marL="1828800" lvl="3" indent="-298450">
               <a:spcBef>
                 <a:spcPts val="1600"/>
               </a:spcBef>
@@ -5204,7 +5262,7 @@
               <a:buChar char="●"/>
               <a:defRPr/>
             </a:lvl4pPr>
-            <a:lvl5pPr indent="-298450" lvl="4" marL="2286000">
+            <a:lvl5pPr marL="2286000" lvl="4" indent="-298450">
               <a:spcBef>
                 <a:spcPts val="1600"/>
               </a:spcBef>
@@ -5215,7 +5273,7 @@
               <a:buChar char="○"/>
               <a:defRPr/>
             </a:lvl5pPr>
-            <a:lvl6pPr indent="-298450" lvl="5" marL="2743200">
+            <a:lvl6pPr marL="2743200" lvl="5" indent="-298450">
               <a:spcBef>
                 <a:spcPts val="1600"/>
               </a:spcBef>
@@ -5226,7 +5284,7 @@
               <a:buChar char="■"/>
               <a:defRPr/>
             </a:lvl6pPr>
-            <a:lvl7pPr indent="-298450" lvl="6" marL="3200400">
+            <a:lvl7pPr marL="3200400" lvl="6" indent="-298450">
               <a:spcBef>
                 <a:spcPts val="1600"/>
               </a:spcBef>
@@ -5237,7 +5295,7 @@
               <a:buChar char="●"/>
               <a:defRPr/>
             </a:lvl7pPr>
-            <a:lvl8pPr indent="-298450" lvl="7" marL="3657600">
+            <a:lvl8pPr marL="3657600" lvl="7" indent="-298450">
               <a:spcBef>
                 <a:spcPts val="1600"/>
               </a:spcBef>
@@ -5248,7 +5306,7 @@
               <a:buChar char="○"/>
               <a:defRPr/>
             </a:lvl8pPr>
-            <a:lvl9pPr indent="-298450" lvl="8" marL="4114800">
+            <a:lvl9pPr marL="4114800" lvl="8" indent="-298450">
               <a:spcBef>
                 <a:spcPts val="1600"/>
               </a:spcBef>
@@ -5260,15 +5318,19 @@
               <a:defRPr/>
             </a:lvl9pPr>
           </a:lstStyle>
-          <a:p/>
+          <a:p>
+            <a:endParaRPr/>
+          </a:p>
         </p:txBody>
       </p:sp>
       <p:sp>
         <p:nvSpPr>
           <p:cNvPr id="54" name="Google Shape;54;p7"/>
-          <p:cNvSpPr txBox="1"/>
+          <p:cNvSpPr txBox="1">
+            <a:spLocks noGrp="1"/>
+          </p:cNvSpPr>
           <p:nvPr>
-            <p:ph idx="12" type="sldNum"/>
+            <p:ph type="sldNum" idx="12"/>
           </p:nvPr>
         </p:nvSpPr>
         <p:spPr>
@@ -5281,7 +5343,7 @@
           </a:prstGeom>
         </p:spPr>
         <p:txBody>
-          <a:bodyPr anchorCtr="0" anchor="ctr" bIns="91425" lIns="91425" spcFirstLastPara="1" rIns="91425" wrap="square" tIns="91425">
+          <a:bodyPr spcFirstLastPara="1" wrap="square" lIns="91425" tIns="91425" rIns="91425" bIns="91425" anchor="ctr" anchorCtr="0">
             <a:noAutofit/>
           </a:bodyPr>
           <a:lstStyle>
@@ -5323,7 +5385,7 @@
             </a:lvl9pPr>
           </a:lstStyle>
           <a:p>
-            <a:pPr indent="0" lvl="0" marL="0" rtl="0" algn="r">
+            <a:pPr marL="0" lvl="0" indent="0" algn="r" rtl="0">
               <a:spcBef>
                 <a:spcPts val="0"/>
               </a:spcBef>
@@ -5349,18 +5411,19 @@
 </file>
 
 <file path=ppt/slideLayouts/slideLayout7.xml><?xml version="1.0" encoding="utf-8"?>
-<p:sldLayout xmlns:a="http://schemas.openxmlformats.org/drawingml/2006/main" xmlns:r="http://schemas.openxmlformats.org/officeDocument/2006/relationships" xmlns:mc="http://schemas.openxmlformats.org/markup-compatibility/2006" xmlns:mv="urn:schemas-microsoft-com:mac:vml" xmlns:p="http://schemas.openxmlformats.org/presentationml/2006/main" xmlns:c="http://schemas.openxmlformats.org/drawingml/2006/chart" xmlns:dgm="http://schemas.openxmlformats.org/drawingml/2006/diagram" xmlns:o="urn:schemas-microsoft-com:office:office" xmlns:v="urn:schemas-microsoft-com:vml" xmlns:pvml="urn:schemas-microsoft-com:office:powerpoint" xmlns:com="http://schemas.openxmlformats.org/drawingml/2006/compatibility" xmlns:p14="http://schemas.microsoft.com/office/powerpoint/2010/main" xmlns:p15="http://schemas.microsoft.com/office/powerpoint/2012/main" matchingName="Main point">
+<p:sldLayout xmlns:a="http://schemas.openxmlformats.org/drawingml/2006/main" xmlns:r="http://schemas.openxmlformats.org/officeDocument/2006/relationships" xmlns:p="http://schemas.openxmlformats.org/presentationml/2006/main" matchingName="Main point">
   <p:cSld name="MAIN_POINT">
     <p:bg>
       <p:bgPr>
         <a:solidFill>
           <a:schemeClr val="accent3"/>
         </a:solidFill>
+        <a:effectLst/>
       </p:bgPr>
     </p:bg>
     <p:spTree>
       <p:nvGrpSpPr>
-        <p:cNvPr id="55" name="Shape 55"/>
+        <p:cNvPr id="1" name="Shape 55"/>
         <p:cNvGrpSpPr/>
         <p:nvPr/>
       </p:nvGrpSpPr>
@@ -5408,12 +5471,12 @@
             </a:ln>
           </p:spPr>
           <p:txBody>
-            <a:bodyPr anchorCtr="0" anchor="ctr" bIns="91425" lIns="91425" spcFirstLastPara="1" rIns="91425" wrap="square" tIns="91425">
+            <a:bodyPr spcFirstLastPara="1" wrap="square" lIns="91425" tIns="91425" rIns="91425" bIns="91425" anchor="ctr" anchorCtr="0">
               <a:noAutofit/>
             </a:bodyPr>
             <a:lstStyle/>
             <a:p>
-              <a:pPr indent="0" lvl="0" marL="0" rtl="0" algn="l">
+              <a:pPr marL="0" lvl="0" indent="0" algn="l" rtl="0">
                 <a:spcBef>
                   <a:spcPts val="0"/>
                 </a:spcBef>
@@ -5422,9 +5485,6 @@
                 </a:spcAft>
                 <a:buNone/>
               </a:pPr>
-              <a:r>
-                <a:t/>
-              </a:r>
               <a:endParaRPr/>
             </a:p>
           </p:txBody>
@@ -5451,12 +5511,12 @@
             </a:ln>
           </p:spPr>
           <p:txBody>
-            <a:bodyPr anchorCtr="0" anchor="ctr" bIns="91425" lIns="91425" spcFirstLastPara="1" rIns="91425" wrap="square" tIns="91425">
+            <a:bodyPr spcFirstLastPara="1" wrap="square" lIns="91425" tIns="91425" rIns="91425" bIns="91425" anchor="ctr" anchorCtr="0">
               <a:noAutofit/>
             </a:bodyPr>
             <a:lstStyle/>
             <a:p>
-              <a:pPr indent="0" lvl="0" marL="0" rtl="0" algn="l">
+              <a:pPr marL="0" lvl="0" indent="0" algn="l" rtl="0">
                 <a:spcBef>
                   <a:spcPts val="0"/>
                 </a:spcBef>
@@ -5465,9 +5525,6 @@
                 </a:spcAft>
                 <a:buNone/>
               </a:pPr>
-              <a:r>
-                <a:t/>
-              </a:r>
               <a:endParaRPr/>
             </a:p>
           </p:txBody>
@@ -5476,7 +5533,9 @@
       <p:sp>
         <p:nvSpPr>
           <p:cNvPr id="59" name="Google Shape;59;p8"/>
-          <p:cNvSpPr txBox="1"/>
+          <p:cNvSpPr txBox="1">
+            <a:spLocks noGrp="1"/>
+          </p:cNvSpPr>
           <p:nvPr>
             <p:ph type="title"/>
           </p:nvPr>
@@ -5491,7 +5550,7 @@
           </a:prstGeom>
         </p:spPr>
         <p:txBody>
-          <a:bodyPr anchorCtr="0" anchor="ctr" bIns="91425" lIns="91425" spcFirstLastPara="1" rIns="91425" wrap="square" tIns="91425"/>
+          <a:bodyPr spcFirstLastPara="1" wrap="square" lIns="91425" tIns="91425" rIns="91425" bIns="91425" anchor="ctr" anchorCtr="0"/>
           <a:lstStyle>
             <a:lvl1pPr lvl="0">
               <a:spcBef>
@@ -5656,15 +5715,19 @@
               </a:defRPr>
             </a:lvl9pPr>
           </a:lstStyle>
-          <a:p/>
+          <a:p>
+            <a:endParaRPr/>
+          </a:p>
         </p:txBody>
       </p:sp>
       <p:sp>
         <p:nvSpPr>
           <p:cNvPr id="60" name="Google Shape;60;p8"/>
-          <p:cNvSpPr txBox="1"/>
+          <p:cNvSpPr txBox="1">
+            <a:spLocks noGrp="1"/>
+          </p:cNvSpPr>
           <p:nvPr>
-            <p:ph idx="12" type="sldNum"/>
+            <p:ph type="sldNum" idx="12"/>
           </p:nvPr>
         </p:nvSpPr>
         <p:spPr>
@@ -5677,7 +5740,7 @@
           </a:prstGeom>
         </p:spPr>
         <p:txBody>
-          <a:bodyPr anchorCtr="0" anchor="ctr" bIns="91425" lIns="91425" spcFirstLastPara="1" rIns="91425" wrap="square" tIns="91425">
+          <a:bodyPr spcFirstLastPara="1" wrap="square" lIns="91425" tIns="91425" rIns="91425" bIns="91425" anchor="ctr" anchorCtr="0">
             <a:noAutofit/>
           </a:bodyPr>
           <a:lstStyle>
@@ -5755,7 +5818,7 @@
             </a:lvl9pPr>
           </a:lstStyle>
           <a:p>
-            <a:pPr indent="0" lvl="0" marL="0" rtl="0" algn="r">
+            <a:pPr marL="0" lvl="0" indent="0" algn="r" rtl="0">
               <a:spcBef>
                 <a:spcPts val="0"/>
               </a:spcBef>
@@ -5781,11 +5844,11 @@
 </file>
 
 <file path=ppt/slideLayouts/slideLayout8.xml><?xml version="1.0" encoding="utf-8"?>
-<p:sldLayout xmlns:a="http://schemas.openxmlformats.org/drawingml/2006/main" xmlns:r="http://schemas.openxmlformats.org/officeDocument/2006/relationships" xmlns:mc="http://schemas.openxmlformats.org/markup-compatibility/2006" xmlns:mv="urn:schemas-microsoft-com:mac:vml" xmlns:p="http://schemas.openxmlformats.org/presentationml/2006/main" xmlns:c="http://schemas.openxmlformats.org/drawingml/2006/chart" xmlns:dgm="http://schemas.openxmlformats.org/drawingml/2006/diagram" xmlns:o="urn:schemas-microsoft-com:office:office" xmlns:v="urn:schemas-microsoft-com:vml" xmlns:pvml="urn:schemas-microsoft-com:office:powerpoint" xmlns:com="http://schemas.openxmlformats.org/drawingml/2006/compatibility" xmlns:p14="http://schemas.microsoft.com/office/powerpoint/2010/main" xmlns:p15="http://schemas.microsoft.com/office/powerpoint/2012/main" matchingName="Section title and description">
+<p:sldLayout xmlns:a="http://schemas.openxmlformats.org/drawingml/2006/main" xmlns:r="http://schemas.openxmlformats.org/officeDocument/2006/relationships" xmlns:p="http://schemas.openxmlformats.org/presentationml/2006/main" matchingName="Section title and description">
   <p:cSld name="SECTION_TITLE_AND_DESCRIPTION">
     <p:spTree>
       <p:nvGrpSpPr>
-        <p:cNvPr id="61" name="Shape 61"/>
+        <p:cNvPr id="1" name="Shape 61"/>
         <p:cNvGrpSpPr/>
         <p:nvPr/>
       </p:nvGrpSpPr>
@@ -5819,12 +5882,12 @@
           </a:ln>
         </p:spPr>
         <p:txBody>
-          <a:bodyPr anchorCtr="0" anchor="ctr" bIns="91425" lIns="91425" spcFirstLastPara="1" rIns="91425" wrap="square" tIns="91425">
+          <a:bodyPr spcFirstLastPara="1" wrap="square" lIns="91425" tIns="91425" rIns="91425" bIns="91425" anchor="ctr" anchorCtr="0">
             <a:noAutofit/>
           </a:bodyPr>
           <a:lstStyle/>
           <a:p>
-            <a:pPr indent="0" lvl="0" marL="0" rtl="0" algn="l">
+            <a:pPr marL="0" lvl="0" indent="0" algn="l" rtl="0">
               <a:spcBef>
                 <a:spcPts val="0"/>
               </a:spcBef>
@@ -5833,9 +5896,6 @@
               </a:spcAft>
               <a:buNone/>
             </a:pPr>
-            <a:r>
-              <a:t/>
-            </a:r>
             <a:endParaRPr/>
           </a:p>
         </p:txBody>
@@ -5876,12 +5936,12 @@
             </a:ln>
           </p:spPr>
           <p:txBody>
-            <a:bodyPr anchorCtr="0" anchor="ctr" bIns="91425" lIns="91425" spcFirstLastPara="1" rIns="91425" wrap="square" tIns="91425">
+            <a:bodyPr spcFirstLastPara="1" wrap="square" lIns="91425" tIns="91425" rIns="91425" bIns="91425" anchor="ctr" anchorCtr="0">
               <a:noAutofit/>
             </a:bodyPr>
             <a:lstStyle/>
             <a:p>
-              <a:pPr indent="0" lvl="0" marL="0" rtl="0" algn="l">
+              <a:pPr marL="0" lvl="0" indent="0" algn="l" rtl="0">
                 <a:spcBef>
                   <a:spcPts val="0"/>
                 </a:spcBef>
@@ -5890,9 +5950,6 @@
                 </a:spcAft>
                 <a:buNone/>
               </a:pPr>
-              <a:r>
-                <a:t/>
-              </a:r>
               <a:endParaRPr/>
             </a:p>
           </p:txBody>
@@ -5919,12 +5976,12 @@
             </a:ln>
           </p:spPr>
           <p:txBody>
-            <a:bodyPr anchorCtr="0" anchor="ctr" bIns="91425" lIns="91425" spcFirstLastPara="1" rIns="91425" wrap="square" tIns="91425">
+            <a:bodyPr spcFirstLastPara="1" wrap="square" lIns="91425" tIns="91425" rIns="91425" bIns="91425" anchor="ctr" anchorCtr="0">
               <a:noAutofit/>
             </a:bodyPr>
             <a:lstStyle/>
             <a:p>
-              <a:pPr indent="0" lvl="0" marL="0" rtl="0" algn="l">
+              <a:pPr marL="0" lvl="0" indent="0" algn="l" rtl="0">
                 <a:spcBef>
                   <a:spcPts val="0"/>
                 </a:spcBef>
@@ -5933,9 +5990,6 @@
                 </a:spcAft>
                 <a:buNone/>
               </a:pPr>
-              <a:r>
-                <a:t/>
-              </a:r>
               <a:endParaRPr/>
             </a:p>
           </p:txBody>
@@ -5944,7 +5998,9 @@
       <p:sp>
         <p:nvSpPr>
           <p:cNvPr id="66" name="Google Shape;66;p9"/>
-          <p:cNvSpPr txBox="1"/>
+          <p:cNvSpPr txBox="1">
+            <a:spLocks noGrp="1"/>
+          </p:cNvSpPr>
           <p:nvPr>
             <p:ph type="title"/>
           </p:nvPr>
@@ -5959,7 +6015,7 @@
           </a:prstGeom>
         </p:spPr>
         <p:txBody>
-          <a:bodyPr anchorCtr="0" anchor="t" bIns="91425" lIns="91425" spcFirstLastPara="1" rIns="91425" wrap="square" tIns="91425"/>
+          <a:bodyPr spcFirstLastPara="1" wrap="square" lIns="91425" tIns="91425" rIns="91425" bIns="91425" anchor="t" anchorCtr="0"/>
           <a:lstStyle>
             <a:lvl1pPr lvl="0">
               <a:spcBef>
@@ -6124,15 +6180,19 @@
               </a:defRPr>
             </a:lvl9pPr>
           </a:lstStyle>
-          <a:p/>
+          <a:p>
+            <a:endParaRPr/>
+          </a:p>
         </p:txBody>
       </p:sp>
       <p:sp>
         <p:nvSpPr>
           <p:cNvPr id="67" name="Google Shape;67;p9"/>
-          <p:cNvSpPr txBox="1"/>
+          <p:cNvSpPr txBox="1">
+            <a:spLocks noGrp="1"/>
+          </p:cNvSpPr>
           <p:nvPr>
-            <p:ph idx="1" type="subTitle"/>
+            <p:ph type="subTitle" idx="1"/>
           </p:nvPr>
         </p:nvSpPr>
         <p:spPr>
@@ -6145,7 +6205,7 @@
           </a:prstGeom>
         </p:spPr>
         <p:txBody>
-          <a:bodyPr anchorCtr="0" anchor="t" bIns="91425" lIns="91425" spcFirstLastPara="1" rIns="91425" wrap="square" tIns="91425"/>
+          <a:bodyPr spcFirstLastPara="1" wrap="square" lIns="91425" tIns="91425" rIns="91425" bIns="91425" anchor="t" anchorCtr="0"/>
           <a:lstStyle>
             <a:lvl1pPr lvl="0">
               <a:lnSpc>
@@ -6274,15 +6334,19 @@
               <a:defRPr sz="1600"/>
             </a:lvl9pPr>
           </a:lstStyle>
-          <a:p/>
+          <a:p>
+            <a:endParaRPr/>
+          </a:p>
         </p:txBody>
       </p:sp>
       <p:sp>
         <p:nvSpPr>
           <p:cNvPr id="68" name="Google Shape;68;p9"/>
-          <p:cNvSpPr txBox="1"/>
+          <p:cNvSpPr txBox="1">
+            <a:spLocks noGrp="1"/>
+          </p:cNvSpPr>
           <p:nvPr>
-            <p:ph idx="2" type="body"/>
+            <p:ph type="body" idx="2"/>
           </p:nvPr>
         </p:nvSpPr>
         <p:spPr>
@@ -6295,9 +6359,9 @@
           </a:prstGeom>
         </p:spPr>
         <p:txBody>
-          <a:bodyPr anchorCtr="0" anchor="t" bIns="91425" lIns="91425" spcFirstLastPara="1" rIns="91425" wrap="square" tIns="91425"/>
+          <a:bodyPr spcFirstLastPara="1" wrap="square" lIns="91425" tIns="91425" rIns="91425" bIns="91425" anchor="t" anchorCtr="0"/>
           <a:lstStyle>
-            <a:lvl1pPr indent="-311150" lvl="0" marL="457200">
+            <a:lvl1pPr marL="457200" lvl="0" indent="-311150">
               <a:spcBef>
                 <a:spcPts val="0"/>
               </a:spcBef>
@@ -6308,7 +6372,7 @@
               <a:buChar char="●"/>
               <a:defRPr/>
             </a:lvl1pPr>
-            <a:lvl2pPr indent="-298450" lvl="1" marL="914400">
+            <a:lvl2pPr marL="914400" lvl="1" indent="-298450">
               <a:spcBef>
                 <a:spcPts val="1600"/>
               </a:spcBef>
@@ -6319,7 +6383,7 @@
               <a:buChar char="○"/>
               <a:defRPr/>
             </a:lvl2pPr>
-            <a:lvl3pPr indent="-298450" lvl="2" marL="1371600">
+            <a:lvl3pPr marL="1371600" lvl="2" indent="-298450">
               <a:spcBef>
                 <a:spcPts val="1600"/>
               </a:spcBef>
@@ -6330,7 +6394,7 @@
               <a:buChar char="■"/>
               <a:defRPr/>
             </a:lvl3pPr>
-            <a:lvl4pPr indent="-298450" lvl="3" marL="1828800">
+            <a:lvl4pPr marL="1828800" lvl="3" indent="-298450">
               <a:spcBef>
                 <a:spcPts val="1600"/>
               </a:spcBef>
@@ -6341,7 +6405,7 @@
               <a:buChar char="●"/>
               <a:defRPr/>
             </a:lvl4pPr>
-            <a:lvl5pPr indent="-298450" lvl="4" marL="2286000">
+            <a:lvl5pPr marL="2286000" lvl="4" indent="-298450">
               <a:spcBef>
                 <a:spcPts val="1600"/>
               </a:spcBef>
@@ -6352,7 +6416,7 @@
               <a:buChar char="○"/>
               <a:defRPr/>
             </a:lvl5pPr>
-            <a:lvl6pPr indent="-298450" lvl="5" marL="2743200">
+            <a:lvl6pPr marL="2743200" lvl="5" indent="-298450">
               <a:spcBef>
                 <a:spcPts val="1600"/>
               </a:spcBef>
@@ -6363,7 +6427,7 @@
               <a:buChar char="■"/>
               <a:defRPr/>
             </a:lvl6pPr>
-            <a:lvl7pPr indent="-298450" lvl="6" marL="3200400">
+            <a:lvl7pPr marL="3200400" lvl="6" indent="-298450">
               <a:spcBef>
                 <a:spcPts val="1600"/>
               </a:spcBef>
@@ -6374,7 +6438,7 @@
               <a:buChar char="●"/>
               <a:defRPr/>
             </a:lvl7pPr>
-            <a:lvl8pPr indent="-298450" lvl="7" marL="3657600">
+            <a:lvl8pPr marL="3657600" lvl="7" indent="-298450">
               <a:spcBef>
                 <a:spcPts val="1600"/>
               </a:spcBef>
@@ -6385,7 +6449,7 @@
               <a:buChar char="○"/>
               <a:defRPr/>
             </a:lvl8pPr>
-            <a:lvl9pPr indent="-298450" lvl="8" marL="4114800">
+            <a:lvl9pPr marL="4114800" lvl="8" indent="-298450">
               <a:spcBef>
                 <a:spcPts val="1600"/>
               </a:spcBef>
@@ -6397,15 +6461,19 @@
               <a:defRPr/>
             </a:lvl9pPr>
           </a:lstStyle>
-          <a:p/>
+          <a:p>
+            <a:endParaRPr/>
+          </a:p>
         </p:txBody>
       </p:sp>
       <p:sp>
         <p:nvSpPr>
           <p:cNvPr id="69" name="Google Shape;69;p9"/>
-          <p:cNvSpPr txBox="1"/>
+          <p:cNvSpPr txBox="1">
+            <a:spLocks noGrp="1"/>
+          </p:cNvSpPr>
           <p:nvPr>
-            <p:ph idx="12" type="sldNum"/>
+            <p:ph type="sldNum" idx="12"/>
           </p:nvPr>
         </p:nvSpPr>
         <p:spPr>
@@ -6418,7 +6486,7 @@
           </a:prstGeom>
         </p:spPr>
         <p:txBody>
-          <a:bodyPr anchorCtr="0" anchor="ctr" bIns="91425" lIns="91425" spcFirstLastPara="1" rIns="91425" wrap="square" tIns="91425">
+          <a:bodyPr spcFirstLastPara="1" wrap="square" lIns="91425" tIns="91425" rIns="91425" bIns="91425" anchor="ctr" anchorCtr="0">
             <a:noAutofit/>
           </a:bodyPr>
           <a:lstStyle>
@@ -6460,7 +6528,7 @@
             </a:lvl9pPr>
           </a:lstStyle>
           <a:p>
-            <a:pPr indent="0" lvl="0" marL="0" rtl="0" algn="r">
+            <a:pPr marL="0" lvl="0" indent="0" algn="r" rtl="0">
               <a:spcBef>
                 <a:spcPts val="0"/>
               </a:spcBef>
@@ -6486,11 +6554,11 @@
 </file>
 
 <file path=ppt/slideLayouts/slideLayout9.xml><?xml version="1.0" encoding="utf-8"?>
-<p:sldLayout xmlns:a="http://schemas.openxmlformats.org/drawingml/2006/main" xmlns:r="http://schemas.openxmlformats.org/officeDocument/2006/relationships" xmlns:mc="http://schemas.openxmlformats.org/markup-compatibility/2006" xmlns:mv="urn:schemas-microsoft-com:mac:vml" xmlns:p="http://schemas.openxmlformats.org/presentationml/2006/main" xmlns:c="http://schemas.openxmlformats.org/drawingml/2006/chart" xmlns:dgm="http://schemas.openxmlformats.org/drawingml/2006/diagram" xmlns:o="urn:schemas-microsoft-com:office:office" xmlns:v="urn:schemas-microsoft-com:vml" xmlns:pvml="urn:schemas-microsoft-com:office:powerpoint" xmlns:com="http://schemas.openxmlformats.org/drawingml/2006/compatibility" xmlns:p14="http://schemas.microsoft.com/office/powerpoint/2010/main" xmlns:p15="http://schemas.microsoft.com/office/powerpoint/2012/main" matchingName="Caption">
+<p:sldLayout xmlns:a="http://schemas.openxmlformats.org/drawingml/2006/main" xmlns:r="http://schemas.openxmlformats.org/officeDocument/2006/relationships" xmlns:p="http://schemas.openxmlformats.org/presentationml/2006/main" matchingName="Caption">
   <p:cSld name="CAPTION_ONLY">
     <p:spTree>
       <p:nvGrpSpPr>
-        <p:cNvPr id="70" name="Shape 70"/>
+        <p:cNvPr id="1" name="Shape 70"/>
         <p:cNvGrpSpPr/>
         <p:nvPr/>
       </p:nvGrpSpPr>
@@ -6505,9 +6573,11 @@
       <p:sp>
         <p:nvSpPr>
           <p:cNvPr id="71" name="Google Shape;71;p10"/>
-          <p:cNvSpPr txBox="1"/>
+          <p:cNvSpPr txBox="1">
+            <a:spLocks noGrp="1"/>
+          </p:cNvSpPr>
           <p:nvPr>
-            <p:ph idx="1" type="body"/>
+            <p:ph type="body" idx="1"/>
           </p:nvPr>
         </p:nvSpPr>
         <p:spPr>
@@ -6520,9 +6590,9 @@
           </a:prstGeom>
         </p:spPr>
         <p:txBody>
-          <a:bodyPr anchorCtr="0" anchor="ctr" bIns="91425" lIns="91425" spcFirstLastPara="1" rIns="91425" wrap="square" tIns="91425"/>
+          <a:bodyPr spcFirstLastPara="1" wrap="square" lIns="91425" tIns="91425" rIns="91425" bIns="91425" anchor="ctr" anchorCtr="0"/>
           <a:lstStyle>
-            <a:lvl1pPr indent="-228600" lvl="0" marL="457200">
+            <a:lvl1pPr marL="457200" lvl="0" indent="-228600">
               <a:lnSpc>
                 <a:spcPct val="100000"/>
               </a:lnSpc>
@@ -6537,15 +6607,19 @@
               <a:defRPr/>
             </a:lvl1pPr>
           </a:lstStyle>
-          <a:p/>
+          <a:p>
+            <a:endParaRPr/>
+          </a:p>
         </p:txBody>
       </p:sp>
       <p:sp>
         <p:nvSpPr>
           <p:cNvPr id="72" name="Google Shape;72;p10"/>
-          <p:cNvSpPr txBox="1"/>
+          <p:cNvSpPr txBox="1">
+            <a:spLocks noGrp="1"/>
+          </p:cNvSpPr>
           <p:nvPr>
-            <p:ph idx="12" type="sldNum"/>
+            <p:ph type="sldNum" idx="12"/>
           </p:nvPr>
         </p:nvSpPr>
         <p:spPr>
@@ -6558,7 +6632,7 @@
           </a:prstGeom>
         </p:spPr>
         <p:txBody>
-          <a:bodyPr anchorCtr="0" anchor="ctr" bIns="91425" lIns="91425" spcFirstLastPara="1" rIns="91425" wrap="square" tIns="91425">
+          <a:bodyPr spcFirstLastPara="1" wrap="square" lIns="91425" tIns="91425" rIns="91425" bIns="91425" anchor="ctr" anchorCtr="0">
             <a:noAutofit/>
           </a:bodyPr>
           <a:lstStyle>
@@ -6600,7 +6674,7 @@
             </a:lvl9pPr>
           </a:lstStyle>
           <a:p>
-            <a:pPr indent="0" lvl="0" marL="0" rtl="0" algn="r">
+            <a:pPr marL="0" lvl="0" indent="0" algn="r" rtl="0">
               <a:spcBef>
                 <a:spcPts val="0"/>
               </a:spcBef>
@@ -6626,18 +6700,19 @@
 </file>
 
 <file path=ppt/slideMasters/slideMaster1.xml><?xml version="1.0" encoding="utf-8"?>
-<p:sldMaster xmlns:a="http://schemas.openxmlformats.org/drawingml/2006/main" xmlns:r="http://schemas.openxmlformats.org/officeDocument/2006/relationships" xmlns:mc="http://schemas.openxmlformats.org/markup-compatibility/2006" xmlns:mv="urn:schemas-microsoft-com:mac:vml" xmlns:p="http://schemas.openxmlformats.org/presentationml/2006/main" xmlns:c="http://schemas.openxmlformats.org/drawingml/2006/chart" xmlns:dgm="http://schemas.openxmlformats.org/drawingml/2006/diagram" xmlns:o="urn:schemas-microsoft-com:office:office" xmlns:v="urn:schemas-microsoft-com:vml" xmlns:pvml="urn:schemas-microsoft-com:office:powerpoint" xmlns:com="http://schemas.openxmlformats.org/drawingml/2006/compatibility" xmlns:p14="http://schemas.microsoft.com/office/powerpoint/2010/main" xmlns:p15="http://schemas.microsoft.com/office/powerpoint/2012/main">
+<p:sldMaster xmlns:a="http://schemas.openxmlformats.org/drawingml/2006/main" xmlns:r="http://schemas.openxmlformats.org/officeDocument/2006/relationships" xmlns:p="http://schemas.openxmlformats.org/presentationml/2006/main">
   <p:cSld name="streamline">
     <p:bg>
       <p:bgPr>
         <a:solidFill>
           <a:schemeClr val="lt1"/>
         </a:solidFill>
+        <a:effectLst/>
       </p:bgPr>
     </p:bg>
     <p:spTree>
       <p:nvGrpSpPr>
-        <p:cNvPr id="5" name="Shape 5"/>
+        <p:cNvPr id="1" name="Shape 5"/>
         <p:cNvGrpSpPr/>
         <p:nvPr/>
       </p:nvGrpSpPr>
@@ -6652,7 +6727,9 @@
       <p:sp>
         <p:nvSpPr>
           <p:cNvPr id="6" name="Google Shape;6;p1"/>
-          <p:cNvSpPr txBox="1"/>
+          <p:cNvSpPr txBox="1">
+            <a:spLocks noGrp="1"/>
+          </p:cNvSpPr>
           <p:nvPr>
             <p:ph type="title"/>
           </p:nvPr>
@@ -6671,7 +6748,7 @@
           </a:ln>
         </p:spPr>
         <p:txBody>
-          <a:bodyPr anchorCtr="0" anchor="t" bIns="91425" lIns="91425" spcFirstLastPara="1" rIns="91425" wrap="square" tIns="91425"/>
+          <a:bodyPr spcFirstLastPara="1" wrap="square" lIns="91425" tIns="91425" rIns="91425" bIns="91425" anchor="t" anchorCtr="0"/>
           <a:lstStyle>
             <a:lvl1pPr lvl="0">
               <a:spcBef>
@@ -6683,7 +6760,7 @@
               <a:buSzPts val="2800"/>
               <a:buFont typeface="Raleway"/>
               <a:buNone/>
-              <a:defRPr b="1" sz="2800">
+              <a:defRPr sz="2800" b="1">
                 <a:latin typeface="Raleway"/>
                 <a:ea typeface="Raleway"/>
                 <a:cs typeface="Raleway"/>
@@ -6700,7 +6777,7 @@
               <a:buSzPts val="2800"/>
               <a:buFont typeface="Raleway"/>
               <a:buNone/>
-              <a:defRPr b="1" sz="2800">
+              <a:defRPr sz="2800" b="1">
                 <a:latin typeface="Raleway"/>
                 <a:ea typeface="Raleway"/>
                 <a:cs typeface="Raleway"/>
@@ -6717,7 +6794,7 @@
               <a:buSzPts val="2800"/>
               <a:buFont typeface="Raleway"/>
               <a:buNone/>
-              <a:defRPr b="1" sz="2800">
+              <a:defRPr sz="2800" b="1">
                 <a:latin typeface="Raleway"/>
                 <a:ea typeface="Raleway"/>
                 <a:cs typeface="Raleway"/>
@@ -6734,7 +6811,7 @@
               <a:buSzPts val="2800"/>
               <a:buFont typeface="Raleway"/>
               <a:buNone/>
-              <a:defRPr b="1" sz="2800">
+              <a:defRPr sz="2800" b="1">
                 <a:latin typeface="Raleway"/>
                 <a:ea typeface="Raleway"/>
                 <a:cs typeface="Raleway"/>
@@ -6751,7 +6828,7 @@
               <a:buSzPts val="2800"/>
               <a:buFont typeface="Raleway"/>
               <a:buNone/>
-              <a:defRPr b="1" sz="2800">
+              <a:defRPr sz="2800" b="1">
                 <a:latin typeface="Raleway"/>
                 <a:ea typeface="Raleway"/>
                 <a:cs typeface="Raleway"/>
@@ -6768,7 +6845,7 @@
               <a:buSzPts val="2800"/>
               <a:buFont typeface="Raleway"/>
               <a:buNone/>
-              <a:defRPr b="1" sz="2800">
+              <a:defRPr sz="2800" b="1">
                 <a:latin typeface="Raleway"/>
                 <a:ea typeface="Raleway"/>
                 <a:cs typeface="Raleway"/>
@@ -6785,7 +6862,7 @@
               <a:buSzPts val="2800"/>
               <a:buFont typeface="Raleway"/>
               <a:buNone/>
-              <a:defRPr b="1" sz="2800">
+              <a:defRPr sz="2800" b="1">
                 <a:latin typeface="Raleway"/>
                 <a:ea typeface="Raleway"/>
                 <a:cs typeface="Raleway"/>
@@ -6802,7 +6879,7 @@
               <a:buSzPts val="2800"/>
               <a:buFont typeface="Raleway"/>
               <a:buNone/>
-              <a:defRPr b="1" sz="2800">
+              <a:defRPr sz="2800" b="1">
                 <a:latin typeface="Raleway"/>
                 <a:ea typeface="Raleway"/>
                 <a:cs typeface="Raleway"/>
@@ -6819,7 +6896,7 @@
               <a:buSzPts val="2800"/>
               <a:buFont typeface="Raleway"/>
               <a:buNone/>
-              <a:defRPr b="1" sz="2800">
+              <a:defRPr sz="2800" b="1">
                 <a:latin typeface="Raleway"/>
                 <a:ea typeface="Raleway"/>
                 <a:cs typeface="Raleway"/>
@@ -6827,15 +6904,19 @@
               </a:defRPr>
             </a:lvl9pPr>
           </a:lstStyle>
-          <a:p/>
+          <a:p>
+            <a:endParaRPr/>
+          </a:p>
         </p:txBody>
       </p:sp>
       <p:sp>
         <p:nvSpPr>
           <p:cNvPr id="7" name="Google Shape;7;p1"/>
-          <p:cNvSpPr txBox="1"/>
+          <p:cNvSpPr txBox="1">
+            <a:spLocks noGrp="1"/>
+          </p:cNvSpPr>
           <p:nvPr>
-            <p:ph idx="1" type="body"/>
+            <p:ph type="body" idx="1"/>
           </p:nvPr>
         </p:nvSpPr>
         <p:spPr>
@@ -6852,9 +6933,9 @@
           </a:ln>
         </p:spPr>
         <p:txBody>
-          <a:bodyPr anchorCtr="0" anchor="t" bIns="91425" lIns="91425" spcFirstLastPara="1" rIns="91425" wrap="square" tIns="91425"/>
+          <a:bodyPr spcFirstLastPara="1" wrap="square" lIns="91425" tIns="91425" rIns="91425" bIns="91425" anchor="t" anchorCtr="0"/>
           <a:lstStyle>
-            <a:lvl1pPr indent="-311150" lvl="0" marL="457200">
+            <a:lvl1pPr marL="457200" lvl="0" indent="-311150">
               <a:lnSpc>
                 <a:spcPct val="115000"/>
               </a:lnSpc>
@@ -6880,7 +6961,7 @@
                 <a:sym typeface="Lato"/>
               </a:defRPr>
             </a:lvl1pPr>
-            <a:lvl2pPr indent="-298450" lvl="1" marL="914400">
+            <a:lvl2pPr marL="914400" lvl="1" indent="-298450">
               <a:lnSpc>
                 <a:spcPct val="115000"/>
               </a:lnSpc>
@@ -6906,7 +6987,7 @@
                 <a:sym typeface="Lato"/>
               </a:defRPr>
             </a:lvl2pPr>
-            <a:lvl3pPr indent="-298450" lvl="2" marL="1371600">
+            <a:lvl3pPr marL="1371600" lvl="2" indent="-298450">
               <a:lnSpc>
                 <a:spcPct val="115000"/>
               </a:lnSpc>
@@ -6932,7 +7013,7 @@
                 <a:sym typeface="Lato"/>
               </a:defRPr>
             </a:lvl3pPr>
-            <a:lvl4pPr indent="-298450" lvl="3" marL="1828800">
+            <a:lvl4pPr marL="1828800" lvl="3" indent="-298450">
               <a:lnSpc>
                 <a:spcPct val="115000"/>
               </a:lnSpc>
@@ -6958,7 +7039,7 @@
                 <a:sym typeface="Lato"/>
               </a:defRPr>
             </a:lvl4pPr>
-            <a:lvl5pPr indent="-298450" lvl="4" marL="2286000">
+            <a:lvl5pPr marL="2286000" lvl="4" indent="-298450">
               <a:lnSpc>
                 <a:spcPct val="115000"/>
               </a:lnSpc>
@@ -6984,7 +7065,7 @@
                 <a:sym typeface="Lato"/>
               </a:defRPr>
             </a:lvl5pPr>
-            <a:lvl6pPr indent="-298450" lvl="5" marL="2743200">
+            <a:lvl6pPr marL="2743200" lvl="5" indent="-298450">
               <a:lnSpc>
                 <a:spcPct val="115000"/>
               </a:lnSpc>
@@ -7010,7 +7091,7 @@
                 <a:sym typeface="Lato"/>
               </a:defRPr>
             </a:lvl6pPr>
-            <a:lvl7pPr indent="-298450" lvl="6" marL="3200400">
+            <a:lvl7pPr marL="3200400" lvl="6" indent="-298450">
               <a:lnSpc>
                 <a:spcPct val="115000"/>
               </a:lnSpc>
@@ -7036,7 +7117,7 @@
                 <a:sym typeface="Lato"/>
               </a:defRPr>
             </a:lvl7pPr>
-            <a:lvl8pPr indent="-298450" lvl="7" marL="3657600">
+            <a:lvl8pPr marL="3657600" lvl="7" indent="-298450">
               <a:lnSpc>
                 <a:spcPct val="115000"/>
               </a:lnSpc>
@@ -7062,7 +7143,7 @@
                 <a:sym typeface="Lato"/>
               </a:defRPr>
             </a:lvl8pPr>
-            <a:lvl9pPr indent="-298450" lvl="8" marL="4114800">
+            <a:lvl9pPr marL="4114800" lvl="8" indent="-298450">
               <a:lnSpc>
                 <a:spcPct val="115000"/>
               </a:lnSpc>
@@ -7089,15 +7170,19 @@
               </a:defRPr>
             </a:lvl9pPr>
           </a:lstStyle>
-          <a:p/>
+          <a:p>
+            <a:endParaRPr/>
+          </a:p>
         </p:txBody>
       </p:sp>
       <p:sp>
         <p:nvSpPr>
           <p:cNvPr id="8" name="Google Shape;8;p1"/>
-          <p:cNvSpPr txBox="1"/>
+          <p:cNvSpPr txBox="1">
+            <a:spLocks noGrp="1"/>
+          </p:cNvSpPr>
           <p:nvPr>
-            <p:ph idx="12" type="sldNum"/>
+            <p:ph type="sldNum" idx="12"/>
           </p:nvPr>
         </p:nvSpPr>
         <p:spPr>
@@ -7114,7 +7199,7 @@
           </a:ln>
         </p:spPr>
         <p:txBody>
-          <a:bodyPr anchorCtr="0" anchor="ctr" bIns="91425" lIns="91425" spcFirstLastPara="1" rIns="91425" wrap="square" tIns="91425">
+          <a:bodyPr spcFirstLastPara="1" wrap="square" lIns="91425" tIns="91425" rIns="91425" bIns="91425" anchor="ctr" anchorCtr="0">
             <a:noAutofit/>
           </a:bodyPr>
           <a:lstStyle>
@@ -7228,7 +7313,7 @@
             </a:lvl9pPr>
           </a:lstStyle>
           <a:p>
-            <a:pPr indent="0" lvl="0" marL="0" rtl="0" algn="r">
+            <a:pPr marL="0" lvl="0" indent="0" algn="r" rtl="0">
               <a:spcBef>
                 <a:spcPts val="0"/>
               </a:spcBef>
@@ -7247,7 +7332,7 @@
       </p:sp>
     </p:spTree>
   </p:cSld>
-  <p:clrMap accent1="accent1" accent2="accent2" accent3="accent3" accent4="accent4" accent5="accent5" accent6="accent6" bg1="lt1" bg2="dk2" tx1="dk1" tx2="lt2" folHlink="folHlink" hlink="hlink"/>
+  <p:clrMap bg1="lt1" tx1="dk1" bg2="dk2" tx2="lt2" accent1="accent1" accent2="accent2" accent3="accent3" accent4="accent4" accent5="accent5" accent6="accent6" hlink="hlink" folHlink="folHlink"/>
   <p:sldLayoutIdLst>
     <p:sldLayoutId id="2147483648" r:id="rId1"/>
     <p:sldLayoutId id="2147483649" r:id="rId2"/>
@@ -7261,10 +7346,10 @@
     <p:sldLayoutId id="2147483657" r:id="rId10"/>
     <p:sldLayoutId id="2147483658" r:id="rId11"/>
   </p:sldLayoutIdLst>
-  <p:hf dt="0" ftr="0" hdr="0" sldNum="0"/>
+  <p:hf sldNum="0" hdr="0" ftr="0" dt="0"/>
   <p:txStyles>
     <p:titleStyle>
-      <a:defPPr lvl="0" marR="0" rtl="0" algn="l">
+      <a:defPPr marR="0" lvl="0" algn="l" rtl="0">
         <a:lnSpc>
           <a:spcPct val="100000"/>
         </a:lnSpc>
@@ -7275,7 +7360,7 @@
           <a:spcPts val="0"/>
         </a:spcAft>
       </a:defPPr>
-      <a:lvl1pPr lvl="0" marR="0" rtl="0" algn="l">
+      <a:lvl1pPr marR="0" lvl="0" algn="l" rtl="0">
         <a:lnSpc>
           <a:spcPct val="100000"/>
         </a:lnSpc>
@@ -7289,7 +7374,7 @@
           <a:srgbClr val="000000"/>
         </a:buClr>
         <a:buFont typeface="Arial"/>
-        <a:defRPr b="0" i="0" sz="1400" u="none" cap="none" strike="noStrike">
+        <a:defRPr sz="1400" b="0" i="0" u="none" strike="noStrike" cap="none">
           <a:solidFill>
             <a:srgbClr val="000000"/>
           </a:solidFill>
@@ -7299,7 +7384,7 @@
           <a:sym typeface="Arial"/>
         </a:defRPr>
       </a:lvl1pPr>
-      <a:lvl2pPr lvl="1" marR="0" rtl="0" algn="l">
+      <a:lvl2pPr marR="0" lvl="1" algn="l" rtl="0">
         <a:lnSpc>
           <a:spcPct val="100000"/>
         </a:lnSpc>
@@ -7313,7 +7398,7 @@
           <a:srgbClr val="000000"/>
         </a:buClr>
         <a:buFont typeface="Arial"/>
-        <a:defRPr b="0" i="0" sz="1400" u="none" cap="none" strike="noStrike">
+        <a:defRPr sz="1400" b="0" i="0" u="none" strike="noStrike" cap="none">
           <a:solidFill>
             <a:srgbClr val="000000"/>
           </a:solidFill>
@@ -7323,7 +7408,7 @@
           <a:sym typeface="Arial"/>
         </a:defRPr>
       </a:lvl2pPr>
-      <a:lvl3pPr lvl="2" marR="0" rtl="0" algn="l">
+      <a:lvl3pPr marR="0" lvl="2" algn="l" rtl="0">
         <a:lnSpc>
           <a:spcPct val="100000"/>
         </a:lnSpc>
@@ -7337,7 +7422,7 @@
           <a:srgbClr val="000000"/>
         </a:buClr>
         <a:buFont typeface="Arial"/>
-        <a:defRPr b="0" i="0" sz="1400" u="none" cap="none" strike="noStrike">
+        <a:defRPr sz="1400" b="0" i="0" u="none" strike="noStrike" cap="none">
           <a:solidFill>
             <a:srgbClr val="000000"/>
           </a:solidFill>
@@ -7347,7 +7432,7 @@
           <a:sym typeface="Arial"/>
         </a:defRPr>
       </a:lvl3pPr>
-      <a:lvl4pPr lvl="3" marR="0" rtl="0" algn="l">
+      <a:lvl4pPr marR="0" lvl="3" algn="l" rtl="0">
         <a:lnSpc>
           <a:spcPct val="100000"/>
         </a:lnSpc>
@@ -7361,7 +7446,7 @@
           <a:srgbClr val="000000"/>
         </a:buClr>
         <a:buFont typeface="Arial"/>
-        <a:defRPr b="0" i="0" sz="1400" u="none" cap="none" strike="noStrike">
+        <a:defRPr sz="1400" b="0" i="0" u="none" strike="noStrike" cap="none">
           <a:solidFill>
             <a:srgbClr val="000000"/>
           </a:solidFill>
@@ -7371,7 +7456,7 @@
           <a:sym typeface="Arial"/>
         </a:defRPr>
       </a:lvl4pPr>
-      <a:lvl5pPr lvl="4" marR="0" rtl="0" algn="l">
+      <a:lvl5pPr marR="0" lvl="4" algn="l" rtl="0">
         <a:lnSpc>
           <a:spcPct val="100000"/>
         </a:lnSpc>
@@ -7385,7 +7470,7 @@
           <a:srgbClr val="000000"/>
         </a:buClr>
         <a:buFont typeface="Arial"/>
-        <a:defRPr b="0" i="0" sz="1400" u="none" cap="none" strike="noStrike">
+        <a:defRPr sz="1400" b="0" i="0" u="none" strike="noStrike" cap="none">
           <a:solidFill>
             <a:srgbClr val="000000"/>
           </a:solidFill>
@@ -7395,7 +7480,7 @@
           <a:sym typeface="Arial"/>
         </a:defRPr>
       </a:lvl5pPr>
-      <a:lvl6pPr lvl="5" marR="0" rtl="0" algn="l">
+      <a:lvl6pPr marR="0" lvl="5" algn="l" rtl="0">
         <a:lnSpc>
           <a:spcPct val="100000"/>
         </a:lnSpc>
@@ -7409,7 +7494,7 @@
           <a:srgbClr val="000000"/>
         </a:buClr>
         <a:buFont typeface="Arial"/>
-        <a:defRPr b="0" i="0" sz="1400" u="none" cap="none" strike="noStrike">
+        <a:defRPr sz="1400" b="0" i="0" u="none" strike="noStrike" cap="none">
           <a:solidFill>
             <a:srgbClr val="000000"/>
           </a:solidFill>
@@ -7419,7 +7504,7 @@
           <a:sym typeface="Arial"/>
         </a:defRPr>
       </a:lvl6pPr>
-      <a:lvl7pPr lvl="6" marR="0" rtl="0" algn="l">
+      <a:lvl7pPr marR="0" lvl="6" algn="l" rtl="0">
         <a:lnSpc>
           <a:spcPct val="100000"/>
         </a:lnSpc>
@@ -7433,7 +7518,7 @@
           <a:srgbClr val="000000"/>
         </a:buClr>
         <a:buFont typeface="Arial"/>
-        <a:defRPr b="0" i="0" sz="1400" u="none" cap="none" strike="noStrike">
+        <a:defRPr sz="1400" b="0" i="0" u="none" strike="noStrike" cap="none">
           <a:solidFill>
             <a:srgbClr val="000000"/>
           </a:solidFill>
@@ -7443,7 +7528,7 @@
           <a:sym typeface="Arial"/>
         </a:defRPr>
       </a:lvl7pPr>
-      <a:lvl8pPr lvl="7" marR="0" rtl="0" algn="l">
+      <a:lvl8pPr marR="0" lvl="7" algn="l" rtl="0">
         <a:lnSpc>
           <a:spcPct val="100000"/>
         </a:lnSpc>
@@ -7457,7 +7542,7 @@
           <a:srgbClr val="000000"/>
         </a:buClr>
         <a:buFont typeface="Arial"/>
-        <a:defRPr b="0" i="0" sz="1400" u="none" cap="none" strike="noStrike">
+        <a:defRPr sz="1400" b="0" i="0" u="none" strike="noStrike" cap="none">
           <a:solidFill>
             <a:srgbClr val="000000"/>
           </a:solidFill>
@@ -7467,7 +7552,7 @@
           <a:sym typeface="Arial"/>
         </a:defRPr>
       </a:lvl8pPr>
-      <a:lvl9pPr lvl="8" marR="0" rtl="0" algn="l">
+      <a:lvl9pPr marR="0" lvl="8" algn="l" rtl="0">
         <a:lnSpc>
           <a:spcPct val="100000"/>
         </a:lnSpc>
@@ -7481,7 +7566,7 @@
           <a:srgbClr val="000000"/>
         </a:buClr>
         <a:buFont typeface="Arial"/>
-        <a:defRPr b="0" i="0" sz="1400" u="none" cap="none" strike="noStrike">
+        <a:defRPr sz="1400" b="0" i="0" u="none" strike="noStrike" cap="none">
           <a:solidFill>
             <a:srgbClr val="000000"/>
           </a:solidFill>
@@ -7493,7 +7578,7 @@
       </a:lvl9pPr>
     </p:titleStyle>
     <p:bodyStyle>
-      <a:defPPr lvl="0" marR="0" rtl="0" algn="l">
+      <a:defPPr marR="0" lvl="0" algn="l" rtl="0">
         <a:lnSpc>
           <a:spcPct val="100000"/>
         </a:lnSpc>
@@ -7504,7 +7589,7 @@
           <a:spcPts val="0"/>
         </a:spcAft>
       </a:defPPr>
-      <a:lvl1pPr lvl="0" marR="0" rtl="0" algn="l">
+      <a:lvl1pPr marR="0" lvl="0" algn="l" rtl="0">
         <a:lnSpc>
           <a:spcPct val="100000"/>
         </a:lnSpc>
@@ -7518,7 +7603,7 @@
           <a:srgbClr val="000000"/>
         </a:buClr>
         <a:buFont typeface="Arial"/>
-        <a:defRPr b="0" i="0" sz="1400" u="none" cap="none" strike="noStrike">
+        <a:defRPr sz="1400" b="0" i="0" u="none" strike="noStrike" cap="none">
           <a:solidFill>
             <a:srgbClr val="000000"/>
           </a:solidFill>
@@ -7528,7 +7613,7 @@
           <a:sym typeface="Arial"/>
         </a:defRPr>
       </a:lvl1pPr>
-      <a:lvl2pPr lvl="1" marR="0" rtl="0" algn="l">
+      <a:lvl2pPr marR="0" lvl="1" algn="l" rtl="0">
         <a:lnSpc>
           <a:spcPct val="100000"/>
         </a:lnSpc>
@@ -7542,7 +7627,7 @@
           <a:srgbClr val="000000"/>
         </a:buClr>
         <a:buFont typeface="Arial"/>
-        <a:defRPr b="0" i="0" sz="1400" u="none" cap="none" strike="noStrike">
+        <a:defRPr sz="1400" b="0" i="0" u="none" strike="noStrike" cap="none">
           <a:solidFill>
             <a:srgbClr val="000000"/>
           </a:solidFill>
@@ -7552,7 +7637,7 @@
           <a:sym typeface="Arial"/>
         </a:defRPr>
       </a:lvl2pPr>
-      <a:lvl3pPr lvl="2" marR="0" rtl="0" algn="l">
+      <a:lvl3pPr marR="0" lvl="2" algn="l" rtl="0">
         <a:lnSpc>
           <a:spcPct val="100000"/>
         </a:lnSpc>
@@ -7566,7 +7651,7 @@
           <a:srgbClr val="000000"/>
         </a:buClr>
         <a:buFont typeface="Arial"/>
-        <a:defRPr b="0" i="0" sz="1400" u="none" cap="none" strike="noStrike">
+        <a:defRPr sz="1400" b="0" i="0" u="none" strike="noStrike" cap="none">
           <a:solidFill>
             <a:srgbClr val="000000"/>
           </a:solidFill>
@@ -7576,7 +7661,7 @@
           <a:sym typeface="Arial"/>
         </a:defRPr>
       </a:lvl3pPr>
-      <a:lvl4pPr lvl="3" marR="0" rtl="0" algn="l">
+      <a:lvl4pPr marR="0" lvl="3" algn="l" rtl="0">
         <a:lnSpc>
           <a:spcPct val="100000"/>
         </a:lnSpc>
@@ -7590,7 +7675,7 @@
           <a:srgbClr val="000000"/>
         </a:buClr>
         <a:buFont typeface="Arial"/>
-        <a:defRPr b="0" i="0" sz="1400" u="none" cap="none" strike="noStrike">
+        <a:defRPr sz="1400" b="0" i="0" u="none" strike="noStrike" cap="none">
           <a:solidFill>
             <a:srgbClr val="000000"/>
           </a:solidFill>
@@ -7600,7 +7685,7 @@
           <a:sym typeface="Arial"/>
         </a:defRPr>
       </a:lvl4pPr>
-      <a:lvl5pPr lvl="4" marR="0" rtl="0" algn="l">
+      <a:lvl5pPr marR="0" lvl="4" algn="l" rtl="0">
         <a:lnSpc>
           <a:spcPct val="100000"/>
         </a:lnSpc>
@@ -7614,7 +7699,7 @@
           <a:srgbClr val="000000"/>
         </a:buClr>
         <a:buFont typeface="Arial"/>
-        <a:defRPr b="0" i="0" sz="1400" u="none" cap="none" strike="noStrike">
+        <a:defRPr sz="1400" b="0" i="0" u="none" strike="noStrike" cap="none">
           <a:solidFill>
             <a:srgbClr val="000000"/>
           </a:solidFill>
@@ -7624,7 +7709,7 @@
           <a:sym typeface="Arial"/>
         </a:defRPr>
       </a:lvl5pPr>
-      <a:lvl6pPr lvl="5" marR="0" rtl="0" algn="l">
+      <a:lvl6pPr marR="0" lvl="5" algn="l" rtl="0">
         <a:lnSpc>
           <a:spcPct val="100000"/>
         </a:lnSpc>
@@ -7638,7 +7723,7 @@
           <a:srgbClr val="000000"/>
         </a:buClr>
         <a:buFont typeface="Arial"/>
-        <a:defRPr b="0" i="0" sz="1400" u="none" cap="none" strike="noStrike">
+        <a:defRPr sz="1400" b="0" i="0" u="none" strike="noStrike" cap="none">
           <a:solidFill>
             <a:srgbClr val="000000"/>
           </a:solidFill>
@@ -7648,7 +7733,7 @@
           <a:sym typeface="Arial"/>
         </a:defRPr>
       </a:lvl6pPr>
-      <a:lvl7pPr lvl="6" marR="0" rtl="0" algn="l">
+      <a:lvl7pPr marR="0" lvl="6" algn="l" rtl="0">
         <a:lnSpc>
           <a:spcPct val="100000"/>
         </a:lnSpc>
@@ -7662,7 +7747,7 @@
           <a:srgbClr val="000000"/>
         </a:buClr>
         <a:buFont typeface="Arial"/>
-        <a:defRPr b="0" i="0" sz="1400" u="none" cap="none" strike="noStrike">
+        <a:defRPr sz="1400" b="0" i="0" u="none" strike="noStrike" cap="none">
           <a:solidFill>
             <a:srgbClr val="000000"/>
           </a:solidFill>
@@ -7672,7 +7757,7 @@
           <a:sym typeface="Arial"/>
         </a:defRPr>
       </a:lvl7pPr>
-      <a:lvl8pPr lvl="7" marR="0" rtl="0" algn="l">
+      <a:lvl8pPr marR="0" lvl="7" algn="l" rtl="0">
         <a:lnSpc>
           <a:spcPct val="100000"/>
         </a:lnSpc>
@@ -7686,7 +7771,7 @@
           <a:srgbClr val="000000"/>
         </a:buClr>
         <a:buFont typeface="Arial"/>
-        <a:defRPr b="0" i="0" sz="1400" u="none" cap="none" strike="noStrike">
+        <a:defRPr sz="1400" b="0" i="0" u="none" strike="noStrike" cap="none">
           <a:solidFill>
             <a:srgbClr val="000000"/>
           </a:solidFill>
@@ -7696,7 +7781,7 @@
           <a:sym typeface="Arial"/>
         </a:defRPr>
       </a:lvl8pPr>
-      <a:lvl9pPr lvl="8" marR="0" rtl="0" algn="l">
+      <a:lvl9pPr marR="0" lvl="8" algn="l" rtl="0">
         <a:lnSpc>
           <a:spcPct val="100000"/>
         </a:lnSpc>
@@ -7710,7 +7795,7 @@
           <a:srgbClr val="000000"/>
         </a:buClr>
         <a:buFont typeface="Arial"/>
-        <a:defRPr b="0" i="0" sz="1400" u="none" cap="none" strike="noStrike">
+        <a:defRPr sz="1400" b="0" i="0" u="none" strike="noStrike" cap="none">
           <a:solidFill>
             <a:srgbClr val="000000"/>
           </a:solidFill>
@@ -7722,7 +7807,7 @@
       </a:lvl9pPr>
     </p:bodyStyle>
     <p:otherStyle>
-      <a:defPPr lvl="0" marR="0" rtl="0" algn="l">
+      <a:defPPr marR="0" lvl="0" algn="l" rtl="0">
         <a:lnSpc>
           <a:spcPct val="100000"/>
         </a:lnSpc>
@@ -7733,7 +7818,7 @@
           <a:spcPts val="0"/>
         </a:spcAft>
       </a:defPPr>
-      <a:lvl1pPr lvl="0" marR="0" rtl="0" algn="l">
+      <a:lvl1pPr marR="0" lvl="0" algn="l" rtl="0">
         <a:lnSpc>
           <a:spcPct val="100000"/>
         </a:lnSpc>
@@ -7747,7 +7832,7 @@
           <a:srgbClr val="000000"/>
         </a:buClr>
         <a:buFont typeface="Arial"/>
-        <a:defRPr b="0" i="0" sz="1400" u="none" cap="none" strike="noStrike">
+        <a:defRPr sz="1400" b="0" i="0" u="none" strike="noStrike" cap="none">
           <a:solidFill>
             <a:srgbClr val="000000"/>
           </a:solidFill>
@@ -7757,7 +7842,7 @@
           <a:sym typeface="Arial"/>
         </a:defRPr>
       </a:lvl1pPr>
-      <a:lvl2pPr lvl="1" marR="0" rtl="0" algn="l">
+      <a:lvl2pPr marR="0" lvl="1" algn="l" rtl="0">
         <a:lnSpc>
           <a:spcPct val="100000"/>
         </a:lnSpc>
@@ -7771,7 +7856,7 @@
           <a:srgbClr val="000000"/>
         </a:buClr>
         <a:buFont typeface="Arial"/>
-        <a:defRPr b="0" i="0" sz="1400" u="none" cap="none" strike="noStrike">
+        <a:defRPr sz="1400" b="0" i="0" u="none" strike="noStrike" cap="none">
           <a:solidFill>
             <a:srgbClr val="000000"/>
           </a:solidFill>
@@ -7781,7 +7866,7 @@
           <a:sym typeface="Arial"/>
         </a:defRPr>
       </a:lvl2pPr>
-      <a:lvl3pPr lvl="2" marR="0" rtl="0" algn="l">
+      <a:lvl3pPr marR="0" lvl="2" algn="l" rtl="0">
         <a:lnSpc>
           <a:spcPct val="100000"/>
         </a:lnSpc>
@@ -7795,7 +7880,7 @@
           <a:srgbClr val="000000"/>
         </a:buClr>
         <a:buFont typeface="Arial"/>
-        <a:defRPr b="0" i="0" sz="1400" u="none" cap="none" strike="noStrike">
+        <a:defRPr sz="1400" b="0" i="0" u="none" strike="noStrike" cap="none">
           <a:solidFill>
             <a:srgbClr val="000000"/>
           </a:solidFill>
@@ -7805,7 +7890,7 @@
           <a:sym typeface="Arial"/>
         </a:defRPr>
       </a:lvl3pPr>
-      <a:lvl4pPr lvl="3" marR="0" rtl="0" algn="l">
+      <a:lvl4pPr marR="0" lvl="3" algn="l" rtl="0">
         <a:lnSpc>
           <a:spcPct val="100000"/>
         </a:lnSpc>
@@ -7819,7 +7904,7 @@
           <a:srgbClr val="000000"/>
         </a:buClr>
         <a:buFont typeface="Arial"/>
-        <a:defRPr b="0" i="0" sz="1400" u="none" cap="none" strike="noStrike">
+        <a:defRPr sz="1400" b="0" i="0" u="none" strike="noStrike" cap="none">
           <a:solidFill>
             <a:srgbClr val="000000"/>
           </a:solidFill>
@@ -7829,7 +7914,7 @@
           <a:sym typeface="Arial"/>
         </a:defRPr>
       </a:lvl4pPr>
-      <a:lvl5pPr lvl="4" marR="0" rtl="0" algn="l">
+      <a:lvl5pPr marR="0" lvl="4" algn="l" rtl="0">
         <a:lnSpc>
           <a:spcPct val="100000"/>
         </a:lnSpc>
@@ -7843,7 +7928,7 @@
           <a:srgbClr val="000000"/>
         </a:buClr>
         <a:buFont typeface="Arial"/>
-        <a:defRPr b="0" i="0" sz="1400" u="none" cap="none" strike="noStrike">
+        <a:defRPr sz="1400" b="0" i="0" u="none" strike="noStrike" cap="none">
           <a:solidFill>
             <a:srgbClr val="000000"/>
           </a:solidFill>
@@ -7853,7 +7938,7 @@
           <a:sym typeface="Arial"/>
         </a:defRPr>
       </a:lvl5pPr>
-      <a:lvl6pPr lvl="5" marR="0" rtl="0" algn="l">
+      <a:lvl6pPr marR="0" lvl="5" algn="l" rtl="0">
         <a:lnSpc>
           <a:spcPct val="100000"/>
         </a:lnSpc>
@@ -7867,7 +7952,7 @@
           <a:srgbClr val="000000"/>
         </a:buClr>
         <a:buFont typeface="Arial"/>
-        <a:defRPr b="0" i="0" sz="1400" u="none" cap="none" strike="noStrike">
+        <a:defRPr sz="1400" b="0" i="0" u="none" strike="noStrike" cap="none">
           <a:solidFill>
             <a:srgbClr val="000000"/>
           </a:solidFill>
@@ -7877,7 +7962,7 @@
           <a:sym typeface="Arial"/>
         </a:defRPr>
       </a:lvl6pPr>
-      <a:lvl7pPr lvl="6" marR="0" rtl="0" algn="l">
+      <a:lvl7pPr marR="0" lvl="6" algn="l" rtl="0">
         <a:lnSpc>
           <a:spcPct val="100000"/>
         </a:lnSpc>
@@ -7891,7 +7976,7 @@
           <a:srgbClr val="000000"/>
         </a:buClr>
         <a:buFont typeface="Arial"/>
-        <a:defRPr b="0" i="0" sz="1400" u="none" cap="none" strike="noStrike">
+        <a:defRPr sz="1400" b="0" i="0" u="none" strike="noStrike" cap="none">
           <a:solidFill>
             <a:srgbClr val="000000"/>
           </a:solidFill>
@@ -7901,7 +7986,7 @@
           <a:sym typeface="Arial"/>
         </a:defRPr>
       </a:lvl7pPr>
-      <a:lvl8pPr lvl="7" marR="0" rtl="0" algn="l">
+      <a:lvl8pPr marR="0" lvl="7" algn="l" rtl="0">
         <a:lnSpc>
           <a:spcPct val="100000"/>
         </a:lnSpc>
@@ -7915,7 +8000,7 @@
           <a:srgbClr val="000000"/>
         </a:buClr>
         <a:buFont typeface="Arial"/>
-        <a:defRPr b="0" i="0" sz="1400" u="none" cap="none" strike="noStrike">
+        <a:defRPr sz="1400" b="0" i="0" u="none" strike="noStrike" cap="none">
           <a:solidFill>
             <a:srgbClr val="000000"/>
           </a:solidFill>
@@ -7925,7 +8010,7 @@
           <a:sym typeface="Arial"/>
         </a:defRPr>
       </a:lvl8pPr>
-      <a:lvl9pPr lvl="8" marR="0" rtl="0" algn="l">
+      <a:lvl9pPr marR="0" lvl="8" algn="l" rtl="0">
         <a:lnSpc>
           <a:spcPct val="100000"/>
         </a:lnSpc>
@@ -7939,7 +8024,7 @@
           <a:srgbClr val="000000"/>
         </a:buClr>
         <a:buFont typeface="Arial"/>
-        <a:defRPr b="0" i="0" sz="1400" u="none" cap="none" strike="noStrike">
+        <a:defRPr sz="1400" b="0" i="0" u="none" strike="noStrike" cap="none">
           <a:solidFill>
             <a:srgbClr val="000000"/>
           </a:solidFill>
@@ -7955,11 +8040,11 @@
 </file>
 
 <file path=ppt/slides/slide1.xml><?xml version="1.0" encoding="utf-8"?>
-<p:sld xmlns:a="http://schemas.openxmlformats.org/drawingml/2006/main" xmlns:r="http://schemas.openxmlformats.org/officeDocument/2006/relationships" xmlns:mc="http://schemas.openxmlformats.org/markup-compatibility/2006" xmlns:mv="urn:schemas-microsoft-com:mac:vml" xmlns:p="http://schemas.openxmlformats.org/presentationml/2006/main" xmlns:c="http://schemas.openxmlformats.org/drawingml/2006/chart" xmlns:dgm="http://schemas.openxmlformats.org/drawingml/2006/diagram" xmlns:o="urn:schemas-microsoft-com:office:office" xmlns:v="urn:schemas-microsoft-com:vml" xmlns:pvml="urn:schemas-microsoft-com:office:powerpoint" xmlns:com="http://schemas.openxmlformats.org/drawingml/2006/compatibility" xmlns:p14="http://schemas.microsoft.com/office/powerpoint/2010/main" xmlns:p15="http://schemas.microsoft.com/office/powerpoint/2012/main">
+<p:sld xmlns:a="http://schemas.openxmlformats.org/drawingml/2006/main" xmlns:r="http://schemas.openxmlformats.org/officeDocument/2006/relationships" xmlns:p="http://schemas.openxmlformats.org/presentationml/2006/main">
   <p:cSld>
     <p:spTree>
       <p:nvGrpSpPr>
-        <p:cNvPr id="85" name="Shape 85"/>
+        <p:cNvPr id="1" name="Shape 85"/>
         <p:cNvGrpSpPr/>
         <p:nvPr/>
       </p:nvGrpSpPr>
@@ -7974,7 +8059,9 @@
       <p:sp>
         <p:nvSpPr>
           <p:cNvPr id="86" name="Google Shape;86;p13"/>
-          <p:cNvSpPr txBox="1"/>
+          <p:cNvSpPr txBox="1">
+            <a:spLocks noGrp="1"/>
+          </p:cNvSpPr>
           <p:nvPr>
             <p:ph type="ctrTitle"/>
           </p:nvPr>
@@ -7989,12 +8076,12 @@
           </a:prstGeom>
         </p:spPr>
         <p:txBody>
-          <a:bodyPr anchorCtr="0" anchor="t" bIns="91425" lIns="91425" spcFirstLastPara="1" rIns="91425" wrap="square" tIns="91425">
+          <a:bodyPr spcFirstLastPara="1" wrap="square" lIns="91425" tIns="91425" rIns="91425" bIns="91425" anchor="t" anchorCtr="0">
             <a:noAutofit/>
           </a:bodyPr>
           <a:lstStyle/>
           <a:p>
-            <a:pPr indent="0" lvl="0" marL="0" rtl="0" algn="l">
+            <a:pPr marL="0" lvl="0" indent="0" algn="l" rtl="0">
               <a:spcBef>
                 <a:spcPts val="0"/>
               </a:spcBef>
@@ -8014,9 +8101,11 @@
       <p:sp>
         <p:nvSpPr>
           <p:cNvPr id="87" name="Google Shape;87;p13"/>
-          <p:cNvSpPr txBox="1"/>
+          <p:cNvSpPr txBox="1">
+            <a:spLocks noGrp="1"/>
+          </p:cNvSpPr>
           <p:nvPr>
-            <p:ph idx="1" type="subTitle"/>
+            <p:ph type="subTitle" idx="1"/>
           </p:nvPr>
         </p:nvSpPr>
         <p:spPr>
@@ -8029,12 +8118,12 @@
           </a:prstGeom>
         </p:spPr>
         <p:txBody>
-          <a:bodyPr anchorCtr="0" anchor="t" bIns="91425" lIns="91425" spcFirstLastPara="1" rIns="91425" wrap="square" tIns="91425">
+          <a:bodyPr spcFirstLastPara="1" wrap="square" lIns="91425" tIns="91425" rIns="91425" bIns="91425" anchor="t" anchorCtr="0">
             <a:noAutofit/>
           </a:bodyPr>
           <a:lstStyle/>
           <a:p>
-            <a:pPr indent="0" lvl="0" marL="0" rtl="0" algn="l">
+            <a:pPr marL="0" lvl="0" indent="0" algn="l" rtl="0">
               <a:spcBef>
                 <a:spcPts val="0"/>
               </a:spcBef>
@@ -8060,11 +8149,11 @@
 </file>
 
 <file path=ppt/slides/slide2.xml><?xml version="1.0" encoding="utf-8"?>
-<p:sld xmlns:a="http://schemas.openxmlformats.org/drawingml/2006/main" xmlns:r="http://schemas.openxmlformats.org/officeDocument/2006/relationships" xmlns:mc="http://schemas.openxmlformats.org/markup-compatibility/2006" xmlns:mv="urn:schemas-microsoft-com:mac:vml" xmlns:p="http://schemas.openxmlformats.org/presentationml/2006/main" xmlns:c="http://schemas.openxmlformats.org/drawingml/2006/chart" xmlns:dgm="http://schemas.openxmlformats.org/drawingml/2006/diagram" xmlns:o="urn:schemas-microsoft-com:office:office" xmlns:v="urn:schemas-microsoft-com:vml" xmlns:pvml="urn:schemas-microsoft-com:office:powerpoint" xmlns:com="http://schemas.openxmlformats.org/drawingml/2006/compatibility" xmlns:p14="http://schemas.microsoft.com/office/powerpoint/2010/main" xmlns:p15="http://schemas.microsoft.com/office/powerpoint/2012/main">
+<p:sld xmlns:a="http://schemas.openxmlformats.org/drawingml/2006/main" xmlns:r="http://schemas.openxmlformats.org/officeDocument/2006/relationships" xmlns:p="http://schemas.openxmlformats.org/presentationml/2006/main">
   <p:cSld>
     <p:spTree>
       <p:nvGrpSpPr>
-        <p:cNvPr id="91" name="Shape 91"/>
+        <p:cNvPr id="1" name="Shape 91"/>
         <p:cNvGrpSpPr/>
         <p:nvPr/>
       </p:nvGrpSpPr>
@@ -8079,7 +8168,9 @@
       <p:sp>
         <p:nvSpPr>
           <p:cNvPr id="92" name="Google Shape;92;p14"/>
-          <p:cNvSpPr txBox="1"/>
+          <p:cNvSpPr txBox="1">
+            <a:spLocks noGrp="1"/>
+          </p:cNvSpPr>
           <p:nvPr>
             <p:ph type="title"/>
           </p:nvPr>
@@ -8094,12 +8185,12 @@
           </a:prstGeom>
         </p:spPr>
         <p:txBody>
-          <a:bodyPr anchorCtr="0" anchor="t" bIns="91425" lIns="91425" spcFirstLastPara="1" rIns="91425" wrap="square" tIns="91425">
+          <a:bodyPr spcFirstLastPara="1" wrap="square" lIns="91425" tIns="91425" rIns="91425" bIns="91425" anchor="t" anchorCtr="0">
             <a:noAutofit/>
           </a:bodyPr>
           <a:lstStyle/>
           <a:p>
-            <a:pPr indent="0" lvl="0" marL="0" rtl="0" algn="l">
+            <a:pPr marL="0" lvl="0" indent="0" algn="l" rtl="0">
               <a:spcBef>
                 <a:spcPts val="0"/>
               </a:spcBef>
@@ -8119,9 +8210,11 @@
       <p:sp>
         <p:nvSpPr>
           <p:cNvPr id="93" name="Google Shape;93;p14"/>
-          <p:cNvSpPr txBox="1"/>
+          <p:cNvSpPr txBox="1">
+            <a:spLocks noGrp="1"/>
+          </p:cNvSpPr>
           <p:nvPr>
-            <p:ph idx="1" type="body"/>
+            <p:ph type="body" idx="1"/>
           </p:nvPr>
         </p:nvSpPr>
         <p:spPr>
@@ -8134,12 +8227,12 @@
           </a:prstGeom>
         </p:spPr>
         <p:txBody>
-          <a:bodyPr anchorCtr="0" anchor="t" bIns="91425" lIns="91425" spcFirstLastPara="1" rIns="91425" wrap="square" tIns="91425">
+          <a:bodyPr spcFirstLastPara="1" wrap="square" lIns="91425" tIns="91425" rIns="91425" bIns="91425" anchor="t" anchorCtr="0">
             <a:noAutofit/>
           </a:bodyPr>
           <a:lstStyle/>
           <a:p>
-            <a:pPr indent="-311150" lvl="0" marL="457200" rtl="0" algn="l">
+            <a:pPr marL="457200" lvl="0" indent="-311150" algn="l" rtl="0">
               <a:lnSpc>
                 <a:spcPct val="200000"/>
               </a:lnSpc>
@@ -8153,13 +8246,13 @@
               <a:buChar char="●"/>
             </a:pPr>
             <a:r>
-              <a:rPr lang="en"/>
+              <a:rPr lang="en" dirty="0"/>
               <a:t>Implemented autosuggest during course search</a:t>
             </a:r>
-            <a:endParaRPr/>
+            <a:endParaRPr dirty="0"/>
           </a:p>
           <a:p>
-            <a:pPr indent="-311150" lvl="0" marL="457200" rtl="0" algn="l">
+            <a:pPr marL="457200" lvl="0" indent="-311150" algn="l" rtl="0">
               <a:lnSpc>
                 <a:spcPct val="200000"/>
               </a:lnSpc>
@@ -8173,13 +8266,13 @@
               <a:buChar char="●"/>
             </a:pPr>
             <a:r>
-              <a:rPr lang="en"/>
+              <a:rPr lang="en" dirty="0"/>
               <a:t>Authentication and Using Firebase</a:t>
             </a:r>
-            <a:endParaRPr/>
+            <a:endParaRPr dirty="0"/>
           </a:p>
           <a:p>
-            <a:pPr indent="-311150" lvl="0" marL="457200" rtl="0" algn="l">
+            <a:pPr marL="457200" lvl="0" indent="-311150" algn="l" rtl="0">
               <a:lnSpc>
                 <a:spcPct val="200000"/>
               </a:lnSpc>
@@ -8193,13 +8286,17 @@
               <a:buChar char="●"/>
             </a:pPr>
             <a:r>
-              <a:rPr lang="en"/>
-              <a:t>Profile Management using ElasticSearch</a:t>
+              <a:rPr lang="en" dirty="0"/>
+              <a:t>Profile Management using </a:t>
             </a:r>
-            <a:endParaRPr/>
+            <a:r>
+              <a:rPr lang="en" dirty="0" err="1"/>
+              <a:t>ElasticSearch</a:t>
+            </a:r>
+            <a:endParaRPr dirty="0"/>
           </a:p>
           <a:p>
-            <a:pPr indent="-311150" lvl="0" marL="457200" rtl="0" algn="l">
+            <a:pPr marL="457200" lvl="0" indent="-311150" algn="l" rtl="0">
               <a:lnSpc>
                 <a:spcPct val="200000"/>
               </a:lnSpc>
@@ -8213,13 +8310,13 @@
               <a:buChar char="●"/>
             </a:pPr>
             <a:r>
-              <a:rPr lang="en"/>
+              <a:rPr lang="en" dirty="0"/>
               <a:t>App Setup using Webpack and Babel</a:t>
             </a:r>
-            <a:endParaRPr/>
+            <a:endParaRPr dirty="0"/>
           </a:p>
           <a:p>
-            <a:pPr indent="-311150" lvl="0" marL="457200" rtl="0" algn="l">
+            <a:pPr marL="457200" lvl="0" indent="-311150" algn="l" rtl="0">
               <a:lnSpc>
                 <a:spcPct val="200000"/>
               </a:lnSpc>
@@ -8233,10 +8330,10 @@
               <a:buChar char="●"/>
             </a:pPr>
             <a:r>
-              <a:rPr lang="en"/>
+              <a:rPr lang="en" dirty="0"/>
               <a:t>Overall test coverage 75%</a:t>
             </a:r>
-            <a:endParaRPr/>
+            <a:endParaRPr dirty="0"/>
           </a:p>
         </p:txBody>
       </p:sp>
@@ -8249,11 +8346,11 @@
 </file>
 
 <file path=ppt/slides/slide3.xml><?xml version="1.0" encoding="utf-8"?>
-<p:sld xmlns:a="http://schemas.openxmlformats.org/drawingml/2006/main" xmlns:r="http://schemas.openxmlformats.org/officeDocument/2006/relationships" xmlns:mc="http://schemas.openxmlformats.org/markup-compatibility/2006" xmlns:mv="urn:schemas-microsoft-com:mac:vml" xmlns:p="http://schemas.openxmlformats.org/presentationml/2006/main" xmlns:c="http://schemas.openxmlformats.org/drawingml/2006/chart" xmlns:dgm="http://schemas.openxmlformats.org/drawingml/2006/diagram" xmlns:o="urn:schemas-microsoft-com:office:office" xmlns:v="urn:schemas-microsoft-com:vml" xmlns:pvml="urn:schemas-microsoft-com:office:powerpoint" xmlns:com="http://schemas.openxmlformats.org/drawingml/2006/compatibility" xmlns:p14="http://schemas.microsoft.com/office/powerpoint/2010/main" xmlns:p15="http://schemas.microsoft.com/office/powerpoint/2012/main">
+<p:sld xmlns:a="http://schemas.openxmlformats.org/drawingml/2006/main" xmlns:r="http://schemas.openxmlformats.org/officeDocument/2006/relationships" xmlns:p="http://schemas.openxmlformats.org/presentationml/2006/main">
   <p:cSld>
     <p:spTree>
       <p:nvGrpSpPr>
-        <p:cNvPr id="97" name="Shape 97"/>
+        <p:cNvPr id="1" name="Shape 97"/>
         <p:cNvGrpSpPr/>
         <p:nvPr/>
       </p:nvGrpSpPr>
@@ -8268,7 +8365,9 @@
       <p:sp>
         <p:nvSpPr>
           <p:cNvPr id="98" name="Google Shape;98;p15"/>
-          <p:cNvSpPr txBox="1"/>
+          <p:cNvSpPr txBox="1">
+            <a:spLocks noGrp="1"/>
+          </p:cNvSpPr>
           <p:nvPr>
             <p:ph type="title"/>
           </p:nvPr>
@@ -8283,12 +8382,12 @@
           </a:prstGeom>
         </p:spPr>
         <p:txBody>
-          <a:bodyPr anchorCtr="0" anchor="t" bIns="91425" lIns="91425" spcFirstLastPara="1" rIns="91425" wrap="square" tIns="91425">
+          <a:bodyPr spcFirstLastPara="1" wrap="square" lIns="91425" tIns="91425" rIns="91425" bIns="91425" anchor="t" anchorCtr="0">
             <a:noAutofit/>
           </a:bodyPr>
           <a:lstStyle/>
           <a:p>
-            <a:pPr indent="0" lvl="0" marL="0" rtl="0" algn="l">
+            <a:pPr marL="0" lvl="0" indent="0" algn="l" rtl="0">
               <a:spcBef>
                 <a:spcPts val="0"/>
               </a:spcBef>
@@ -8308,9 +8407,11 @@
       <p:sp>
         <p:nvSpPr>
           <p:cNvPr id="99" name="Google Shape;99;p15"/>
-          <p:cNvSpPr txBox="1"/>
+          <p:cNvSpPr txBox="1">
+            <a:spLocks noGrp="1"/>
+          </p:cNvSpPr>
           <p:nvPr>
-            <p:ph idx="1" type="body"/>
+            <p:ph type="body" idx="1"/>
           </p:nvPr>
         </p:nvSpPr>
         <p:spPr>
@@ -8323,12 +8424,12 @@
           </a:prstGeom>
         </p:spPr>
         <p:txBody>
-          <a:bodyPr anchorCtr="0" anchor="t" bIns="91425" lIns="91425" spcFirstLastPara="1" rIns="91425" wrap="square" tIns="91425">
+          <a:bodyPr spcFirstLastPara="1" wrap="square" lIns="91425" tIns="91425" rIns="91425" bIns="91425" anchor="t" anchorCtr="0">
             <a:noAutofit/>
           </a:bodyPr>
           <a:lstStyle/>
           <a:p>
-            <a:pPr indent="-311150" lvl="0" marL="457200" rtl="0" algn="l">
+            <a:pPr marL="457200" lvl="0" indent="-311150" algn="l" rtl="0">
               <a:lnSpc>
                 <a:spcPct val="200000"/>
               </a:lnSpc>
@@ -8348,7 +8449,7 @@
             <a:endParaRPr/>
           </a:p>
           <a:p>
-            <a:pPr indent="-311150" lvl="0" marL="457200" rtl="0" algn="l">
+            <a:pPr marL="457200" lvl="0" indent="-311150" algn="l" rtl="0">
               <a:lnSpc>
                 <a:spcPct val="200000"/>
               </a:lnSpc>
@@ -8368,7 +8469,7 @@
             <a:endParaRPr/>
           </a:p>
           <a:p>
-            <a:pPr indent="0" lvl="0" marL="0" rtl="0" algn="l">
+            <a:pPr marL="0" lvl="0" indent="0" algn="l" rtl="0">
               <a:spcBef>
                 <a:spcPts val="1600"/>
               </a:spcBef>
@@ -8377,9 +8478,6 @@
               </a:spcAft>
               <a:buNone/>
             </a:pPr>
-            <a:r>
-              <a:t/>
-            </a:r>
             <a:endParaRPr/>
           </a:p>
         </p:txBody>
@@ -8421,11 +8519,11 @@
 </file>
 
 <file path=ppt/slides/slide4.xml><?xml version="1.0" encoding="utf-8"?>
-<p:sld xmlns:a="http://schemas.openxmlformats.org/drawingml/2006/main" xmlns:r="http://schemas.openxmlformats.org/officeDocument/2006/relationships" xmlns:mc="http://schemas.openxmlformats.org/markup-compatibility/2006" xmlns:mv="urn:schemas-microsoft-com:mac:vml" xmlns:p="http://schemas.openxmlformats.org/presentationml/2006/main" xmlns:c="http://schemas.openxmlformats.org/drawingml/2006/chart" xmlns:dgm="http://schemas.openxmlformats.org/drawingml/2006/diagram" xmlns:o="urn:schemas-microsoft-com:office:office" xmlns:v="urn:schemas-microsoft-com:vml" xmlns:pvml="urn:schemas-microsoft-com:office:powerpoint" xmlns:com="http://schemas.openxmlformats.org/drawingml/2006/compatibility" xmlns:p14="http://schemas.microsoft.com/office/powerpoint/2010/main" xmlns:p15="http://schemas.microsoft.com/office/powerpoint/2012/main">
+<p:sld xmlns:a="http://schemas.openxmlformats.org/drawingml/2006/main" xmlns:r="http://schemas.openxmlformats.org/officeDocument/2006/relationships" xmlns:p="http://schemas.openxmlformats.org/presentationml/2006/main">
   <p:cSld>
     <p:spTree>
       <p:nvGrpSpPr>
-        <p:cNvPr id="104" name="Shape 104"/>
+        <p:cNvPr id="1" name="Shape 104"/>
         <p:cNvGrpSpPr/>
         <p:nvPr/>
       </p:nvGrpSpPr>
@@ -8440,7 +8538,9 @@
       <p:sp>
         <p:nvSpPr>
           <p:cNvPr id="105" name="Google Shape;105;p16"/>
-          <p:cNvSpPr txBox="1"/>
+          <p:cNvSpPr txBox="1">
+            <a:spLocks noGrp="1"/>
+          </p:cNvSpPr>
           <p:nvPr>
             <p:ph type="title"/>
           </p:nvPr>
@@ -8455,12 +8555,12 @@
           </a:prstGeom>
         </p:spPr>
         <p:txBody>
-          <a:bodyPr anchorCtr="0" anchor="t" bIns="91425" lIns="91425" spcFirstLastPara="1" rIns="91425" wrap="square" tIns="91425">
+          <a:bodyPr spcFirstLastPara="1" wrap="square" lIns="91425" tIns="91425" rIns="91425" bIns="91425" anchor="t" anchorCtr="0">
             <a:noAutofit/>
           </a:bodyPr>
           <a:lstStyle/>
           <a:p>
-            <a:pPr indent="0" lvl="0" marL="0" rtl="0" algn="l">
+            <a:pPr marL="0" lvl="0" indent="0" algn="l" rtl="0">
               <a:spcBef>
                 <a:spcPts val="0"/>
               </a:spcBef>
@@ -8480,9 +8580,11 @@
       <p:sp>
         <p:nvSpPr>
           <p:cNvPr id="106" name="Google Shape;106;p16"/>
-          <p:cNvSpPr txBox="1"/>
+          <p:cNvSpPr txBox="1">
+            <a:spLocks noGrp="1"/>
+          </p:cNvSpPr>
           <p:nvPr>
-            <p:ph idx="1" type="body"/>
+            <p:ph type="body" idx="1"/>
           </p:nvPr>
         </p:nvSpPr>
         <p:spPr>
@@ -8495,12 +8597,12 @@
           </a:prstGeom>
         </p:spPr>
         <p:txBody>
-          <a:bodyPr anchorCtr="0" anchor="t" bIns="91425" lIns="91425" spcFirstLastPara="1" rIns="91425" wrap="square" tIns="91425">
+          <a:bodyPr spcFirstLastPara="1" wrap="square" lIns="91425" tIns="91425" rIns="91425" bIns="91425" anchor="t" anchorCtr="0">
             <a:noAutofit/>
           </a:bodyPr>
           <a:lstStyle/>
           <a:p>
-            <a:pPr indent="-311150" lvl="0" marL="457200" rtl="0" algn="l">
+            <a:pPr marL="457200" lvl="0" indent="-311150" algn="l" rtl="0">
               <a:lnSpc>
                 <a:spcPct val="200000"/>
               </a:lnSpc>
@@ -8514,13 +8616,13 @@
               <a:buChar char="●"/>
             </a:pPr>
             <a:r>
-              <a:rPr lang="en"/>
+              <a:rPr lang="en" dirty="0"/>
               <a:t>Improve on linking Commits and PR’s with the User Stories</a:t>
             </a:r>
-            <a:endParaRPr/>
+            <a:endParaRPr dirty="0"/>
           </a:p>
           <a:p>
-            <a:pPr indent="-311150" lvl="0" marL="457200" rtl="0" algn="l">
+            <a:pPr marL="457200" lvl="0" indent="-311150" algn="l" rtl="0">
               <a:lnSpc>
                 <a:spcPct val="200000"/>
               </a:lnSpc>
@@ -8534,13 +8636,13 @@
               <a:buChar char="●"/>
             </a:pPr>
             <a:r>
-              <a:rPr lang="en"/>
+              <a:rPr lang="en" dirty="0"/>
               <a:t>Thorough Unit Testing before generating PR</a:t>
             </a:r>
-            <a:endParaRPr/>
+            <a:endParaRPr dirty="0"/>
           </a:p>
           <a:p>
-            <a:pPr indent="-311150" lvl="0" marL="457200" rtl="0" algn="l">
+            <a:pPr marL="457200" lvl="0" indent="-311150" algn="l" rtl="0">
               <a:lnSpc>
                 <a:spcPct val="200000"/>
               </a:lnSpc>
@@ -8554,40 +8656,60 @@
               <a:buChar char="●"/>
             </a:pPr>
             <a:r>
-              <a:rPr lang="en"/>
+              <a:rPr lang="en" dirty="0"/>
               <a:t>Planned team meetings</a:t>
             </a:r>
-            <a:endParaRPr sz="1500"/>
           </a:p>
           <a:p>
-            <a:pPr indent="0" lvl="0" marL="0" rtl="0" algn="l">
-              <a:spcBef>
-                <a:spcPts val="1600"/>
-              </a:spcBef>
-              <a:spcAft>
-                <a:spcPts val="0"/>
-              </a:spcAft>
-              <a:buNone/>
+            <a:pPr lvl="0">
+              <a:lnSpc>
+                <a:spcPct val="200000"/>
+              </a:lnSpc>
             </a:pPr>
             <a:r>
-              <a:t/>
+              <a:rPr lang="en-IN" dirty="0"/>
+              <a:t>Overall test coverage 75%</a:t>
             </a:r>
-            <a:endParaRPr sz="1500"/>
           </a:p>
           <a:p>
-            <a:pPr indent="0" lvl="0" marL="0" rtl="0" algn="l">
+            <a:pPr marL="457200" lvl="0" indent="-311150" algn="l" rtl="0">
+              <a:lnSpc>
+                <a:spcPct val="200000"/>
+              </a:lnSpc>
+              <a:spcBef>
+                <a:spcPts val="0"/>
+              </a:spcBef>
+              <a:spcAft>
+                <a:spcPts val="0"/>
+              </a:spcAft>
+              <a:buSzPts val="1300"/>
+              <a:buChar char="●"/>
+            </a:pPr>
+            <a:endParaRPr sz="1500" dirty="0"/>
+          </a:p>
+          <a:p>
+            <a:pPr marL="0" lvl="0" indent="0" algn="l" rtl="0">
               <a:spcBef>
                 <a:spcPts val="1600"/>
               </a:spcBef>
               <a:spcAft>
+                <a:spcPts val="0"/>
+              </a:spcAft>
+              <a:buNone/>
+            </a:pPr>
+            <a:endParaRPr sz="1500" dirty="0"/>
+          </a:p>
+          <a:p>
+            <a:pPr marL="0" lvl="0" indent="0" algn="l" rtl="0">
+              <a:spcBef>
                 <a:spcPts val="1600"/>
+              </a:spcBef>
+              <a:spcAft>
+                <a:spcPts val="1600"/>
               </a:spcAft>
               <a:buNone/>
             </a:pPr>
-            <a:r>
-              <a:t/>
-            </a:r>
-            <a:endParaRPr sz="1500"/>
+            <a:endParaRPr sz="1500" dirty="0"/>
           </a:p>
         </p:txBody>
       </p:sp>
@@ -8600,11 +8722,11 @@
 </file>
 
 <file path=ppt/slides/slide5.xml><?xml version="1.0" encoding="utf-8"?>
-<p:sld xmlns:a="http://schemas.openxmlformats.org/drawingml/2006/main" xmlns:r="http://schemas.openxmlformats.org/officeDocument/2006/relationships" xmlns:mc="http://schemas.openxmlformats.org/markup-compatibility/2006" xmlns:mv="urn:schemas-microsoft-com:mac:vml" xmlns:p="http://schemas.openxmlformats.org/presentationml/2006/main" xmlns:c="http://schemas.openxmlformats.org/drawingml/2006/chart" xmlns:dgm="http://schemas.openxmlformats.org/drawingml/2006/diagram" xmlns:o="urn:schemas-microsoft-com:office:office" xmlns:v="urn:schemas-microsoft-com:vml" xmlns:pvml="urn:schemas-microsoft-com:office:powerpoint" xmlns:com="http://schemas.openxmlformats.org/drawingml/2006/compatibility" xmlns:p14="http://schemas.microsoft.com/office/powerpoint/2010/main" xmlns:p15="http://schemas.microsoft.com/office/powerpoint/2012/main">
+<p:sld xmlns:a="http://schemas.openxmlformats.org/drawingml/2006/main" xmlns:r="http://schemas.openxmlformats.org/officeDocument/2006/relationships" xmlns:p="http://schemas.openxmlformats.org/presentationml/2006/main">
   <p:cSld>
     <p:spTree>
       <p:nvGrpSpPr>
-        <p:cNvPr id="110" name="Shape 110"/>
+        <p:cNvPr id="1" name="Shape 110"/>
         <p:cNvGrpSpPr/>
         <p:nvPr/>
       </p:nvGrpSpPr>
@@ -8619,7 +8741,9 @@
       <p:sp>
         <p:nvSpPr>
           <p:cNvPr id="111" name="Google Shape;111;p17"/>
-          <p:cNvSpPr txBox="1"/>
+          <p:cNvSpPr txBox="1">
+            <a:spLocks noGrp="1"/>
+          </p:cNvSpPr>
           <p:nvPr>
             <p:ph type="title"/>
           </p:nvPr>
@@ -8634,12 +8758,12 @@
           </a:prstGeom>
         </p:spPr>
         <p:txBody>
-          <a:bodyPr anchorCtr="0" anchor="t" bIns="91425" lIns="91425" spcFirstLastPara="1" rIns="91425" wrap="square" tIns="91425">
+          <a:bodyPr spcFirstLastPara="1" wrap="square" lIns="91425" tIns="91425" rIns="91425" bIns="91425" anchor="t" anchorCtr="0">
             <a:noAutofit/>
           </a:bodyPr>
           <a:lstStyle/>
           <a:p>
-            <a:pPr indent="0" lvl="0" marL="0" rtl="0" algn="l">
+            <a:pPr marL="0" lvl="0" indent="0" algn="l" rtl="0">
               <a:spcBef>
                 <a:spcPts val="0"/>
               </a:spcBef>
@@ -8721,11 +8845,11 @@
 </file>
 
 <file path=ppt/slides/slide6.xml><?xml version="1.0" encoding="utf-8"?>
-<p:sld xmlns:a="http://schemas.openxmlformats.org/drawingml/2006/main" xmlns:r="http://schemas.openxmlformats.org/officeDocument/2006/relationships" xmlns:mc="http://schemas.openxmlformats.org/markup-compatibility/2006" xmlns:mv="urn:schemas-microsoft-com:mac:vml" xmlns:p="http://schemas.openxmlformats.org/presentationml/2006/main" xmlns:c="http://schemas.openxmlformats.org/drawingml/2006/chart" xmlns:dgm="http://schemas.openxmlformats.org/drawingml/2006/diagram" xmlns:o="urn:schemas-microsoft-com:office:office" xmlns:v="urn:schemas-microsoft-com:vml" xmlns:pvml="urn:schemas-microsoft-com:office:powerpoint" xmlns:com="http://schemas.openxmlformats.org/drawingml/2006/compatibility" xmlns:p14="http://schemas.microsoft.com/office/powerpoint/2010/main" xmlns:p15="http://schemas.microsoft.com/office/powerpoint/2012/main">
+<p:sld xmlns:a="http://schemas.openxmlformats.org/drawingml/2006/main" xmlns:r="http://schemas.openxmlformats.org/officeDocument/2006/relationships" xmlns:p="http://schemas.openxmlformats.org/presentationml/2006/main">
   <p:cSld>
     <p:spTree>
       <p:nvGrpSpPr>
-        <p:cNvPr id="117" name="Shape 117"/>
+        <p:cNvPr id="1" name="Shape 117"/>
         <p:cNvGrpSpPr/>
         <p:nvPr/>
       </p:nvGrpSpPr>
@@ -8740,7 +8864,9 @@
       <p:sp>
         <p:nvSpPr>
           <p:cNvPr id="118" name="Google Shape;118;p18"/>
-          <p:cNvSpPr txBox="1"/>
+          <p:cNvSpPr txBox="1">
+            <a:spLocks noGrp="1"/>
+          </p:cNvSpPr>
           <p:nvPr>
             <p:ph type="title"/>
           </p:nvPr>
@@ -8755,12 +8881,12 @@
           </a:prstGeom>
         </p:spPr>
         <p:txBody>
-          <a:bodyPr anchorCtr="0" anchor="t" bIns="91425" lIns="91425" spcFirstLastPara="1" rIns="91425" wrap="square" tIns="91425">
+          <a:bodyPr spcFirstLastPara="1" wrap="square" lIns="91425" tIns="91425" rIns="91425" bIns="91425" anchor="t" anchorCtr="0">
             <a:noAutofit/>
           </a:bodyPr>
           <a:lstStyle/>
           <a:p>
-            <a:pPr indent="0" lvl="0" marL="0" rtl="0" algn="l">
+            <a:pPr marL="0" lvl="0" indent="0" algn="l" rtl="0">
               <a:spcBef>
                 <a:spcPts val="0"/>
               </a:spcBef>
@@ -8776,16 +8902,12 @@
             </a:pPr>
             <a:r>
               <a:rPr lang="en"/>
-              <a:t> </a:t>
-            </a:r>
-            <a:r>
-              <a:rPr lang="en"/>
-              <a:t>Snapshots</a:t>
+              <a:t> Snapshots</a:t>
             </a:r>
             <a:endParaRPr/>
           </a:p>
           <a:p>
-            <a:pPr indent="0" lvl="0" marL="0" rtl="0" algn="l">
+            <a:pPr marL="0" lvl="0" indent="0" algn="l" rtl="0">
               <a:spcBef>
                 <a:spcPts val="0"/>
               </a:spcBef>
@@ -8794,9 +8916,6 @@
               </a:spcAft>
               <a:buNone/>
             </a:pPr>
-            <a:r>
-              <a:t/>
-            </a:r>
             <a:endParaRPr/>
           </a:p>
         </p:txBody>
@@ -8894,11 +9013,11 @@
 </file>
 
 <file path=ppt/slides/slide7.xml><?xml version="1.0" encoding="utf-8"?>
-<p:sld xmlns:a="http://schemas.openxmlformats.org/drawingml/2006/main" xmlns:r="http://schemas.openxmlformats.org/officeDocument/2006/relationships" xmlns:mc="http://schemas.openxmlformats.org/markup-compatibility/2006" xmlns:mv="urn:schemas-microsoft-com:mac:vml" xmlns:p="http://schemas.openxmlformats.org/presentationml/2006/main" xmlns:c="http://schemas.openxmlformats.org/drawingml/2006/chart" xmlns:dgm="http://schemas.openxmlformats.org/drawingml/2006/diagram" xmlns:o="urn:schemas-microsoft-com:office:office" xmlns:v="urn:schemas-microsoft-com:vml" xmlns:pvml="urn:schemas-microsoft-com:office:powerpoint" xmlns:com="http://schemas.openxmlformats.org/drawingml/2006/compatibility" xmlns:p14="http://schemas.microsoft.com/office/powerpoint/2010/main" xmlns:p15="http://schemas.microsoft.com/office/powerpoint/2012/main">
+<p:sld xmlns:a="http://schemas.openxmlformats.org/drawingml/2006/main" xmlns:r="http://schemas.openxmlformats.org/officeDocument/2006/relationships" xmlns:p="http://schemas.openxmlformats.org/presentationml/2006/main">
   <p:cSld>
     <p:spTree>
       <p:nvGrpSpPr>
-        <p:cNvPr id="125" name="Shape 125"/>
+        <p:cNvPr id="1" name="Shape 125"/>
         <p:cNvGrpSpPr/>
         <p:nvPr/>
       </p:nvGrpSpPr>
@@ -8913,9 +9032,11 @@
       <p:sp>
         <p:nvSpPr>
           <p:cNvPr id="126" name="Google Shape;126;p19"/>
-          <p:cNvSpPr txBox="1"/>
+          <p:cNvSpPr txBox="1">
+            <a:spLocks noGrp="1"/>
+          </p:cNvSpPr>
           <p:nvPr>
-            <p:ph idx="1" type="body"/>
+            <p:ph type="body" idx="1"/>
           </p:nvPr>
         </p:nvSpPr>
         <p:spPr>
@@ -8928,12 +9049,12 @@
           </a:prstGeom>
         </p:spPr>
         <p:txBody>
-          <a:bodyPr anchorCtr="0" anchor="t" bIns="91425" lIns="91425" spcFirstLastPara="1" rIns="91425" wrap="square" tIns="91425">
+          <a:bodyPr spcFirstLastPara="1" wrap="square" lIns="91425" tIns="91425" rIns="91425" bIns="91425" anchor="t" anchorCtr="0">
             <a:noAutofit/>
           </a:bodyPr>
           <a:lstStyle/>
           <a:p>
-            <a:pPr indent="0" lvl="0" marL="2743200" rtl="0" algn="l">
+            <a:pPr marL="2743200" lvl="0" indent="0" algn="l" rtl="0">
               <a:spcBef>
                 <a:spcPts val="0"/>
               </a:spcBef>
@@ -8942,13 +9063,10 @@
               </a:spcAft>
               <a:buNone/>
             </a:pPr>
-            <a:r>
-              <a:t/>
-            </a:r>
             <a:endParaRPr sz="3600"/>
           </a:p>
           <a:p>
-            <a:pPr indent="0" lvl="0" marL="2743200" rtl="0" algn="l">
+            <a:pPr marL="2743200" lvl="0" indent="0" algn="l" rtl="0">
               <a:spcBef>
                 <a:spcPts val="1600"/>
               </a:spcBef>
@@ -8974,7 +9092,7 @@
 </file>
 
 <file path=ppt/theme/theme1.xml><?xml version="1.0" encoding="utf-8"?>
-<a:theme xmlns:a="http://schemas.openxmlformats.org/drawingml/2006/main" xmlns:r="http://schemas.openxmlformats.org/officeDocument/2006/relationships" name="Streamline">
+<a:theme xmlns:a="http://schemas.openxmlformats.org/drawingml/2006/main" name="Streamline">
   <a:themeElements>
     <a:clrScheme name="Streamline">
       <a:dk1>
@@ -9249,11 +9367,13 @@
       </a:bgFillStyleLst>
     </a:fmtScheme>
   </a:themeElements>
+  <a:objectDefaults/>
+  <a:extraClrSchemeLst/>
 </a:theme>
 </file>
 
 <file path=ppt/theme/theme2.xml><?xml version="1.0" encoding="utf-8"?>
-<a:theme xmlns:a="http://schemas.openxmlformats.org/drawingml/2006/main" xmlns:r="http://schemas.openxmlformats.org/officeDocument/2006/relationships">
+<a:theme xmlns:a="http://schemas.openxmlformats.org/drawingml/2006/main">
   <a:themeElements>
     <a:clrScheme name="Default">
       <a:dk1>
@@ -9528,5 +9648,7 @@
       </a:bgFillStyleLst>
     </a:fmtScheme>
   </a:themeElements>
+  <a:objectDefaults/>
+  <a:extraClrSchemeLst/>
 </a:theme>
 </file>